--- a/raport_LLM.pptx
+++ b/raport_LLM.pptx
@@ -5,10 +5,10 @@
     <p:sldMasterId id="2147483648" r:id="rId1"/>
   </p:sldMasterIdLst>
   <p:notesMasterIdLst>
-    <p:notesMasterId r:id="rId26"/>
+    <p:notesMasterId r:id="rId29"/>
   </p:notesMasterIdLst>
   <p:handoutMasterIdLst>
-    <p:handoutMasterId r:id="rId27"/>
+    <p:handoutMasterId r:id="rId30"/>
   </p:handoutMasterIdLst>
   <p:sldIdLst>
     <p:sldId id="257" r:id="rId2"/>
@@ -27,14 +27,17 @@
     <p:sldId id="287" r:id="rId15"/>
     <p:sldId id="284" r:id="rId16"/>
     <p:sldId id="288" r:id="rId17"/>
-    <p:sldId id="289" r:id="rId18"/>
-    <p:sldId id="290" r:id="rId19"/>
-    <p:sldId id="291" r:id="rId20"/>
-    <p:sldId id="292" r:id="rId21"/>
-    <p:sldId id="294" r:id="rId22"/>
-    <p:sldId id="295" r:id="rId23"/>
-    <p:sldId id="293" r:id="rId24"/>
-    <p:sldId id="269" r:id="rId25"/>
+    <p:sldId id="300" r:id="rId18"/>
+    <p:sldId id="289" r:id="rId19"/>
+    <p:sldId id="299" r:id="rId20"/>
+    <p:sldId id="290" r:id="rId21"/>
+    <p:sldId id="291" r:id="rId22"/>
+    <p:sldId id="292" r:id="rId23"/>
+    <p:sldId id="294" r:id="rId24"/>
+    <p:sldId id="295" r:id="rId25"/>
+    <p:sldId id="296" r:id="rId26"/>
+    <p:sldId id="297" r:id="rId27"/>
+    <p:sldId id="269" r:id="rId28"/>
   </p:sldIdLst>
   <p:sldSz cx="17348200" cy="9753600"/>
   <p:notesSz cx="17348200" cy="9753600"/>
@@ -212,7 +215,7 @@
           <a:p>
             <a:fld id="{666E61DE-1085-47AB-AAE3-B3539548EBA7}" type="datetimeFigureOut">
               <a:rPr lang="pl-PL" smtClean="0"/>
-              <a:t>21.01.2026</a:t>
+              <a:t>25.01.2026</a:t>
             </a:fld>
             <a:endParaRPr lang="pl-PL"/>
           </a:p>
@@ -420,7 +423,7 @@
           <a:p>
             <a:fld id="{FA2BDDAD-0262-4D49-84E2-04283E1DDE08}" type="datetimeFigureOut">
               <a:rPr lang="pl-PL" smtClean="0"/>
-              <a:t>21.01.2026</a:t>
+              <a:t>25.01.2026</a:t>
             </a:fld>
             <a:endParaRPr lang="pl-PL"/>
           </a:p>
@@ -877,7 +880,7 @@
           <a:p>
             <a:fld id="{F0F44783-92F2-4F12-9659-D20182A0DCA0}" type="slidenum">
               <a:rPr lang="pl-PL" smtClean="0"/>
-              <a:t>24</a:t>
+              <a:t>27</a:t>
             </a:fld>
             <a:endParaRPr lang="pl-PL"/>
           </a:p>
@@ -9846,7 +9849,7 @@
         <p:cNvPr id="1" name="">
           <a:extLst>
             <a:ext uri="{FF2B5EF4-FFF2-40B4-BE49-F238E27FC236}">
-              <a16:creationId xmlns:a16="http://schemas.microsoft.com/office/drawing/2014/main" id="{0591BC7F-6C7C-7DF2-B7F9-7B38CBEDD585}"/>
+              <a16:creationId xmlns:a16="http://schemas.microsoft.com/office/drawing/2014/main" id="{7038AF02-C4C8-79AA-02FC-95A3360701B3}"/>
             </a:ext>
           </a:extLst>
         </p:cNvPr>
@@ -9866,7 +9869,7 @@
           <p:cNvPr id="2" name="Symbol zastępczy tekstu 1">
             <a:extLst>
               <a:ext uri="{FF2B5EF4-FFF2-40B4-BE49-F238E27FC236}">
-                <a16:creationId xmlns:a16="http://schemas.microsoft.com/office/drawing/2014/main" id="{6B3F1450-B621-631F-C275-CD763E961D79}"/>
+                <a16:creationId xmlns:a16="http://schemas.microsoft.com/office/drawing/2014/main" id="{3A12E3C9-A9B3-ABC5-5CAF-148D857A6E00}"/>
               </a:ext>
             </a:extLst>
           </p:cNvPr>
@@ -9879,7 +9882,7 @@
         </p:nvSpPr>
         <p:spPr>
           <a:xfrm>
-            <a:off x="867410" y="2243328"/>
+            <a:off x="867410" y="2212504"/>
             <a:ext cx="15367530" cy="4001624"/>
           </a:xfrm>
         </p:spPr>
@@ -9893,8 +9896,28 @@
               </a:lnSpc>
             </a:pPr>
             <a:r>
+              <a:rPr lang="pl-PL" dirty="0" err="1"/>
+              <a:t>Vector</a:t>
+            </a:r>
+            <a:r>
               <a:rPr lang="pl-PL" dirty="0"/>
-              <a:t>RAG to architektura systemu pozwalająca na generowanie wspomagane przez wyszukiwanie. RAG poprawia wydajność aplikacji sztucznej inteligencji poprzez wykorzystanie zewnętrznych baz wiedzy. Udoskonala ona duże modele językowe poprzez pobieranie informacji z różnych zestawów danych w celu generowania optymalnych wyników. Dogłębne zrozumienie RAG może pomóc w lepszym przygotowaniu się do uzyskiwania pożądanych odpowiedzi z modeli LLM, a jednocześnie w pokonaniu niektórych wyzwań związanych z ich wykorzystaniem, w tym nieaktualnych odpowiedzi lub odpowiedzi opartych na błędnych informacjach.</a:t>
+              <a:t> Database (</a:t>
+            </a:r>
+            <a:r>
+              <a:rPr lang="pl-PL" dirty="0" err="1"/>
+              <a:t>Vector</a:t>
+            </a:r>
+            <a:r>
+              <a:rPr lang="pl-PL" dirty="0"/>
+              <a:t> DB) to specjalistyczna baza danych, która przechowuje </a:t>
+            </a:r>
+            <a:r>
+              <a:rPr lang="pl-PL" dirty="0" err="1"/>
+              <a:t>embeddingi</a:t>
+            </a:r>
+            <a:r>
+              <a:rPr lang="pl-PL" dirty="0"/>
+              <a:t> tekstowe i umożliwia szybkie wyszukiwanie fragmentów najbardziej podobnych do zapytania użytkownika. W systemie RAG pełni rolę pośrednika między tekstem wytycznych a modelem LLM, zapewniając efektywny i semantycznie poprawny dostęp do wiedzy.</a:t>
             </a:r>
           </a:p>
           <a:p>
@@ -9913,14 +9936,6 @@
             </a:pPr>
             <a:endParaRPr lang="pl-PL" dirty="0"/>
           </a:p>
-          <a:p>
-            <a:pPr algn="just">
-              <a:lnSpc>
-                <a:spcPct val="150000"/>
-              </a:lnSpc>
-            </a:pPr>
-            <a:endParaRPr lang="pl-PL" dirty="0"/>
-          </a:p>
         </p:txBody>
       </p:sp>
       <p:sp>
@@ -9928,7 +9943,7 @@
           <p:cNvPr id="3" name="Symbol zastępczy numeru slajdu 2">
             <a:extLst>
               <a:ext uri="{FF2B5EF4-FFF2-40B4-BE49-F238E27FC236}">
-                <a16:creationId xmlns:a16="http://schemas.microsoft.com/office/drawing/2014/main" id="{D3D02978-9625-1937-16A7-D872524F5B8C}"/>
+                <a16:creationId xmlns:a16="http://schemas.microsoft.com/office/drawing/2014/main" id="{47D8EB37-7DAC-F097-F010-6F0294A51206}"/>
               </a:ext>
             </a:extLst>
           </p:cNvPr>
@@ -9971,7 +9986,7 @@
           <p:cNvPr id="4" name="Tytuł 3">
             <a:extLst>
               <a:ext uri="{FF2B5EF4-FFF2-40B4-BE49-F238E27FC236}">
-                <a16:creationId xmlns:a16="http://schemas.microsoft.com/office/drawing/2014/main" id="{FC037520-E59D-3B0A-8C6E-0A28CA54103A}"/>
+                <a16:creationId xmlns:a16="http://schemas.microsoft.com/office/drawing/2014/main" id="{F4413CCF-C18E-2D93-B11B-73F03EE51FEF}"/>
               </a:ext>
             </a:extLst>
           </p:cNvPr>
@@ -10004,7 +10019,7 @@
           <p:cNvPr id="5" name="Straight Connector 3">
             <a:extLst>
               <a:ext uri="{FF2B5EF4-FFF2-40B4-BE49-F238E27FC236}">
-                <a16:creationId xmlns:a16="http://schemas.microsoft.com/office/drawing/2014/main" id="{CB6FB449-9909-5157-E989-6F59C695B48B}"/>
+                <a16:creationId xmlns:a16="http://schemas.microsoft.com/office/drawing/2014/main" id="{AA97F199-7036-EBAE-6EAD-EF313D3AF135}"/>
               </a:ext>
             </a:extLst>
           </p:cNvPr>
@@ -10047,7 +10062,7 @@
           <p:cNvPr id="6" name="Symbol zastępczy tekstu 1">
             <a:extLst>
               <a:ext uri="{FF2B5EF4-FFF2-40B4-BE49-F238E27FC236}">
-                <a16:creationId xmlns:a16="http://schemas.microsoft.com/office/drawing/2014/main" id="{14BFA997-EEE9-425A-DAA8-1B6CD0F0686D}"/>
+                <a16:creationId xmlns:a16="http://schemas.microsoft.com/office/drawing/2014/main" id="{4CA1633A-E6D9-FA12-3866-CD397EDC0366}"/>
               </a:ext>
             </a:extLst>
           </p:cNvPr>
@@ -10059,7 +10074,7 @@
         <p:spPr>
           <a:xfrm>
             <a:off x="867410" y="1054083"/>
-            <a:ext cx="5790466" cy="691282"/>
+            <a:ext cx="2262074" cy="691282"/>
           </a:xfrm>
           <a:prstGeom prst="rect">
             <a:avLst/>
@@ -10143,13 +10158,22 @@
           <a:p>
             <a:pPr algn="ctr"/>
             <a:r>
-              <a:rPr lang="pl-PL" sz="3600" kern="0" dirty="0">
+              <a:rPr lang="pl-PL" sz="3600" kern="0" dirty="0" err="1">
                 <a:solidFill>
                   <a:sysClr val="windowText" lastClr="000000"/>
                 </a:solidFill>
                 <a:latin typeface="Agency FB" panose="020B0503020202020204" pitchFamily="34" charset="0"/>
               </a:rPr>
-              <a:t>RAG (Retrieval-Augmented Generation) </a:t>
+              <a:t>Vector</a:t>
+            </a:r>
+            <a:r>
+              <a:rPr lang="pl-PL" sz="3600" kern="0" dirty="0">
+                <a:solidFill>
+                  <a:sysClr val="windowText" lastClr="000000"/>
+                </a:solidFill>
+                <a:latin typeface="Agency FB" panose="020B0503020202020204" pitchFamily="34" charset="0"/>
+              </a:rPr>
+              <a:t> DB</a:t>
             </a:r>
           </a:p>
         </p:txBody>
@@ -10159,7 +10183,7 @@
           <p:cNvPr id="7" name="Symbol zastępczy tekstu 1">
             <a:extLst>
               <a:ext uri="{FF2B5EF4-FFF2-40B4-BE49-F238E27FC236}">
-                <a16:creationId xmlns:a16="http://schemas.microsoft.com/office/drawing/2014/main" id="{9F020664-0006-8193-733A-8C3EA388C529}"/>
+                <a16:creationId xmlns:a16="http://schemas.microsoft.com/office/drawing/2014/main" id="{61D21741-79A9-9AC3-98B0-7E11CF2384D3}"/>
               </a:ext>
             </a:extLst>
           </p:cNvPr>
@@ -10170,8 +10194,8 @@
         </p:nvSpPr>
         <p:spPr>
           <a:xfrm>
-            <a:off x="12562532" y="8621216"/>
-            <a:ext cx="4035197" cy="461665"/>
+            <a:off x="11122372" y="8621217"/>
+            <a:ext cx="5475357" cy="360040"/>
           </a:xfrm>
           <a:prstGeom prst="rect">
             <a:avLst/>
@@ -10255,7 +10279,7 @@
                 </a:solidFill>
                 <a:hlinkClick r:id="rId2"/>
               </a:rPr>
-              <a:t>https://www.coursera.org/articles/what-is-rag-in-ai</a:t>
+              <a:t>https://www.cloudflare.com/pl-pl/learning/ai/what-is-vector-database/</a:t>
             </a:r>
             <a:endParaRPr lang="pl-PL" sz="1400" kern="0" dirty="0">
               <a:solidFill>
@@ -10265,10 +10289,516 @@
           </a:p>
         </p:txBody>
       </p:sp>
+      <p:graphicFrame>
+        <p:nvGraphicFramePr>
+          <p:cNvPr id="9" name="Tabela 8">
+            <a:extLst>
+              <a:ext uri="{FF2B5EF4-FFF2-40B4-BE49-F238E27FC236}">
+                <a16:creationId xmlns:a16="http://schemas.microsoft.com/office/drawing/2014/main" id="{32084C03-FED7-F0A6-891F-F68889EA4DE9}"/>
+              </a:ext>
+            </a:extLst>
+          </p:cNvPr>
+          <p:cNvGraphicFramePr>
+            <a:graphicFrameLocks noGrp="1"/>
+          </p:cNvGraphicFramePr>
+          <p:nvPr>
+            <p:extLst>
+              <p:ext uri="{D42A27DB-BD31-4B8C-83A1-F6EECF244321}">
+                <p14:modId xmlns:p14="http://schemas.microsoft.com/office/powerpoint/2010/main" val="2935600812"/>
+              </p:ext>
+            </p:extLst>
+          </p:nvPr>
+        </p:nvGraphicFramePr>
+        <p:xfrm>
+          <a:off x="866142" y="4781571"/>
+          <a:ext cx="15614648" cy="3291840"/>
+        </p:xfrm>
+        <a:graphic>
+          <a:graphicData uri="http://schemas.openxmlformats.org/drawingml/2006/table">
+            <a:tbl>
+              <a:tblPr>
+                <a:tableStyleId>{21E4AEA4-8DFA-4A89-87EB-49C32662AFE0}</a:tableStyleId>
+              </a:tblPr>
+              <a:tblGrid>
+                <a:gridCol w="3903662">
+                  <a:extLst>
+                    <a:ext uri="{9D8B030D-6E8A-4147-A177-3AD203B41FA5}">
+                      <a16:colId xmlns:a16="http://schemas.microsoft.com/office/drawing/2014/main" val="1269744248"/>
+                    </a:ext>
+                  </a:extLst>
+                </a:gridCol>
+                <a:gridCol w="3903662">
+                  <a:extLst>
+                    <a:ext uri="{9D8B030D-6E8A-4147-A177-3AD203B41FA5}">
+                      <a16:colId xmlns:a16="http://schemas.microsoft.com/office/drawing/2014/main" val="3690503677"/>
+                    </a:ext>
+                  </a:extLst>
+                </a:gridCol>
+                <a:gridCol w="3903662">
+                  <a:extLst>
+                    <a:ext uri="{9D8B030D-6E8A-4147-A177-3AD203B41FA5}">
+                      <a16:colId xmlns:a16="http://schemas.microsoft.com/office/drawing/2014/main" val="2867098592"/>
+                    </a:ext>
+                  </a:extLst>
+                </a:gridCol>
+                <a:gridCol w="3903662">
+                  <a:extLst>
+                    <a:ext uri="{9D8B030D-6E8A-4147-A177-3AD203B41FA5}">
+                      <a16:colId xmlns:a16="http://schemas.microsoft.com/office/drawing/2014/main" val="2504597376"/>
+                    </a:ext>
+                  </a:extLst>
+                </a:gridCol>
+              </a:tblGrid>
+              <a:tr h="365760">
+                <a:tc>
+                  <a:txBody>
+                    <a:bodyPr/>
+                    <a:lstStyle/>
+                    <a:p>
+                      <a:pPr>
+                        <a:buNone/>
+                      </a:pPr>
+                      <a:r>
+                        <a:rPr lang="pl-PL" sz="1800"/>
+                        <a:t>Narzędzie</a:t>
+                      </a:r>
+                    </a:p>
+                  </a:txBody>
+                  <a:tcPr anchor="ctr"/>
+                </a:tc>
+                <a:tc>
+                  <a:txBody>
+                    <a:bodyPr/>
+                    <a:lstStyle/>
+                    <a:p>
+                      <a:pPr>
+                        <a:buNone/>
+                      </a:pPr>
+                      <a:r>
+                        <a:rPr lang="pl-PL" sz="1800"/>
+                        <a:t>Języki / SDK</a:t>
+                      </a:r>
+                    </a:p>
+                  </a:txBody>
+                  <a:tcPr anchor="ctr"/>
+                </a:tc>
+                <a:tc>
+                  <a:txBody>
+                    <a:bodyPr/>
+                    <a:lstStyle/>
+                    <a:p>
+                      <a:pPr>
+                        <a:buNone/>
+                      </a:pPr>
+                      <a:r>
+                        <a:rPr lang="pl-PL" sz="1800"/>
+                        <a:t>Zastosowanie</a:t>
+                      </a:r>
+                    </a:p>
+                  </a:txBody>
+                  <a:tcPr anchor="ctr"/>
+                </a:tc>
+                <a:tc>
+                  <a:txBody>
+                    <a:bodyPr/>
+                    <a:lstStyle/>
+                    <a:p>
+                      <a:pPr>
+                        <a:buNone/>
+                      </a:pPr>
+                      <a:r>
+                        <a:rPr lang="pl-PL" sz="1800"/>
+                        <a:t>Licencja / model kosztowy</a:t>
+                      </a:r>
+                    </a:p>
+                  </a:txBody>
+                  <a:tcPr anchor="ctr"/>
+                </a:tc>
+                <a:extLst>
+                  <a:ext uri="{0D108BD9-81ED-4DB2-BD59-A6C34878D82A}">
+                    <a16:rowId xmlns:a16="http://schemas.microsoft.com/office/drawing/2014/main" val="4260704774"/>
+                  </a:ext>
+                </a:extLst>
+              </a:tr>
+              <a:tr h="640080">
+                <a:tc>
+                  <a:txBody>
+                    <a:bodyPr/>
+                    <a:lstStyle/>
+                    <a:p>
+                      <a:pPr>
+                        <a:buNone/>
+                      </a:pPr>
+                      <a:r>
+                        <a:rPr lang="pl-PL" sz="1800" b="1"/>
+                        <a:t>FAISS</a:t>
+                      </a:r>
+                      <a:r>
+                        <a:rPr lang="pl-PL" sz="1800"/>
+                        <a:t> (Facebook AI)</a:t>
+                      </a:r>
+                    </a:p>
+                  </a:txBody>
+                  <a:tcPr anchor="ctr"/>
+                </a:tc>
+                <a:tc>
+                  <a:txBody>
+                    <a:bodyPr/>
+                    <a:lstStyle/>
+                    <a:p>
+                      <a:pPr>
+                        <a:buNone/>
+                      </a:pPr>
+                      <a:r>
+                        <a:rPr lang="pl-PL" sz="1800"/>
+                        <a:t>Python, C++</a:t>
+                      </a:r>
+                    </a:p>
+                  </a:txBody>
+                  <a:tcPr anchor="ctr"/>
+                </a:tc>
+                <a:tc>
+                  <a:txBody>
+                    <a:bodyPr/>
+                    <a:lstStyle/>
+                    <a:p>
+                      <a:pPr>
+                        <a:buNone/>
+                      </a:pPr>
+                      <a:r>
+                        <a:rPr lang="pl-PL" sz="1800"/>
+                        <a:t>Offline / lokalny, szybki, idealny do prototypu</a:t>
+                      </a:r>
+                    </a:p>
+                  </a:txBody>
+                  <a:tcPr anchor="ctr"/>
+                </a:tc>
+                <a:tc>
+                  <a:txBody>
+                    <a:bodyPr/>
+                    <a:lstStyle/>
+                    <a:p>
+                      <a:pPr>
+                        <a:buNone/>
+                      </a:pPr>
+                      <a:r>
+                        <a:rPr lang="pl-PL" sz="1800"/>
+                        <a:t>MIT (open-source, darmowy)</a:t>
+                      </a:r>
+                    </a:p>
+                  </a:txBody>
+                  <a:tcPr anchor="ctr"/>
+                </a:tc>
+                <a:extLst>
+                  <a:ext uri="{0D108BD9-81ED-4DB2-BD59-A6C34878D82A}">
+                    <a16:rowId xmlns:a16="http://schemas.microsoft.com/office/drawing/2014/main" val="2474472003"/>
+                  </a:ext>
+                </a:extLst>
+              </a:tr>
+              <a:tr h="640080">
+                <a:tc>
+                  <a:txBody>
+                    <a:bodyPr/>
+                    <a:lstStyle/>
+                    <a:p>
+                      <a:pPr>
+                        <a:buNone/>
+                      </a:pPr>
+                      <a:r>
+                        <a:rPr lang="pl-PL" sz="1800" b="1"/>
+                        <a:t>Milvus</a:t>
+                      </a:r>
+                      <a:endParaRPr lang="pl-PL" sz="1800"/>
+                    </a:p>
+                  </a:txBody>
+                  <a:tcPr anchor="ctr"/>
+                </a:tc>
+                <a:tc>
+                  <a:txBody>
+                    <a:bodyPr/>
+                    <a:lstStyle/>
+                    <a:p>
+                      <a:pPr>
+                        <a:buNone/>
+                      </a:pPr>
+                      <a:r>
+                        <a:rPr lang="pl-PL" sz="1800"/>
+                        <a:t>Python, REST API</a:t>
+                      </a:r>
+                    </a:p>
+                  </a:txBody>
+                  <a:tcPr anchor="ctr"/>
+                </a:tc>
+                <a:tc>
+                  <a:txBody>
+                    <a:bodyPr/>
+                    <a:lstStyle/>
+                    <a:p>
+                      <a:pPr>
+                        <a:buNone/>
+                      </a:pPr>
+                      <a:r>
+                        <a:rPr lang="pl-PL" sz="1800"/>
+                        <a:t>Skalowalny, w chmurze lub lokalnie, dobrze integruje się z LLM</a:t>
+                      </a:r>
+                    </a:p>
+                  </a:txBody>
+                  <a:tcPr anchor="ctr"/>
+                </a:tc>
+                <a:tc>
+                  <a:txBody>
+                    <a:bodyPr/>
+                    <a:lstStyle/>
+                    <a:p>
+                      <a:pPr>
+                        <a:buNone/>
+                      </a:pPr>
+                      <a:r>
+                        <a:rPr lang="en-US" sz="1800"/>
+                        <a:t>Apache 2.0 (open-source, darmowy self-host)</a:t>
+                      </a:r>
+                    </a:p>
+                  </a:txBody>
+                  <a:tcPr anchor="ctr"/>
+                </a:tc>
+                <a:extLst>
+                  <a:ext uri="{0D108BD9-81ED-4DB2-BD59-A6C34878D82A}">
+                    <a16:rowId xmlns:a16="http://schemas.microsoft.com/office/drawing/2014/main" val="2802752075"/>
+                  </a:ext>
+                </a:extLst>
+              </a:tr>
+              <a:tr h="640080">
+                <a:tc>
+                  <a:txBody>
+                    <a:bodyPr/>
+                    <a:lstStyle/>
+                    <a:p>
+                      <a:pPr>
+                        <a:buNone/>
+                      </a:pPr>
+                      <a:r>
+                        <a:rPr lang="pl-PL" sz="1800" b="1"/>
+                        <a:t>Weaviate</a:t>
+                      </a:r>
+                      <a:endParaRPr lang="pl-PL" sz="1800"/>
+                    </a:p>
+                  </a:txBody>
+                  <a:tcPr anchor="ctr"/>
+                </a:tc>
+                <a:tc>
+                  <a:txBody>
+                    <a:bodyPr/>
+                    <a:lstStyle/>
+                    <a:p>
+                      <a:pPr>
+                        <a:buNone/>
+                      </a:pPr>
+                      <a:r>
+                        <a:rPr lang="pl-PL" sz="1800"/>
+                        <a:t>Python, REST API, GraphQL</a:t>
+                      </a:r>
+                    </a:p>
+                  </a:txBody>
+                  <a:tcPr anchor="ctr"/>
+                </a:tc>
+                <a:tc>
+                  <a:txBody>
+                    <a:bodyPr/>
+                    <a:lstStyle/>
+                    <a:p>
+                      <a:pPr>
+                        <a:buNone/>
+                      </a:pPr>
+                      <a:r>
+                        <a:rPr lang="pl-PL" sz="1800"/>
+                        <a:t>Vector DB + semantyczne wyszukiwanie + klasyfikacja, łatwe RAG</a:t>
+                      </a:r>
+                    </a:p>
+                  </a:txBody>
+                  <a:tcPr anchor="ctr"/>
+                </a:tc>
+                <a:tc>
+                  <a:txBody>
+                    <a:bodyPr/>
+                    <a:lstStyle/>
+                    <a:p>
+                      <a:pPr>
+                        <a:buNone/>
+                      </a:pPr>
+                      <a:r>
+                        <a:rPr lang="en-US" sz="1800"/>
+                        <a:t>BSD‑3-Clause (open-source, darmowy self-host)</a:t>
+                      </a:r>
+                    </a:p>
+                  </a:txBody>
+                  <a:tcPr anchor="ctr"/>
+                </a:tc>
+                <a:extLst>
+                  <a:ext uri="{0D108BD9-81ED-4DB2-BD59-A6C34878D82A}">
+                    <a16:rowId xmlns:a16="http://schemas.microsoft.com/office/drawing/2014/main" val="510716441"/>
+                  </a:ext>
+                </a:extLst>
+              </a:tr>
+              <a:tr h="365760">
+                <a:tc>
+                  <a:txBody>
+                    <a:bodyPr/>
+                    <a:lstStyle/>
+                    <a:p>
+                      <a:pPr>
+                        <a:buNone/>
+                      </a:pPr>
+                      <a:r>
+                        <a:rPr lang="pl-PL" sz="1800" b="1"/>
+                        <a:t>Pinecone</a:t>
+                      </a:r>
+                      <a:endParaRPr lang="pl-PL" sz="1800"/>
+                    </a:p>
+                  </a:txBody>
+                  <a:tcPr anchor="ctr"/>
+                </a:tc>
+                <a:tc>
+                  <a:txBody>
+                    <a:bodyPr/>
+                    <a:lstStyle/>
+                    <a:p>
+                      <a:pPr>
+                        <a:buNone/>
+                      </a:pPr>
+                      <a:r>
+                        <a:rPr lang="pl-PL" sz="1800"/>
+                        <a:t>SaaS</a:t>
+                      </a:r>
+                    </a:p>
+                  </a:txBody>
+                  <a:tcPr anchor="ctr"/>
+                </a:tc>
+                <a:tc>
+                  <a:txBody>
+                    <a:bodyPr/>
+                    <a:lstStyle/>
+                    <a:p>
+                      <a:pPr>
+                        <a:buNone/>
+                      </a:pPr>
+                      <a:r>
+                        <a:rPr lang="pl-PL" sz="1800"/>
+                        <a:t>Komercyjne, gotowe, łatwe integracje</a:t>
+                      </a:r>
+                    </a:p>
+                  </a:txBody>
+                  <a:tcPr anchor="ctr"/>
+                </a:tc>
+                <a:tc>
+                  <a:txBody>
+                    <a:bodyPr/>
+                    <a:lstStyle/>
+                    <a:p>
+                      <a:pPr>
+                        <a:buNone/>
+                      </a:pPr>
+                      <a:r>
+                        <a:rPr lang="pl-PL" sz="1800"/>
+                        <a:t>Proprietary (płatny SaaS)</a:t>
+                      </a:r>
+                    </a:p>
+                  </a:txBody>
+                  <a:tcPr anchor="ctr"/>
+                </a:tc>
+                <a:extLst>
+                  <a:ext uri="{0D108BD9-81ED-4DB2-BD59-A6C34878D82A}">
+                    <a16:rowId xmlns:a16="http://schemas.microsoft.com/office/drawing/2014/main" val="3824352968"/>
+                  </a:ext>
+                </a:extLst>
+              </a:tr>
+              <a:tr h="640080">
+                <a:tc>
+                  <a:txBody>
+                    <a:bodyPr/>
+                    <a:lstStyle/>
+                    <a:p>
+                      <a:pPr>
+                        <a:buNone/>
+                      </a:pPr>
+                      <a:r>
+                        <a:rPr lang="pl-PL" sz="1800" b="1"/>
+                        <a:t>Qdrant</a:t>
+                      </a:r>
+                      <a:endParaRPr lang="pl-PL" sz="1800"/>
+                    </a:p>
+                  </a:txBody>
+                  <a:tcPr anchor="ctr"/>
+                </a:tc>
+                <a:tc>
+                  <a:txBody>
+                    <a:bodyPr/>
+                    <a:lstStyle/>
+                    <a:p>
+                      <a:pPr>
+                        <a:buNone/>
+                      </a:pPr>
+                      <a:r>
+                        <a:rPr lang="pl-PL" sz="1800"/>
+                        <a:t>Python, REST API</a:t>
+                      </a:r>
+                    </a:p>
+                  </a:txBody>
+                  <a:tcPr anchor="ctr"/>
+                </a:tc>
+                <a:tc>
+                  <a:txBody>
+                    <a:bodyPr/>
+                    <a:lstStyle/>
+                    <a:p>
+                      <a:pPr>
+                        <a:buNone/>
+                      </a:pPr>
+                      <a:r>
+                        <a:rPr lang="pl-PL" sz="1800"/>
+                        <a:t>Komercyjne / open-source, łatwe integracje, lokalnie lub w chmurze</a:t>
+                      </a:r>
+                    </a:p>
+                  </a:txBody>
+                  <a:tcPr anchor="ctr"/>
+                </a:tc>
+                <a:tc>
+                  <a:txBody>
+                    <a:bodyPr/>
+                    <a:lstStyle/>
+                    <a:p>
+                      <a:pPr>
+                        <a:buNone/>
+                      </a:pPr>
+                      <a:r>
+                        <a:rPr lang="en-US" sz="1800" dirty="0"/>
+                        <a:t>Apache 2.0 (open-source, </a:t>
+                      </a:r>
+                      <a:r>
+                        <a:rPr lang="en-US" sz="1800" dirty="0" err="1"/>
+                        <a:t>darmowy</a:t>
+                      </a:r>
+                      <a:r>
+                        <a:rPr lang="en-US" sz="1800" dirty="0"/>
+                        <a:t> self-host)</a:t>
+                      </a:r>
+                    </a:p>
+                  </a:txBody>
+                  <a:tcPr anchor="ctr"/>
+                </a:tc>
+                <a:extLst>
+                  <a:ext uri="{0D108BD9-81ED-4DB2-BD59-A6C34878D82A}">
+                    <a16:rowId xmlns:a16="http://schemas.microsoft.com/office/drawing/2014/main" val="2197196226"/>
+                  </a:ext>
+                </a:extLst>
+              </a:tr>
+            </a:tbl>
+          </a:graphicData>
+        </a:graphic>
+      </p:graphicFrame>
     </p:spTree>
     <p:extLst>
       <p:ext uri="{BB962C8B-B14F-4D97-AF65-F5344CB8AC3E}">
-        <p14:creationId xmlns:p14="http://schemas.microsoft.com/office/powerpoint/2010/main" val="2305057562"/>
+        <p14:creationId xmlns:p14="http://schemas.microsoft.com/office/powerpoint/2010/main" val="3835336518"/>
       </p:ext>
     </p:extLst>
   </p:cSld>
@@ -10283,7 +10813,13 @@
   <p:cSld>
     <p:spTree>
       <p:nvGrpSpPr>
-        <p:cNvPr id="1" name=""/>
+        <p:cNvPr id="1" name="">
+          <a:extLst>
+            <a:ext uri="{FF2B5EF4-FFF2-40B4-BE49-F238E27FC236}">
+              <a16:creationId xmlns:a16="http://schemas.microsoft.com/office/drawing/2014/main" id="{0591BC7F-6C7C-7DF2-B7F9-7B38CBEDD585}"/>
+            </a:ext>
+          </a:extLst>
+        </p:cNvPr>
         <p:cNvGrpSpPr/>
         <p:nvPr/>
       </p:nvGrpSpPr>
@@ -10300,7 +10836,7 @@
           <p:cNvPr id="2" name="Symbol zastępczy tekstu 1">
             <a:extLst>
               <a:ext uri="{FF2B5EF4-FFF2-40B4-BE49-F238E27FC236}">
-                <a16:creationId xmlns:a16="http://schemas.microsoft.com/office/drawing/2014/main" id="{5961F37E-92B6-3B9D-2604-ECCB73D0E35E}"/>
+                <a16:creationId xmlns:a16="http://schemas.microsoft.com/office/drawing/2014/main" id="{6B3F1450-B621-631F-C275-CD763E961D79}"/>
               </a:ext>
             </a:extLst>
           </p:cNvPr>
@@ -10314,40 +10850,46 @@
         <p:spPr>
           <a:xfrm>
             <a:off x="867410" y="2243328"/>
-            <a:ext cx="12271186" cy="5657808"/>
+            <a:ext cx="15367530" cy="4001624"/>
           </a:xfrm>
         </p:spPr>
         <p:txBody>
           <a:bodyPr/>
           <a:lstStyle/>
           <a:p>
+            <a:pPr algn="just" rtl="0">
+              <a:lnSpc>
+                <a:spcPct val="150000"/>
+              </a:lnSpc>
+            </a:pPr>
             <a:r>
               <a:rPr lang="pl-PL" dirty="0"/>
-              <a:t>Oparty na </a:t>
-            </a:r>
-            <a:r>
-              <a:rPr lang="pl-PL" dirty="0" err="1"/>
-              <a:t>Llama</a:t>
-            </a:r>
-            <a:r>
-              <a:rPr lang="pl-PL" dirty="0"/>
-              <a:t>, wyszkolony na danych medycznych, dobry w zrozumieniu i generowaniu odpowiedzi klinicznych. </a:t>
-            </a:r>
-          </a:p>
-          <a:p>
+              <a:t>RAG to architektura systemu pozwalająca na generowanie wspomagane przez wyszukiwanie. RAG poprawia wydajność aplikacji sztucznej inteligencji poprzez wykorzystanie zewnętrznych baz wiedzy. Udoskonala ona duże modele językowe poprzez pobieranie informacji z różnych zestawów danych w celu generowania optymalnych wyników. Dogłębne zrozumienie RAG może pomóc w lepszym przygotowaniu się do uzyskiwania pożądanych odpowiedzi z modeli LLM, a jednocześnie w pokonaniu niektórych wyzwań związanych z ich wykorzystaniem, w tym nieaktualnych odpowiedzi lub odpowiedzi opartych na błędnych informacjach.</a:t>
+            </a:r>
+          </a:p>
+          <a:p>
+            <a:pPr algn="just">
+              <a:lnSpc>
+                <a:spcPct val="150000"/>
+              </a:lnSpc>
+            </a:pPr>
             <a:endParaRPr lang="pl-PL" dirty="0"/>
           </a:p>
           <a:p>
-            <a:r>
-              <a:rPr lang="pl-PL" dirty="0"/>
-              <a:t>Rozmiar: do 16 GB</a:t>
-            </a:r>
-          </a:p>
-          <a:p>
-            <a:r>
-              <a:rPr lang="pl-PL" dirty="0"/>
-              <a:t>Kontekst: 8 tysięcy (ile informacji model językowy jest w stanie „widzieć” i brać pod uwagę jednocześnie, zanim wygeneruje odpowiedź)</a:t>
-            </a:r>
+            <a:pPr algn="just">
+              <a:lnSpc>
+                <a:spcPct val="150000"/>
+              </a:lnSpc>
+            </a:pPr>
+            <a:endParaRPr lang="pl-PL" dirty="0"/>
+          </a:p>
+          <a:p>
+            <a:pPr algn="just">
+              <a:lnSpc>
+                <a:spcPct val="150000"/>
+              </a:lnSpc>
+            </a:pPr>
+            <a:endParaRPr lang="pl-PL" dirty="0"/>
           </a:p>
         </p:txBody>
       </p:sp>
@@ -10356,7 +10898,7 @@
           <p:cNvPr id="3" name="Symbol zastępczy numeru slajdu 2">
             <a:extLst>
               <a:ext uri="{FF2B5EF4-FFF2-40B4-BE49-F238E27FC236}">
-                <a16:creationId xmlns:a16="http://schemas.microsoft.com/office/drawing/2014/main" id="{467F3A92-7EC3-90A9-9415-483AAD6CA286}"/>
+                <a16:creationId xmlns:a16="http://schemas.microsoft.com/office/drawing/2014/main" id="{D3D02978-9625-1937-16A7-D872524F5B8C}"/>
               </a:ext>
             </a:extLst>
           </p:cNvPr>
@@ -10399,7 +10941,7 @@
           <p:cNvPr id="4" name="Tytuł 3">
             <a:extLst>
               <a:ext uri="{FF2B5EF4-FFF2-40B4-BE49-F238E27FC236}">
-                <a16:creationId xmlns:a16="http://schemas.microsoft.com/office/drawing/2014/main" id="{6D8FF0EB-0919-0699-8EFF-C3DD5A5B5356}"/>
+                <a16:creationId xmlns:a16="http://schemas.microsoft.com/office/drawing/2014/main" id="{FC037520-E59D-3B0A-8C6E-0A28CA54103A}"/>
               </a:ext>
             </a:extLst>
           </p:cNvPr>
@@ -10413,7 +10955,7 @@
         <p:spPr>
           <a:xfrm>
             <a:off x="867410" y="412304"/>
-            <a:ext cx="4566330" cy="720080"/>
+            <a:ext cx="13351306" cy="648070"/>
           </a:xfrm>
         </p:spPr>
         <p:txBody>
@@ -10422,7 +10964,7 @@
           <a:p>
             <a:r>
               <a:rPr lang="pl-PL" dirty="0"/>
-              <a:t>Propozycja MODELI </a:t>
+              <a:t>Przekształcenia i architektura przydatna w projekcie:</a:t>
             </a:r>
           </a:p>
         </p:txBody>
@@ -10432,7 +10974,7 @@
           <p:cNvPr id="5" name="Straight Connector 3">
             <a:extLst>
               <a:ext uri="{FF2B5EF4-FFF2-40B4-BE49-F238E27FC236}">
-                <a16:creationId xmlns:a16="http://schemas.microsoft.com/office/drawing/2014/main" id="{89516F50-E736-9F31-5165-C28A871CF05C}"/>
+                <a16:creationId xmlns:a16="http://schemas.microsoft.com/office/drawing/2014/main" id="{CB6FB449-9909-5157-E989-6F59C695B48B}"/>
               </a:ext>
             </a:extLst>
           </p:cNvPr>
@@ -10472,64 +11014,10 @@
       </p:cxnSp>
       <p:sp>
         <p:nvSpPr>
-          <p:cNvPr id="6" name="Tytuł 3">
-            <a:extLst>
-              <a:ext uri="{FF2B5EF4-FFF2-40B4-BE49-F238E27FC236}">
-                <a16:creationId xmlns:a16="http://schemas.microsoft.com/office/drawing/2014/main" id="{8585E43D-F7A5-3DE4-72BF-B52902E5A341}"/>
-              </a:ext>
-            </a:extLst>
-          </p:cNvPr>
-          <p:cNvSpPr txBox="1">
-            <a:spLocks/>
-          </p:cNvSpPr>
-          <p:nvPr/>
-        </p:nvSpPr>
-        <p:spPr>
-          <a:xfrm>
-            <a:off x="11713349" y="1114866"/>
-            <a:ext cx="4767441" cy="650760"/>
-          </a:xfrm>
-          <a:prstGeom prst="rect">
-            <a:avLst/>
-          </a:prstGeom>
-          <a:ln w="38100">
-            <a:solidFill>
-              <a:srgbClr val="C00000"/>
-            </a:solidFill>
-          </a:ln>
-        </p:spPr>
-        <p:txBody>
-          <a:bodyPr wrap="square" lIns="0" tIns="0" rIns="0" bIns="0" anchor="ctr">
-            <a:noAutofit/>
-          </a:bodyPr>
-          <a:lstStyle>
-            <a:lvl1pPr eaLnBrk="1" hangingPunct="1">
-              <a:defRPr sz="3600" b="1">
-                <a:latin typeface="Good Headline Pro"/>
-                <a:ea typeface="+mj-ea"/>
-                <a:cs typeface="+mj-cs"/>
-              </a:defRPr>
-            </a:lvl1pPr>
-          </a:lstStyle>
-          <a:p>
-            <a:pPr algn="ctr"/>
-            <a:r>
-              <a:rPr lang="pl-PL" kern="0" dirty="0">
-                <a:solidFill>
-                  <a:sysClr val="windowText" lastClr="000000"/>
-                </a:solidFill>
-              </a:rPr>
-              <a:t>MedLlama3-v20</a:t>
-            </a:r>
-          </a:p>
-        </p:txBody>
-      </p:sp>
-      <p:sp>
-        <p:nvSpPr>
-          <p:cNvPr id="7" name="Symbol zastępczy tekstu 1">
-            <a:extLst>
-              <a:ext uri="{FF2B5EF4-FFF2-40B4-BE49-F238E27FC236}">
-                <a16:creationId xmlns:a16="http://schemas.microsoft.com/office/drawing/2014/main" id="{1E83BAF6-4590-AF4C-3D18-1F3D3CADFB96}"/>
+          <p:cNvPr id="6" name="Symbol zastępczy tekstu 1">
+            <a:extLst>
+              <a:ext uri="{FF2B5EF4-FFF2-40B4-BE49-F238E27FC236}">
+                <a16:creationId xmlns:a16="http://schemas.microsoft.com/office/drawing/2014/main" id="{14BFA997-EEE9-425A-DAA8-1B6CD0F0686D}"/>
               </a:ext>
             </a:extLst>
           </p:cNvPr>
@@ -10541,7 +11029,119 @@
         <p:spPr>
           <a:xfrm>
             <a:off x="867410" y="1054083"/>
-            <a:ext cx="6582554" cy="691282"/>
+            <a:ext cx="5790466" cy="691282"/>
+          </a:xfrm>
+          <a:prstGeom prst="rect">
+            <a:avLst/>
+          </a:prstGeom>
+          <a:solidFill>
+            <a:schemeClr val="accent2">
+              <a:lumMod val="20000"/>
+              <a:lumOff val="80000"/>
+            </a:schemeClr>
+          </a:solidFill>
+        </p:spPr>
+        <p:txBody>
+          <a:bodyPr wrap="square" lIns="0" tIns="0" rIns="0" bIns="0">
+            <a:noAutofit/>
+          </a:bodyPr>
+          <a:lstStyle>
+            <a:lvl1pPr marL="0" eaLnBrk="1" hangingPunct="1">
+              <a:defRPr sz="2400">
+                <a:latin typeface="Arial" panose="020B0604020202020204" pitchFamily="34" charset="0"/>
+                <a:ea typeface="+mn-ea"/>
+                <a:cs typeface="Arial" panose="020B0604020202020204" pitchFamily="34" charset="0"/>
+              </a:defRPr>
+            </a:lvl1pPr>
+            <a:lvl2pPr marL="457200" eaLnBrk="1" hangingPunct="1">
+              <a:defRPr>
+                <a:latin typeface="+mn-lt"/>
+                <a:ea typeface="+mn-ea"/>
+                <a:cs typeface="+mn-cs"/>
+              </a:defRPr>
+            </a:lvl2pPr>
+            <a:lvl3pPr marL="914400" eaLnBrk="1" hangingPunct="1">
+              <a:defRPr>
+                <a:latin typeface="+mn-lt"/>
+                <a:ea typeface="+mn-ea"/>
+                <a:cs typeface="+mn-cs"/>
+              </a:defRPr>
+            </a:lvl3pPr>
+            <a:lvl4pPr marL="1371600" eaLnBrk="1" hangingPunct="1">
+              <a:defRPr>
+                <a:latin typeface="+mn-lt"/>
+                <a:ea typeface="+mn-ea"/>
+                <a:cs typeface="+mn-cs"/>
+              </a:defRPr>
+            </a:lvl4pPr>
+            <a:lvl5pPr marL="1828800" eaLnBrk="1" hangingPunct="1">
+              <a:defRPr>
+                <a:latin typeface="+mn-lt"/>
+                <a:ea typeface="+mn-ea"/>
+                <a:cs typeface="+mn-cs"/>
+              </a:defRPr>
+            </a:lvl5pPr>
+            <a:lvl6pPr marL="2286000" eaLnBrk="1" hangingPunct="1">
+              <a:defRPr>
+                <a:latin typeface="+mn-lt"/>
+                <a:ea typeface="+mn-ea"/>
+                <a:cs typeface="+mn-cs"/>
+              </a:defRPr>
+            </a:lvl6pPr>
+            <a:lvl7pPr marL="2743200" eaLnBrk="1" hangingPunct="1">
+              <a:defRPr>
+                <a:latin typeface="+mn-lt"/>
+                <a:ea typeface="+mn-ea"/>
+                <a:cs typeface="+mn-cs"/>
+              </a:defRPr>
+            </a:lvl7pPr>
+            <a:lvl8pPr marL="3200400" eaLnBrk="1" hangingPunct="1">
+              <a:defRPr>
+                <a:latin typeface="+mn-lt"/>
+                <a:ea typeface="+mn-ea"/>
+                <a:cs typeface="+mn-cs"/>
+              </a:defRPr>
+            </a:lvl8pPr>
+            <a:lvl9pPr marL="3657600" eaLnBrk="1" hangingPunct="1">
+              <a:defRPr>
+                <a:latin typeface="+mn-lt"/>
+                <a:ea typeface="+mn-ea"/>
+                <a:cs typeface="+mn-cs"/>
+              </a:defRPr>
+            </a:lvl9pPr>
+          </a:lstStyle>
+          <a:p>
+            <a:pPr algn="ctr"/>
+            <a:r>
+              <a:rPr lang="pl-PL" sz="3600" kern="0" dirty="0">
+                <a:solidFill>
+                  <a:sysClr val="windowText" lastClr="000000"/>
+                </a:solidFill>
+                <a:latin typeface="Agency FB" panose="020B0503020202020204" pitchFamily="34" charset="0"/>
+              </a:rPr>
+              <a:t>RAG (Retrieval-Augmented Generation) </a:t>
+            </a:r>
+          </a:p>
+        </p:txBody>
+      </p:sp>
+      <p:sp>
+        <p:nvSpPr>
+          <p:cNvPr id="7" name="Symbol zastępczy tekstu 1">
+            <a:extLst>
+              <a:ext uri="{FF2B5EF4-FFF2-40B4-BE49-F238E27FC236}">
+                <a16:creationId xmlns:a16="http://schemas.microsoft.com/office/drawing/2014/main" id="{9F020664-0006-8193-733A-8C3EA388C529}"/>
+              </a:ext>
+            </a:extLst>
+          </p:cNvPr>
+          <p:cNvSpPr txBox="1">
+            <a:spLocks/>
+          </p:cNvSpPr>
+          <p:nvPr/>
+        </p:nvSpPr>
+        <p:spPr>
+          <a:xfrm>
+            <a:off x="12562532" y="8621216"/>
+            <a:ext cx="4035197" cy="461665"/>
           </a:xfrm>
           <a:prstGeom prst="rect">
             <a:avLst/>
@@ -10617,111 +11217,6 @@
             </a:lvl9pPr>
           </a:lstStyle>
           <a:p>
-            <a:r>
-              <a:rPr lang="pl-PL" sz="3600" kern="0" dirty="0">
-                <a:solidFill>
-                  <a:sysClr val="windowText" lastClr="000000"/>
-                </a:solidFill>
-                <a:latin typeface="Agency FB" panose="020B0503020202020204" pitchFamily="34" charset="0"/>
-              </a:rPr>
-              <a:t>Modele LLM</a:t>
-            </a:r>
-          </a:p>
-        </p:txBody>
-      </p:sp>
-      <p:sp>
-        <p:nvSpPr>
-          <p:cNvPr id="9" name="Symbol zastępczy tekstu 1">
-            <a:extLst>
-              <a:ext uri="{FF2B5EF4-FFF2-40B4-BE49-F238E27FC236}">
-                <a16:creationId xmlns:a16="http://schemas.microsoft.com/office/drawing/2014/main" id="{FA210D40-915C-8A82-B554-2A4E8F4C5D01}"/>
-              </a:ext>
-            </a:extLst>
-          </p:cNvPr>
-          <p:cNvSpPr txBox="1">
-            <a:spLocks/>
-          </p:cNvSpPr>
-          <p:nvPr/>
-        </p:nvSpPr>
-        <p:spPr>
-          <a:xfrm>
-            <a:off x="13249880" y="7902425"/>
-            <a:ext cx="3744416" cy="766309"/>
-          </a:xfrm>
-          <a:prstGeom prst="rect">
-            <a:avLst/>
-          </a:prstGeom>
-        </p:spPr>
-        <p:txBody>
-          <a:bodyPr wrap="square" lIns="0" tIns="0" rIns="0" bIns="0">
-            <a:noAutofit/>
-          </a:bodyPr>
-          <a:lstStyle>
-            <a:lvl1pPr marL="0" eaLnBrk="1" hangingPunct="1">
-              <a:defRPr sz="2400">
-                <a:latin typeface="Arial" panose="020B0604020202020204" pitchFamily="34" charset="0"/>
-                <a:ea typeface="+mn-ea"/>
-                <a:cs typeface="Arial" panose="020B0604020202020204" pitchFamily="34" charset="0"/>
-              </a:defRPr>
-            </a:lvl1pPr>
-            <a:lvl2pPr marL="457200" eaLnBrk="1" hangingPunct="1">
-              <a:defRPr>
-                <a:latin typeface="+mn-lt"/>
-                <a:ea typeface="+mn-ea"/>
-                <a:cs typeface="+mn-cs"/>
-              </a:defRPr>
-            </a:lvl2pPr>
-            <a:lvl3pPr marL="914400" eaLnBrk="1" hangingPunct="1">
-              <a:defRPr>
-                <a:latin typeface="+mn-lt"/>
-                <a:ea typeface="+mn-ea"/>
-                <a:cs typeface="+mn-cs"/>
-              </a:defRPr>
-            </a:lvl3pPr>
-            <a:lvl4pPr marL="1371600" eaLnBrk="1" hangingPunct="1">
-              <a:defRPr>
-                <a:latin typeface="+mn-lt"/>
-                <a:ea typeface="+mn-ea"/>
-                <a:cs typeface="+mn-cs"/>
-              </a:defRPr>
-            </a:lvl4pPr>
-            <a:lvl5pPr marL="1828800" eaLnBrk="1" hangingPunct="1">
-              <a:defRPr>
-                <a:latin typeface="+mn-lt"/>
-                <a:ea typeface="+mn-ea"/>
-                <a:cs typeface="+mn-cs"/>
-              </a:defRPr>
-            </a:lvl5pPr>
-            <a:lvl6pPr marL="2286000" eaLnBrk="1" hangingPunct="1">
-              <a:defRPr>
-                <a:latin typeface="+mn-lt"/>
-                <a:ea typeface="+mn-ea"/>
-                <a:cs typeface="+mn-cs"/>
-              </a:defRPr>
-            </a:lvl6pPr>
-            <a:lvl7pPr marL="2743200" eaLnBrk="1" hangingPunct="1">
-              <a:defRPr>
-                <a:latin typeface="+mn-lt"/>
-                <a:ea typeface="+mn-ea"/>
-                <a:cs typeface="+mn-cs"/>
-              </a:defRPr>
-            </a:lvl7pPr>
-            <a:lvl8pPr marL="3200400" eaLnBrk="1" hangingPunct="1">
-              <a:defRPr>
-                <a:latin typeface="+mn-lt"/>
-                <a:ea typeface="+mn-ea"/>
-                <a:cs typeface="+mn-cs"/>
-              </a:defRPr>
-            </a:lvl8pPr>
-            <a:lvl9pPr marL="3657600" eaLnBrk="1" hangingPunct="1">
-              <a:defRPr>
-                <a:latin typeface="+mn-lt"/>
-                <a:ea typeface="+mn-ea"/>
-                <a:cs typeface="+mn-cs"/>
-              </a:defRPr>
-            </a:lvl9pPr>
-          </a:lstStyle>
-          <a:p>
             <a:pPr algn="just"/>
             <a:r>
               <a:rPr lang="pl-PL" sz="1400" kern="0" dirty="0">
@@ -10730,7 +11225,7 @@
                 </a:solidFill>
                 <a:hlinkClick r:id="rId2"/>
               </a:rPr>
-              <a:t>https://ollama.com/rjmalagon/medllama3-v20</a:t>
+              <a:t>https://www.coursera.org/articles/what-is-rag-in-ai</a:t>
             </a:r>
             <a:endParaRPr lang="pl-PL" sz="1400" kern="0" dirty="0">
               <a:solidFill>
@@ -10738,37 +11233,12 @@
               </a:solidFill>
             </a:endParaRPr>
           </a:p>
-          <a:p>
-            <a:pPr algn="just"/>
-            <a:endParaRPr lang="pl-PL" sz="1400" kern="0" dirty="0">
-              <a:solidFill>
-                <a:sysClr val="windowText" lastClr="000000"/>
-              </a:solidFill>
-            </a:endParaRPr>
-          </a:p>
-          <a:p>
-            <a:pPr algn="just"/>
-            <a:r>
-              <a:rPr lang="pl-PL" sz="1400" kern="0" dirty="0">
-                <a:solidFill>
-                  <a:sysClr val="windowText" lastClr="000000"/>
-                </a:solidFill>
-                <a:hlinkClick r:id="rId3"/>
-              </a:rPr>
-              <a:t>https://ollama.com/ahmgam/medllama3-v20</a:t>
-            </a:r>
-            <a:endParaRPr lang="pl-PL" sz="1400" kern="0" dirty="0">
-              <a:solidFill>
-                <a:sysClr val="windowText" lastClr="000000"/>
-              </a:solidFill>
-            </a:endParaRPr>
-          </a:p>
         </p:txBody>
       </p:sp>
     </p:spTree>
     <p:extLst>
       <p:ext uri="{BB962C8B-B14F-4D97-AF65-F5344CB8AC3E}">
-        <p14:creationId xmlns:p14="http://schemas.microsoft.com/office/powerpoint/2010/main" val="2047480397"/>
+        <p14:creationId xmlns:p14="http://schemas.microsoft.com/office/powerpoint/2010/main" val="2305057562"/>
       </p:ext>
     </p:extLst>
   </p:cSld>
@@ -10786,7 +11256,7 @@
         <p:cNvPr id="1" name="">
           <a:extLst>
             <a:ext uri="{FF2B5EF4-FFF2-40B4-BE49-F238E27FC236}">
-              <a16:creationId xmlns:a16="http://schemas.microsoft.com/office/drawing/2014/main" id="{5DAB0BED-8F22-EBAB-DCB1-84F45A15EDDA}"/>
+              <a16:creationId xmlns:a16="http://schemas.microsoft.com/office/drawing/2014/main" id="{BBCF7DE5-1A22-4140-0BE9-0279E34B9292}"/>
             </a:ext>
           </a:extLst>
         </p:cNvPr>
@@ -10806,7 +11276,7 @@
           <p:cNvPr id="2" name="Symbol zastępczy tekstu 1">
             <a:extLst>
               <a:ext uri="{FF2B5EF4-FFF2-40B4-BE49-F238E27FC236}">
-                <a16:creationId xmlns:a16="http://schemas.microsoft.com/office/drawing/2014/main" id="{8B9AAE7E-D60B-9500-4360-D0DD47B2DFB6}"/>
+                <a16:creationId xmlns:a16="http://schemas.microsoft.com/office/drawing/2014/main" id="{32F192B2-2BDB-848B-F892-B4316C93832B}"/>
               </a:ext>
             </a:extLst>
           </p:cNvPr>
@@ -10819,207 +11289,90 @@
         </p:nvSpPr>
         <p:spPr>
           <a:xfrm>
-            <a:off x="622981" y="2140495"/>
-            <a:ext cx="12271186" cy="6145083"/>
+            <a:off x="867410" y="2243327"/>
+            <a:ext cx="15367530" cy="6164525"/>
           </a:xfrm>
         </p:spPr>
         <p:txBody>
           <a:bodyPr/>
           <a:lstStyle/>
           <a:p>
-            <a:pPr algn="just"/>
-            <a:r>
-              <a:rPr lang="pl-PL" sz="2000" dirty="0"/>
-              <a:t>Otwarty model </a:t>
-            </a:r>
-            <a:r>
-              <a:rPr lang="pl-PL" sz="2000" dirty="0" err="1"/>
-              <a:t>OpenAI</a:t>
-            </a:r>
-            <a:r>
-              <a:rPr lang="pl-PL" sz="2000" dirty="0"/>
-              <a:t> zaprojektowane z myślą o mocnym rozumowaniu, zadaniach </a:t>
-            </a:r>
-            <a:r>
-              <a:rPr lang="pl-PL" sz="2000" dirty="0" err="1"/>
-              <a:t>agentycznych</a:t>
-            </a:r>
-            <a:r>
-              <a:rPr lang="pl-PL" sz="2000" dirty="0"/>
-              <a:t> i wszechstronnych przypadkach użycia programistów.</a:t>
-            </a:r>
-          </a:p>
-          <a:p>
-            <a:pPr algn="just"/>
-            <a:endParaRPr lang="pl-PL" sz="2000" dirty="0"/>
-          </a:p>
-          <a:p>
-            <a:pPr algn="just"/>
-            <a:r>
-              <a:rPr lang="pl-PL" sz="2000" dirty="0"/>
-              <a:t>Rozmiar: najnowszy ma 14 GB (model 20B parametrów), starszy ma 65 GB (model 120B parametrów)</a:t>
-            </a:r>
-          </a:p>
-          <a:p>
-            <a:pPr algn="just"/>
-            <a:r>
-              <a:rPr lang="pl-PL" sz="2000" dirty="0"/>
-              <a:t>Kontekst: 128 tysięcy</a:t>
-            </a:r>
-          </a:p>
-          <a:p>
-            <a:pPr algn="just"/>
+            <a:pPr algn="just" rtl="0">
+              <a:lnSpc>
+                <a:spcPct val="150000"/>
+              </a:lnSpc>
+            </a:pPr>
+            <a:r>
+              <a:rPr lang="pl-PL" dirty="0"/>
+              <a:t>OCR to optyczne rozpoznawanie znaków. Silnik OCR umożliwia automatyczne przekształcanie tekstu zawartego w obrazach, skanach dokumentów, plikach PDF do formy cyfrowej, możliwej do dalszego przetwarzania przez komputery. Dzięki OCR możliwe jest wydobycie treści tekstowej z różnorodnych źródeł graficznych, takich jak tabele, diagramy czy zeskanowane dokumenty medyczne, co umożliwia ich indeksowanie, wyszukiwanie i wykorzystanie w systemach informatycznych.</a:t>
+            </a:r>
+          </a:p>
+          <a:p>
+            <a:pPr algn="just" rtl="0">
+              <a:lnSpc>
+                <a:spcPct val="150000"/>
+              </a:lnSpc>
+            </a:pPr>
             <a:endParaRPr lang="pl-PL" dirty="0"/>
           </a:p>
           <a:p>
-            <a:pPr algn="just"/>
-            <a:r>
-              <a:rPr lang="pl-PL" sz="2000" b="1" dirty="0"/>
-              <a:t>Najważniejsze cechy</a:t>
-            </a:r>
-          </a:p>
-          <a:p>
-            <a:pPr algn="just"/>
-            <a:endParaRPr lang="pl-PL" sz="2000" b="1" dirty="0"/>
-          </a:p>
-          <a:p>
-            <a:pPr marL="342900" indent="-342900" algn="just">
-              <a:buFont typeface="Arial" panose="020B0604020202020204" pitchFamily="34" charset="0"/>
-              <a:buChar char="•"/>
+            <a:pPr algn="just" rtl="0">
+              <a:lnSpc>
+                <a:spcPct val="150000"/>
+              </a:lnSpc>
             </a:pPr>
-            <a:r>
-              <a:rPr lang="pl-PL" sz="2000" b="1" dirty="0"/>
-              <a:t>Możliwości </a:t>
-            </a:r>
-            <a:r>
-              <a:rPr lang="pl-PL" sz="2000" b="1" dirty="0" err="1"/>
-              <a:t>agentyczne</a:t>
-            </a:r>
-            <a:r>
-              <a:rPr lang="pl-PL" sz="2000" dirty="0"/>
-              <a:t>: Użyj natywnych możliwości </a:t>
-            </a:r>
-            <a:r>
-              <a:rPr lang="pl-PL" sz="2000" dirty="0" err="1"/>
-              <a:t>models</a:t>
-            </a:r>
-            <a:r>
-              <a:rPr lang="pl-PL" sz="2000" dirty="0"/>
-              <a:t>’ do wywoływania funkcji, przeglądania stron internetowych (Ollama wprowadza wbudowane wyszukiwanie w sieci, które można opcjonalnie włączyć), </a:t>
-            </a:r>
-            <a:r>
-              <a:rPr lang="pl-PL" sz="2000" dirty="0" err="1"/>
-              <a:t>wywołań</a:t>
-            </a:r>
-            <a:r>
-              <a:rPr lang="pl-PL" sz="2000" dirty="0"/>
-              <a:t> narzędzi </a:t>
-            </a:r>
-            <a:r>
-              <a:rPr lang="pl-PL" sz="2000" dirty="0" err="1"/>
-              <a:t>Pythona</a:t>
-            </a:r>
-            <a:r>
-              <a:rPr lang="pl-PL" sz="2000" dirty="0"/>
-              <a:t> i ustrukturyzowanych wyników</a:t>
-            </a:r>
-          </a:p>
-          <a:p>
-            <a:pPr marL="342900" indent="-342900" algn="just">
-              <a:buFont typeface="Arial" panose="020B0604020202020204" pitchFamily="34" charset="0"/>
-              <a:buChar char="•"/>
+            <a:endParaRPr lang="pl-PL" dirty="0"/>
+          </a:p>
+          <a:p>
+            <a:pPr algn="just" rtl="0">
+              <a:lnSpc>
+                <a:spcPct val="150000"/>
+              </a:lnSpc>
             </a:pPr>
-            <a:endParaRPr lang="pl-PL" sz="2000" dirty="0"/>
-          </a:p>
-          <a:p>
-            <a:pPr marL="342900" indent="-342900" algn="just">
-              <a:buFont typeface="Arial" panose="020B0604020202020204" pitchFamily="34" charset="0"/>
-              <a:buChar char="•"/>
+            <a:endParaRPr lang="pl-PL" dirty="0"/>
+          </a:p>
+          <a:p>
+            <a:pPr algn="just" rtl="0">
+              <a:lnSpc>
+                <a:spcPct val="150000"/>
+              </a:lnSpc>
             </a:pPr>
             <a:r>
-              <a:rPr lang="pl-PL" sz="2000" b="1" dirty="0"/>
-              <a:t>Pełny łańcuch myśli</a:t>
-            </a:r>
-            <a:r>
-              <a:rPr lang="pl-PL" sz="2000" dirty="0"/>
-              <a:t>: Uzyskaj pełny dostęp do procesu wnioskowania modelu, ułatwiając łatwiejsze debugowanie i zwiększając zaufanie do wyników.</a:t>
-            </a:r>
-          </a:p>
-          <a:p>
-            <a:pPr marL="342900" indent="-342900" algn="just">
-              <a:buFont typeface="Arial" panose="020B0604020202020204" pitchFamily="34" charset="0"/>
-              <a:buChar char="•"/>
+              <a:rPr lang="pl-PL" dirty="0"/>
+              <a:t>Na platformach onkologicznych, często oprócz w postaci tekstu, wytyczne kliniczne znajdują się w tabelkach, bądź obrazach. Narzędzie to wydobyłoby te informacje. Najlepszym rozwiązaniem byłby </a:t>
+            </a:r>
+            <a:r>
+              <a:rPr lang="pl-PL" b="1" dirty="0" err="1"/>
+              <a:t>Tesseract</a:t>
+            </a:r>
+            <a:r>
+              <a:rPr lang="pl-PL" dirty="0"/>
+              <a:t>, ponieważ jest prosty i lokalny. </a:t>
+            </a:r>
+          </a:p>
+          <a:p>
+            <a:pPr algn="just">
+              <a:lnSpc>
+                <a:spcPct val="150000"/>
+              </a:lnSpc>
             </a:pPr>
-            <a:endParaRPr lang="pl-PL" sz="2000" dirty="0"/>
-          </a:p>
-          <a:p>
-            <a:pPr marL="342900" indent="-342900" algn="just">
-              <a:buFont typeface="Arial" panose="020B0604020202020204" pitchFamily="34" charset="0"/>
-              <a:buChar char="•"/>
+            <a:endParaRPr lang="pl-PL" dirty="0"/>
+          </a:p>
+          <a:p>
+            <a:pPr algn="just">
+              <a:lnSpc>
+                <a:spcPct val="150000"/>
+              </a:lnSpc>
             </a:pPr>
-            <a:r>
-              <a:rPr lang="pl-PL" sz="2000" b="1" dirty="0"/>
-              <a:t>Konfigurowalny wysiłek rozumowania:</a:t>
-            </a:r>
-            <a:r>
-              <a:rPr lang="pl-PL" sz="2000" dirty="0"/>
-              <a:t> Z łatwością dostosuj wysiłek rozumowania (niski, średni, wysoki) w oparciu o konkretny przypadek użycia i potrzeby związane z opóźnieniami.</a:t>
-            </a:r>
-          </a:p>
-          <a:p>
-            <a:pPr marL="342900" indent="-342900" algn="just">
-              <a:buFont typeface="Arial" panose="020B0604020202020204" pitchFamily="34" charset="0"/>
-              <a:buChar char="•"/>
+            <a:endParaRPr lang="pl-PL" dirty="0"/>
+          </a:p>
+          <a:p>
+            <a:pPr algn="just">
+              <a:lnSpc>
+                <a:spcPct val="150000"/>
+              </a:lnSpc>
             </a:pPr>
-            <a:endParaRPr lang="pl-PL" sz="2000" dirty="0"/>
-          </a:p>
-          <a:p>
-            <a:pPr marL="342900" indent="-342900" algn="just">
-              <a:buFont typeface="Arial" panose="020B0604020202020204" pitchFamily="34" charset="0"/>
-              <a:buChar char="•"/>
-            </a:pPr>
-            <a:r>
-              <a:rPr lang="pl-PL" sz="2000" b="1" dirty="0" err="1"/>
-              <a:t>Dostrajalny</a:t>
-            </a:r>
-            <a:r>
-              <a:rPr lang="pl-PL" sz="2000" dirty="0"/>
-              <a:t>: W pełni dostosuj modele do konkretnego przypadku użycia poprzez dostrojenie parametrów.</a:t>
-            </a:r>
-            <a:br>
-              <a:rPr lang="pl-PL" sz="2000" dirty="0"/>
-            </a:br>
-            <a:endParaRPr lang="pl-PL" sz="2000" dirty="0"/>
-          </a:p>
-          <a:p>
-            <a:pPr marL="342900" indent="-342900" algn="just">
-              <a:buFont typeface="Arial" panose="020B0604020202020204" pitchFamily="34" charset="0"/>
-              <a:buChar char="•"/>
-            </a:pPr>
-            <a:r>
-              <a:rPr lang="pl-PL" sz="2000" b="1" dirty="0"/>
-              <a:t>Licencja </a:t>
-            </a:r>
-            <a:r>
-              <a:rPr lang="pl-PL" sz="2000" b="1" dirty="0" err="1"/>
-              <a:t>Permissive</a:t>
-            </a:r>
-            <a:r>
-              <a:rPr lang="pl-PL" sz="2000" b="1" dirty="0"/>
-              <a:t> Apache 2.0: </a:t>
-            </a:r>
-            <a:r>
-              <a:rPr lang="pl-PL" sz="2000" dirty="0"/>
-              <a:t>Buduj swobodnie, bez ograniczeń </a:t>
-            </a:r>
-            <a:r>
-              <a:rPr lang="pl-PL" sz="2000" dirty="0" err="1"/>
-              <a:t>copyleft</a:t>
-            </a:r>
-            <a:r>
-              <a:rPr lang="pl-PL" sz="2000" dirty="0"/>
-              <a:t> i ryzyka patentowego. Idealny do eksperymentów, dostosowywania i wdrażania komercyjnego.</a:t>
-            </a:r>
+            <a:endParaRPr lang="pl-PL" dirty="0"/>
           </a:p>
         </p:txBody>
       </p:sp>
@@ -11028,7 +11381,7 @@
           <p:cNvPr id="3" name="Symbol zastępczy numeru slajdu 2">
             <a:extLst>
               <a:ext uri="{FF2B5EF4-FFF2-40B4-BE49-F238E27FC236}">
-                <a16:creationId xmlns:a16="http://schemas.microsoft.com/office/drawing/2014/main" id="{09D196F3-751D-1B99-CF22-65FF60E71ABA}"/>
+                <a16:creationId xmlns:a16="http://schemas.microsoft.com/office/drawing/2014/main" id="{05D55B04-1734-CD31-1AD0-971EAF49508D}"/>
               </a:ext>
             </a:extLst>
           </p:cNvPr>
@@ -11071,7 +11424,7 @@
           <p:cNvPr id="4" name="Tytuł 3">
             <a:extLst>
               <a:ext uri="{FF2B5EF4-FFF2-40B4-BE49-F238E27FC236}">
-                <a16:creationId xmlns:a16="http://schemas.microsoft.com/office/drawing/2014/main" id="{8C8A5F12-C51B-ABA3-A4DD-0B646F2B2B7A}"/>
+                <a16:creationId xmlns:a16="http://schemas.microsoft.com/office/drawing/2014/main" id="{F5F4756C-9BD7-0AF1-9BB1-D69F080D7CC0}"/>
               </a:ext>
             </a:extLst>
           </p:cNvPr>
@@ -11085,7 +11438,7 @@
         <p:spPr>
           <a:xfrm>
             <a:off x="867410" y="412304"/>
-            <a:ext cx="4566330" cy="720080"/>
+            <a:ext cx="13351306" cy="648070"/>
           </a:xfrm>
         </p:spPr>
         <p:txBody>
@@ -11094,7 +11447,7 @@
           <a:p>
             <a:r>
               <a:rPr lang="pl-PL" dirty="0"/>
-              <a:t>Propozycja MODELI </a:t>
+              <a:t>Przekształcenia i architektura przydatna w projekcie:</a:t>
             </a:r>
           </a:p>
         </p:txBody>
@@ -11104,7 +11457,7 @@
           <p:cNvPr id="5" name="Straight Connector 3">
             <a:extLst>
               <a:ext uri="{FF2B5EF4-FFF2-40B4-BE49-F238E27FC236}">
-                <a16:creationId xmlns:a16="http://schemas.microsoft.com/office/drawing/2014/main" id="{294E3A68-99E0-5AF4-B592-E9932BAE62B2}"/>
+                <a16:creationId xmlns:a16="http://schemas.microsoft.com/office/drawing/2014/main" id="{31A08F85-3C2A-1EAD-7BBC-15468FA62E81}"/>
               </a:ext>
             </a:extLst>
           </p:cNvPr>
@@ -11144,77 +11497,10 @@
       </p:cxnSp>
       <p:sp>
         <p:nvSpPr>
-          <p:cNvPr id="6" name="Tytuł 3">
-            <a:extLst>
-              <a:ext uri="{FF2B5EF4-FFF2-40B4-BE49-F238E27FC236}">
-                <a16:creationId xmlns:a16="http://schemas.microsoft.com/office/drawing/2014/main" id="{7511000D-7408-18A5-A8FA-B9F8BD4218CD}"/>
-              </a:ext>
-            </a:extLst>
-          </p:cNvPr>
-          <p:cNvSpPr txBox="1">
-            <a:spLocks/>
-          </p:cNvSpPr>
-          <p:nvPr/>
-        </p:nvSpPr>
-        <p:spPr>
-          <a:xfrm>
-            <a:off x="11713349" y="1114866"/>
-            <a:ext cx="4767441" cy="650760"/>
-          </a:xfrm>
-          <a:prstGeom prst="rect">
-            <a:avLst/>
-          </a:prstGeom>
-          <a:ln w="38100">
-            <a:solidFill>
-              <a:srgbClr val="C00000"/>
-            </a:solidFill>
-          </a:ln>
-        </p:spPr>
-        <p:txBody>
-          <a:bodyPr wrap="square" lIns="0" tIns="0" rIns="0" bIns="0" anchor="ctr">
-            <a:noAutofit/>
-          </a:bodyPr>
-          <a:lstStyle>
-            <a:lvl1pPr eaLnBrk="1" hangingPunct="1">
-              <a:defRPr sz="3600" b="1">
-                <a:latin typeface="Good Headline Pro"/>
-                <a:ea typeface="+mj-ea"/>
-                <a:cs typeface="+mj-cs"/>
-              </a:defRPr>
-            </a:lvl1pPr>
-          </a:lstStyle>
-          <a:p>
-            <a:pPr algn="ctr"/>
-            <a:r>
-              <a:rPr lang="pl-PL" kern="0" dirty="0">
-                <a:solidFill>
-                  <a:sysClr val="windowText" lastClr="000000"/>
-                </a:solidFill>
-              </a:rPr>
-              <a:t>GPT-</a:t>
-            </a:r>
-            <a:r>
-              <a:rPr lang="pl-PL" kern="0" dirty="0" err="1">
-                <a:solidFill>
-                  <a:sysClr val="windowText" lastClr="000000"/>
-                </a:solidFill>
-              </a:rPr>
-              <a:t>oss</a:t>
-            </a:r>
-            <a:endParaRPr lang="pl-PL" kern="0" dirty="0">
-              <a:solidFill>
-                <a:sysClr val="windowText" lastClr="000000"/>
-              </a:solidFill>
-            </a:endParaRPr>
-          </a:p>
-        </p:txBody>
-      </p:sp>
-      <p:sp>
-        <p:nvSpPr>
-          <p:cNvPr id="7" name="Symbol zastępczy tekstu 1">
-            <a:extLst>
-              <a:ext uri="{FF2B5EF4-FFF2-40B4-BE49-F238E27FC236}">
-                <a16:creationId xmlns:a16="http://schemas.microsoft.com/office/drawing/2014/main" id="{F6A6F68D-095C-8508-C682-4DCE15A84634}"/>
+          <p:cNvPr id="6" name="Symbol zastępczy tekstu 1">
+            <a:extLst>
+              <a:ext uri="{FF2B5EF4-FFF2-40B4-BE49-F238E27FC236}">
+                <a16:creationId xmlns:a16="http://schemas.microsoft.com/office/drawing/2014/main" id="{4E0719EE-BC6B-552D-A5AE-B1408700B139}"/>
               </a:ext>
             </a:extLst>
           </p:cNvPr>
@@ -11226,7 +11512,155 @@
         <p:spPr>
           <a:xfrm>
             <a:off x="867410" y="1054083"/>
-            <a:ext cx="6582554" cy="691282"/>
+            <a:ext cx="5790466" cy="691282"/>
+          </a:xfrm>
+          <a:prstGeom prst="rect">
+            <a:avLst/>
+          </a:prstGeom>
+          <a:solidFill>
+            <a:schemeClr val="accent2">
+              <a:lumMod val="20000"/>
+              <a:lumOff val="80000"/>
+            </a:schemeClr>
+          </a:solidFill>
+        </p:spPr>
+        <p:txBody>
+          <a:bodyPr wrap="square" lIns="0" tIns="0" rIns="0" bIns="0">
+            <a:noAutofit/>
+          </a:bodyPr>
+          <a:lstStyle>
+            <a:lvl1pPr marL="0" eaLnBrk="1" hangingPunct="1">
+              <a:defRPr sz="2400">
+                <a:latin typeface="Arial" panose="020B0604020202020204" pitchFamily="34" charset="0"/>
+                <a:ea typeface="+mn-ea"/>
+                <a:cs typeface="Arial" panose="020B0604020202020204" pitchFamily="34" charset="0"/>
+              </a:defRPr>
+            </a:lvl1pPr>
+            <a:lvl2pPr marL="457200" eaLnBrk="1" hangingPunct="1">
+              <a:defRPr>
+                <a:latin typeface="+mn-lt"/>
+                <a:ea typeface="+mn-ea"/>
+                <a:cs typeface="+mn-cs"/>
+              </a:defRPr>
+            </a:lvl2pPr>
+            <a:lvl3pPr marL="914400" eaLnBrk="1" hangingPunct="1">
+              <a:defRPr>
+                <a:latin typeface="+mn-lt"/>
+                <a:ea typeface="+mn-ea"/>
+                <a:cs typeface="+mn-cs"/>
+              </a:defRPr>
+            </a:lvl3pPr>
+            <a:lvl4pPr marL="1371600" eaLnBrk="1" hangingPunct="1">
+              <a:defRPr>
+                <a:latin typeface="+mn-lt"/>
+                <a:ea typeface="+mn-ea"/>
+                <a:cs typeface="+mn-cs"/>
+              </a:defRPr>
+            </a:lvl4pPr>
+            <a:lvl5pPr marL="1828800" eaLnBrk="1" hangingPunct="1">
+              <a:defRPr>
+                <a:latin typeface="+mn-lt"/>
+                <a:ea typeface="+mn-ea"/>
+                <a:cs typeface="+mn-cs"/>
+              </a:defRPr>
+            </a:lvl5pPr>
+            <a:lvl6pPr marL="2286000" eaLnBrk="1" hangingPunct="1">
+              <a:defRPr>
+                <a:latin typeface="+mn-lt"/>
+                <a:ea typeface="+mn-ea"/>
+                <a:cs typeface="+mn-cs"/>
+              </a:defRPr>
+            </a:lvl6pPr>
+            <a:lvl7pPr marL="2743200" eaLnBrk="1" hangingPunct="1">
+              <a:defRPr>
+                <a:latin typeface="+mn-lt"/>
+                <a:ea typeface="+mn-ea"/>
+                <a:cs typeface="+mn-cs"/>
+              </a:defRPr>
+            </a:lvl7pPr>
+            <a:lvl8pPr marL="3200400" eaLnBrk="1" hangingPunct="1">
+              <a:defRPr>
+                <a:latin typeface="+mn-lt"/>
+                <a:ea typeface="+mn-ea"/>
+                <a:cs typeface="+mn-cs"/>
+              </a:defRPr>
+            </a:lvl8pPr>
+            <a:lvl9pPr marL="3657600" eaLnBrk="1" hangingPunct="1">
+              <a:defRPr>
+                <a:latin typeface="+mn-lt"/>
+                <a:ea typeface="+mn-ea"/>
+                <a:cs typeface="+mn-cs"/>
+              </a:defRPr>
+            </a:lvl9pPr>
+          </a:lstStyle>
+          <a:p>
+            <a:pPr algn="ctr"/>
+            <a:r>
+              <a:rPr lang="pl-PL" sz="3600" kern="0" dirty="0">
+                <a:solidFill>
+                  <a:sysClr val="windowText" lastClr="000000"/>
+                </a:solidFill>
+                <a:latin typeface="Agency FB" panose="020B0503020202020204" pitchFamily="34" charset="0"/>
+              </a:rPr>
+              <a:t>OCR (Optical </a:t>
+            </a:r>
+            <a:r>
+              <a:rPr lang="pl-PL" sz="3600" kern="0" dirty="0" err="1">
+                <a:solidFill>
+                  <a:sysClr val="windowText" lastClr="000000"/>
+                </a:solidFill>
+                <a:latin typeface="Agency FB" panose="020B0503020202020204" pitchFamily="34" charset="0"/>
+              </a:rPr>
+              <a:t>Character</a:t>
+            </a:r>
+            <a:r>
+              <a:rPr lang="pl-PL" sz="3600" kern="0" dirty="0">
+                <a:solidFill>
+                  <a:sysClr val="windowText" lastClr="000000"/>
+                </a:solidFill>
+                <a:latin typeface="Agency FB" panose="020B0503020202020204" pitchFamily="34" charset="0"/>
+              </a:rPr>
+              <a:t> </a:t>
+            </a:r>
+            <a:r>
+              <a:rPr lang="pl-PL" sz="3600" kern="0" dirty="0" err="1">
+                <a:solidFill>
+                  <a:sysClr val="windowText" lastClr="000000"/>
+                </a:solidFill>
+                <a:latin typeface="Agency FB" panose="020B0503020202020204" pitchFamily="34" charset="0"/>
+              </a:rPr>
+              <a:t>Recognition</a:t>
+            </a:r>
+            <a:r>
+              <a:rPr lang="pl-PL" sz="3600" kern="0" dirty="0">
+                <a:solidFill>
+                  <a:sysClr val="windowText" lastClr="000000"/>
+                </a:solidFill>
+                <a:latin typeface="Agency FB" panose="020B0503020202020204" pitchFamily="34" charset="0"/>
+              </a:rPr>
+              <a:t>) </a:t>
+            </a:r>
+          </a:p>
+        </p:txBody>
+      </p:sp>
+      <p:sp>
+        <p:nvSpPr>
+          <p:cNvPr id="7" name="Symbol zastępczy tekstu 1">
+            <a:extLst>
+              <a:ext uri="{FF2B5EF4-FFF2-40B4-BE49-F238E27FC236}">
+                <a16:creationId xmlns:a16="http://schemas.microsoft.com/office/drawing/2014/main" id="{6E565AB7-5983-EF12-FA8B-3CABD868AA4F}"/>
+              </a:ext>
+            </a:extLst>
+          </p:cNvPr>
+          <p:cNvSpPr txBox="1">
+            <a:spLocks/>
+          </p:cNvSpPr>
+          <p:nvPr/>
+        </p:nvSpPr>
+        <p:spPr>
+          <a:xfrm>
+            <a:off x="12562532" y="8621216"/>
+            <a:ext cx="4035197" cy="461665"/>
           </a:xfrm>
           <a:prstGeom prst="rect">
             <a:avLst/>
@@ -11302,133 +11736,22 @@
             </a:lvl9pPr>
           </a:lstStyle>
           <a:p>
-            <a:r>
-              <a:rPr lang="pl-PL" sz="3600" kern="0" dirty="0">
+            <a:pPr algn="just"/>
+            <a:r>
+              <a:rPr lang="pl-PL" sz="1400" kern="0" dirty="0">
                 <a:solidFill>
                   <a:sysClr val="windowText" lastClr="000000"/>
                 </a:solidFill>
-                <a:latin typeface="Agency FB" panose="020B0503020202020204" pitchFamily="34" charset="0"/>
               </a:rPr>
-              <a:t>Modele LLM</a:t>
-            </a:r>
-          </a:p>
-        </p:txBody>
-      </p:sp>
-      <p:sp>
-        <p:nvSpPr>
-          <p:cNvPr id="9" name="Symbol zastępczy tekstu 1">
-            <a:extLst>
-              <a:ext uri="{FF2B5EF4-FFF2-40B4-BE49-F238E27FC236}">
-                <a16:creationId xmlns:a16="http://schemas.microsoft.com/office/drawing/2014/main" id="{D1DE7F59-1C43-5D32-CF6D-C9E683B2ED97}"/>
-              </a:ext>
-            </a:extLst>
-          </p:cNvPr>
-          <p:cNvSpPr txBox="1">
-            <a:spLocks/>
-          </p:cNvSpPr>
-          <p:nvPr/>
-        </p:nvSpPr>
-        <p:spPr>
-          <a:xfrm>
-            <a:off x="14097069" y="8529513"/>
-            <a:ext cx="3744416" cy="766309"/>
-          </a:xfrm>
-          <a:prstGeom prst="rect">
-            <a:avLst/>
-          </a:prstGeom>
-        </p:spPr>
-        <p:txBody>
-          <a:bodyPr wrap="square" lIns="0" tIns="0" rIns="0" bIns="0">
-            <a:noAutofit/>
-          </a:bodyPr>
-          <a:lstStyle>
-            <a:lvl1pPr marL="0" eaLnBrk="1" hangingPunct="1">
-              <a:defRPr sz="2400">
-                <a:latin typeface="Arial" panose="020B0604020202020204" pitchFamily="34" charset="0"/>
-                <a:ea typeface="+mn-ea"/>
-                <a:cs typeface="Arial" panose="020B0604020202020204" pitchFamily="34" charset="0"/>
-              </a:defRPr>
-            </a:lvl1pPr>
-            <a:lvl2pPr marL="457200" eaLnBrk="1" hangingPunct="1">
-              <a:defRPr>
-                <a:latin typeface="+mn-lt"/>
-                <a:ea typeface="+mn-ea"/>
-                <a:cs typeface="+mn-cs"/>
-              </a:defRPr>
-            </a:lvl2pPr>
-            <a:lvl3pPr marL="914400" eaLnBrk="1" hangingPunct="1">
-              <a:defRPr>
-                <a:latin typeface="+mn-lt"/>
-                <a:ea typeface="+mn-ea"/>
-                <a:cs typeface="+mn-cs"/>
-              </a:defRPr>
-            </a:lvl3pPr>
-            <a:lvl4pPr marL="1371600" eaLnBrk="1" hangingPunct="1">
-              <a:defRPr>
-                <a:latin typeface="+mn-lt"/>
-                <a:ea typeface="+mn-ea"/>
-                <a:cs typeface="+mn-cs"/>
-              </a:defRPr>
-            </a:lvl4pPr>
-            <a:lvl5pPr marL="1828800" eaLnBrk="1" hangingPunct="1">
-              <a:defRPr>
-                <a:latin typeface="+mn-lt"/>
-                <a:ea typeface="+mn-ea"/>
-                <a:cs typeface="+mn-cs"/>
-              </a:defRPr>
-            </a:lvl5pPr>
-            <a:lvl6pPr marL="2286000" eaLnBrk="1" hangingPunct="1">
-              <a:defRPr>
-                <a:latin typeface="+mn-lt"/>
-                <a:ea typeface="+mn-ea"/>
-                <a:cs typeface="+mn-cs"/>
-              </a:defRPr>
-            </a:lvl6pPr>
-            <a:lvl7pPr marL="2743200" eaLnBrk="1" hangingPunct="1">
-              <a:defRPr>
-                <a:latin typeface="+mn-lt"/>
-                <a:ea typeface="+mn-ea"/>
-                <a:cs typeface="+mn-cs"/>
-              </a:defRPr>
-            </a:lvl7pPr>
-            <a:lvl8pPr marL="3200400" eaLnBrk="1" hangingPunct="1">
-              <a:defRPr>
-                <a:latin typeface="+mn-lt"/>
-                <a:ea typeface="+mn-ea"/>
-                <a:cs typeface="+mn-cs"/>
-              </a:defRPr>
-            </a:lvl8pPr>
-            <a:lvl9pPr marL="3657600" eaLnBrk="1" hangingPunct="1">
-              <a:defRPr>
-                <a:latin typeface="+mn-lt"/>
-                <a:ea typeface="+mn-ea"/>
-                <a:cs typeface="+mn-cs"/>
-              </a:defRPr>
-            </a:lvl9pPr>
-          </a:lstStyle>
-          <a:p>
-            <a:pPr algn="just"/>
-            <a:r>
-              <a:rPr lang="pl-PL" sz="1400" kern="0" dirty="0">
-                <a:solidFill>
-                  <a:sysClr val="windowText" lastClr="000000"/>
-                </a:solidFill>
-                <a:hlinkClick r:id="rId2"/>
-              </a:rPr>
-              <a:t>https://ollama.com/library/gpt-oss</a:t>
-            </a:r>
-            <a:endParaRPr lang="pl-PL" sz="1400" kern="0" dirty="0">
-              <a:solidFill>
-                <a:sysClr val="windowText" lastClr="000000"/>
-              </a:solidFill>
-            </a:endParaRPr>
+              <a:t>m</a:t>
+            </a:r>
           </a:p>
         </p:txBody>
       </p:sp>
     </p:spTree>
     <p:extLst>
       <p:ext uri="{BB962C8B-B14F-4D97-AF65-F5344CB8AC3E}">
-        <p14:creationId xmlns:p14="http://schemas.microsoft.com/office/powerpoint/2010/main" val="283024004"/>
+        <p14:creationId xmlns:p14="http://schemas.microsoft.com/office/powerpoint/2010/main" val="164684972"/>
       </p:ext>
     </p:extLst>
   </p:cSld>
@@ -11723,13 +12046,7 @@
   <p:cSld>
     <p:spTree>
       <p:nvGrpSpPr>
-        <p:cNvPr id="1" name="">
-          <a:extLst>
-            <a:ext uri="{FF2B5EF4-FFF2-40B4-BE49-F238E27FC236}">
-              <a16:creationId xmlns:a16="http://schemas.microsoft.com/office/drawing/2014/main" id="{2093387E-3A41-8C17-2435-EE205A6F3920}"/>
-            </a:ext>
-          </a:extLst>
-        </p:cNvPr>
+        <p:cNvPr id="1" name=""/>
         <p:cNvGrpSpPr/>
         <p:nvPr/>
       </p:nvGrpSpPr>
@@ -11746,7 +12063,7 @@
           <p:cNvPr id="2" name="Symbol zastępczy tekstu 1">
             <a:extLst>
               <a:ext uri="{FF2B5EF4-FFF2-40B4-BE49-F238E27FC236}">
-                <a16:creationId xmlns:a16="http://schemas.microsoft.com/office/drawing/2014/main" id="{21D348C7-644A-7230-C3B8-D83D9E8B932B}"/>
+                <a16:creationId xmlns:a16="http://schemas.microsoft.com/office/drawing/2014/main" id="{5961F37E-92B6-3B9D-2604-ECCB73D0E35E}"/>
               </a:ext>
             </a:extLst>
           </p:cNvPr>
@@ -11759,8 +12076,8 @@
         </p:nvSpPr>
         <p:spPr>
           <a:xfrm>
-            <a:off x="895911" y="2241988"/>
-            <a:ext cx="12271186" cy="5657808"/>
+            <a:off x="867410" y="2243328"/>
+            <a:ext cx="11551106" cy="6395406"/>
           </a:xfrm>
         </p:spPr>
         <p:txBody>
@@ -11768,185 +12085,206 @@
           <a:lstStyle/>
           <a:p>
             <a:r>
-              <a:rPr lang="pl-PL" dirty="0"/>
-              <a:t>Polski LLM - Bielik-11B-v2.3-Instruct. Zbudowany i wyszkolony jako silny model średniej wielkości do zadań ogólnych i językowych w polskim. Dzięki większej liczbie parametrów zazwyczaj lepiej radzi sobie z kompleksowym rozumieniem kontekstu i generowaniem szczegółowych odpowiedzi.</a:t>
-            </a:r>
-          </a:p>
-          <a:p>
-            <a:endParaRPr lang="pl-PL" dirty="0"/>
-          </a:p>
-          <a:p>
-            <a:endParaRPr lang="pl-PL" dirty="0"/>
-          </a:p>
-          <a:p>
-            <a:r>
-              <a:rPr lang="pl-PL" dirty="0"/>
-              <a:t>Rozmiar: od 6,7 GM do 12GB (model 11B parametrów)</a:t>
-            </a:r>
-          </a:p>
-          <a:p>
-            <a:r>
-              <a:rPr lang="pl-PL" dirty="0"/>
-              <a:t>Kontekst: 32 tysiące</a:t>
-            </a:r>
-          </a:p>
-          <a:p>
-            <a:endParaRPr lang="pl-PL" dirty="0"/>
-          </a:p>
-          <a:p>
-            <a:r>
-              <a:rPr lang="pl-PL" b="1" dirty="0"/>
-              <a:t>Opis modelu:</a:t>
-            </a:r>
-          </a:p>
-          <a:p>
-            <a:pPr marL="342900" indent="-342900">
+              <a:rPr lang="pl-PL" sz="1800" dirty="0"/>
+              <a:t>Oparty na </a:t>
+            </a:r>
+            <a:r>
+              <a:rPr lang="pl-PL" sz="1800" dirty="0" err="1"/>
+              <a:t>Llama</a:t>
+            </a:r>
+            <a:r>
+              <a:rPr lang="pl-PL" sz="1800" dirty="0"/>
+              <a:t>, wyszkolony na danych medycznych, dobry w zrozumieniu i generowaniu odpowiedzi klinicznych. </a:t>
+            </a:r>
+          </a:p>
+          <a:p>
+            <a:endParaRPr lang="pl-PL" sz="1800" dirty="0"/>
+          </a:p>
+          <a:p>
+            <a:r>
+              <a:rPr lang="pl-PL" sz="1800" b="1" dirty="0"/>
+              <a:t>Rozmiar</a:t>
+            </a:r>
+            <a:r>
+              <a:rPr lang="pl-PL" sz="1800" dirty="0"/>
+              <a:t>: do 16 GB</a:t>
+            </a:r>
+          </a:p>
+          <a:p>
+            <a:pPr algn="just"/>
+            <a:r>
+              <a:rPr lang="pl-PL" sz="1800" b="1" dirty="0"/>
+              <a:t>Kontekst</a:t>
+            </a:r>
+            <a:r>
+              <a:rPr lang="pl-PL" sz="1800" dirty="0"/>
+              <a:t>: 8 tysięcy (ile informacji model językowy jest w stanie „widzieć” i brać pod uwagę jednocześnie, zanim wygeneruje odpowiedź)</a:t>
+            </a:r>
+          </a:p>
+          <a:p>
+            <a:endParaRPr lang="pl-PL" sz="1800" dirty="0"/>
+          </a:p>
+          <a:p>
+            <a:pPr algn="just"/>
+            <a:r>
+              <a:rPr lang="pl-PL" sz="1800" b="1" dirty="0"/>
+              <a:t>Licencja</a:t>
+            </a:r>
+            <a:r>
+              <a:rPr lang="pl-PL" sz="1800" dirty="0"/>
+              <a:t>: Obowiązuje własna licencja Meta.</a:t>
+            </a:r>
+          </a:p>
+          <a:p>
+            <a:pPr algn="just"/>
+            <a:endParaRPr lang="pl-PL" sz="1800" dirty="0"/>
+          </a:p>
+          <a:p>
+            <a:pPr algn="just"/>
+            <a:r>
+              <a:rPr lang="pl-PL" sz="1800" dirty="0"/>
+              <a:t>Pozwala:</a:t>
+            </a:r>
+          </a:p>
+          <a:p>
+            <a:pPr marL="285750" indent="-285750" algn="just">
               <a:buFont typeface="Arial" panose="020B0604020202020204" pitchFamily="34" charset="0"/>
               <a:buChar char="•"/>
             </a:pPr>
             <a:r>
-              <a:rPr lang="pl-PL" b="1" dirty="0"/>
-              <a:t>Opracowany przez:</a:t>
-            </a:r>
-            <a:r>
-              <a:rPr lang="pl-PL" dirty="0"/>
-              <a:t> </a:t>
-            </a:r>
-            <a:r>
-              <a:rPr lang="pl-PL" u="sng" dirty="0" err="1">
-                <a:hlinkClick r:id="rId2"/>
-              </a:rPr>
-              <a:t>SpeakLeash</a:t>
-            </a:r>
-            <a:r>
-              <a:rPr lang="pl-PL" dirty="0"/>
-              <a:t> &amp; </a:t>
-            </a:r>
-            <a:r>
-              <a:rPr lang="pl-PL" u="sng" dirty="0">
-                <a:hlinkClick r:id="rId3"/>
-              </a:rPr>
-              <a:t>ACK </a:t>
-            </a:r>
-            <a:r>
-              <a:rPr lang="pl-PL" u="sng" dirty="0" err="1">
-                <a:hlinkClick r:id="rId3"/>
-              </a:rPr>
-              <a:t>Cyfronet</a:t>
-            </a:r>
-            <a:r>
-              <a:rPr lang="pl-PL" u="sng" dirty="0">
-                <a:hlinkClick r:id="rId3"/>
-              </a:rPr>
-              <a:t> </a:t>
-            </a:r>
-            <a:r>
-              <a:rPr lang="pl-PL" u="sng" dirty="0" err="1">
-                <a:hlinkClick r:id="rId3"/>
-              </a:rPr>
-              <a:t>AGH</a:t>
-            </a:r>
-            <a:r>
-              <a:rPr lang="pl-PL" b="1" dirty="0" err="1"/>
-              <a:t>Język</a:t>
-            </a:r>
-            <a:r>
-              <a:rPr lang="pl-PL" b="1" dirty="0"/>
-              <a:t>:</a:t>
-            </a:r>
-            <a:r>
-              <a:rPr lang="pl-PL" dirty="0"/>
-              <a:t> Polski</a:t>
-            </a:r>
-          </a:p>
-          <a:p>
-            <a:pPr marL="342900" indent="-342900">
+              <a:rPr lang="pl-PL" sz="1800" dirty="0"/>
+              <a:t>używać modelu komercyjnie,</a:t>
+            </a:r>
+          </a:p>
+          <a:p>
+            <a:pPr marL="285750" indent="-285750" algn="just">
               <a:buFont typeface="Arial" panose="020B0604020202020204" pitchFamily="34" charset="0"/>
               <a:buChar char="•"/>
             </a:pPr>
             <a:r>
-              <a:rPr lang="pl-PL" b="1" dirty="0"/>
-              <a:t>Typ modelu:</a:t>
-            </a:r>
-            <a:r>
-              <a:rPr lang="pl-PL" dirty="0"/>
-              <a:t>  </a:t>
-            </a:r>
-            <a:r>
-              <a:rPr lang="pl-PL" dirty="0" err="1"/>
-              <a:t>causal</a:t>
-            </a:r>
-            <a:r>
-              <a:rPr lang="pl-PL" dirty="0"/>
-              <a:t> </a:t>
-            </a:r>
-            <a:r>
-              <a:rPr lang="pl-PL" dirty="0" err="1"/>
-              <a:t>decoder-only</a:t>
-            </a:r>
-            <a:endParaRPr lang="pl-PL" dirty="0"/>
-          </a:p>
-          <a:p>
-            <a:pPr marL="342900" indent="-342900">
+              <a:rPr lang="pl-PL" sz="1800" dirty="0"/>
+              <a:t>hostować go samodzielnie</a:t>
+            </a:r>
+          </a:p>
+          <a:p>
+            <a:pPr marL="285750" indent="-285750" algn="just">
               <a:buFont typeface="Arial" panose="020B0604020202020204" pitchFamily="34" charset="0"/>
               <a:buChar char="•"/>
             </a:pPr>
             <a:r>
-              <a:rPr lang="pl-PL" b="1" dirty="0"/>
-              <a:t>Z:</a:t>
-            </a:r>
-            <a:r>
-              <a:rPr lang="pl-PL" dirty="0"/>
-              <a:t> </a:t>
-            </a:r>
-            <a:r>
-              <a:rPr lang="pl-PL" u="sng" dirty="0">
-                <a:hlinkClick r:id="rId4"/>
-              </a:rPr>
-              <a:t>Bielik-11B-v2.3-Instruct</a:t>
-            </a:r>
-            <a:endParaRPr lang="pl-PL" dirty="0"/>
-          </a:p>
-          <a:p>
-            <a:pPr marL="342900" indent="-342900">
+              <a:rPr lang="pl-PL" sz="1800" dirty="0"/>
+              <a:t>integrować go z własnym kodem,</a:t>
+            </a:r>
+          </a:p>
+          <a:p>
+            <a:pPr marL="285750" indent="-285750" algn="just">
               <a:buFont typeface="Arial" panose="020B0604020202020204" pitchFamily="34" charset="0"/>
               <a:buChar char="•"/>
             </a:pPr>
             <a:r>
-              <a:rPr lang="pl-PL" b="1" dirty="0"/>
-              <a:t>Dostrojony od:</a:t>
-            </a:r>
-            <a:r>
-              <a:rPr lang="pl-PL" dirty="0"/>
-              <a:t> </a:t>
-            </a:r>
-            <a:r>
-              <a:rPr lang="pl-PL" u="sng" dirty="0">
-                <a:hlinkClick r:id="rId5"/>
-              </a:rPr>
-              <a:t>Bielik-11B-v2</a:t>
-            </a:r>
-            <a:endParaRPr lang="pl-PL" dirty="0"/>
-          </a:p>
-          <a:p>
-            <a:pPr marL="342900" indent="-342900">
+              <a:rPr lang="pl-PL" sz="1800" dirty="0"/>
+              <a:t>modyfikować model.</a:t>
+            </a:r>
+          </a:p>
+          <a:p>
+            <a:pPr algn="just"/>
+            <a:endParaRPr lang="pl-PL" sz="1800" dirty="0"/>
+          </a:p>
+          <a:p>
+            <a:pPr algn="just"/>
+            <a:r>
+              <a:rPr lang="pl-PL" sz="1800" dirty="0"/>
+              <a:t>Ogranicza: </a:t>
+            </a:r>
+          </a:p>
+          <a:p>
+            <a:pPr marL="285750" indent="-285750" algn="just">
               <a:buFont typeface="Arial" panose="020B0604020202020204" pitchFamily="34" charset="0"/>
               <a:buChar char="•"/>
             </a:pPr>
             <a:r>
-              <a:rPr lang="pl-PL" b="1" dirty="0"/>
-              <a:t>Licencja:</a:t>
-            </a:r>
-            <a:r>
-              <a:rPr lang="pl-PL" dirty="0"/>
-              <a:t> Apache 2.0 i </a:t>
-            </a:r>
-            <a:r>
-              <a:rPr lang="pl-PL" u="sng" dirty="0">
-                <a:hlinkClick r:id="rId6"/>
-              </a:rPr>
-              <a:t>Warunki korzystania</a:t>
-            </a:r>
+              <a:rPr lang="pl-PL" sz="1800" dirty="0"/>
+              <a:t>użycie do działań niezgodnych z prawem,</a:t>
+            </a:r>
+          </a:p>
+          <a:p>
+            <a:pPr marL="285750" indent="-285750" algn="just">
+              <a:buFont typeface="Arial" panose="020B0604020202020204" pitchFamily="34" charset="0"/>
+              <a:buChar char="•"/>
+            </a:pPr>
+            <a:r>
+              <a:rPr lang="pl-PL" sz="1800" dirty="0"/>
+              <a:t>użycie do generowania treści szkodliwych (standardowe klauzule </a:t>
+            </a:r>
+            <a:r>
+              <a:rPr lang="pl-PL" sz="1800" dirty="0" err="1"/>
+              <a:t>safety</a:t>
+            </a:r>
+            <a:r>
+              <a:rPr lang="pl-PL" sz="1800" dirty="0"/>
+              <a:t>),</a:t>
+            </a:r>
+          </a:p>
+          <a:p>
+            <a:pPr marL="285750" indent="-285750" algn="just">
+              <a:buFont typeface="Arial" panose="020B0604020202020204" pitchFamily="34" charset="0"/>
+              <a:buChar char="•"/>
+            </a:pPr>
+            <a:r>
+              <a:rPr lang="pl-PL" sz="1800" dirty="0"/>
+              <a:t>trenowanie konkurencyjnych dużych modeli bazowych na wagach Gemma,</a:t>
+            </a:r>
+          </a:p>
+          <a:p>
+            <a:pPr marL="285750" indent="-285750" algn="just">
+              <a:buFont typeface="Arial" panose="020B0604020202020204" pitchFamily="34" charset="0"/>
+              <a:buChar char="•"/>
+            </a:pPr>
+            <a:r>
+              <a:rPr lang="pl-PL" sz="1800" dirty="0"/>
+              <a:t>usuwanie informacji o licencji / autorstwie.</a:t>
+            </a:r>
+          </a:p>
+          <a:p>
+            <a:pPr marL="285750" indent="-285750" algn="just">
+              <a:buFont typeface="Arial" panose="020B0604020202020204" pitchFamily="34" charset="0"/>
+              <a:buChar char="•"/>
+            </a:pPr>
+            <a:endParaRPr lang="pl-PL" sz="1800" dirty="0"/>
+          </a:p>
+          <a:p>
+            <a:pPr algn="just"/>
+            <a:r>
+              <a:rPr lang="pl-PL" sz="1800" dirty="0"/>
+              <a:t>Udostępniając produkt z nim powiązany, należy dodać do niego umowę licencyjną oraz wypisać „</a:t>
+            </a:r>
+            <a:r>
+              <a:rPr lang="pl-PL" sz="1800" dirty="0" err="1"/>
+              <a:t>Built</a:t>
+            </a:r>
+            <a:r>
+              <a:rPr lang="pl-PL" sz="1800" dirty="0"/>
+              <a:t> with Meta </a:t>
+            </a:r>
+            <a:r>
+              <a:rPr lang="pl-PL" sz="1800" dirty="0" err="1"/>
+              <a:t>Llama</a:t>
+            </a:r>
+            <a:r>
+              <a:rPr lang="pl-PL" sz="1800" dirty="0"/>
+              <a:t> 3” w dokumentacji.</a:t>
+            </a:r>
+          </a:p>
+          <a:p>
+            <a:pPr algn="just"/>
+            <a:endParaRPr lang="pl-PL" dirty="0"/>
+          </a:p>
+          <a:p>
+            <a:pPr algn="just"/>
+            <a:endParaRPr lang="pl-PL" dirty="0"/>
+          </a:p>
+          <a:p>
+            <a:pPr algn="just"/>
             <a:endParaRPr lang="pl-PL" dirty="0"/>
           </a:p>
           <a:p>
@@ -11959,7 +12297,7 @@
           <p:cNvPr id="3" name="Symbol zastępczy numeru slajdu 2">
             <a:extLst>
               <a:ext uri="{FF2B5EF4-FFF2-40B4-BE49-F238E27FC236}">
-                <a16:creationId xmlns:a16="http://schemas.microsoft.com/office/drawing/2014/main" id="{27E130D1-F508-73DD-AA6F-8C32CEACE204}"/>
+                <a16:creationId xmlns:a16="http://schemas.microsoft.com/office/drawing/2014/main" id="{467F3A92-7EC3-90A9-9415-483AAD6CA286}"/>
               </a:ext>
             </a:extLst>
           </p:cNvPr>
@@ -12002,7 +12340,7 @@
           <p:cNvPr id="4" name="Tytuł 3">
             <a:extLst>
               <a:ext uri="{FF2B5EF4-FFF2-40B4-BE49-F238E27FC236}">
-                <a16:creationId xmlns:a16="http://schemas.microsoft.com/office/drawing/2014/main" id="{89E583BF-235B-3BBF-1D9A-E8DDEF1CB1EE}"/>
+                <a16:creationId xmlns:a16="http://schemas.microsoft.com/office/drawing/2014/main" id="{6D8FF0EB-0919-0699-8EFF-C3DD5A5B5356}"/>
               </a:ext>
             </a:extLst>
           </p:cNvPr>
@@ -12035,7 +12373,7 @@
           <p:cNvPr id="5" name="Straight Connector 3">
             <a:extLst>
               <a:ext uri="{FF2B5EF4-FFF2-40B4-BE49-F238E27FC236}">
-                <a16:creationId xmlns:a16="http://schemas.microsoft.com/office/drawing/2014/main" id="{A56F7A96-87FD-382B-C2A5-844674F79CC9}"/>
+                <a16:creationId xmlns:a16="http://schemas.microsoft.com/office/drawing/2014/main" id="{89516F50-E736-9F31-5165-C28A871CF05C}"/>
               </a:ext>
             </a:extLst>
           </p:cNvPr>
@@ -12078,7 +12416,7 @@
           <p:cNvPr id="6" name="Tytuł 3">
             <a:extLst>
               <a:ext uri="{FF2B5EF4-FFF2-40B4-BE49-F238E27FC236}">
-                <a16:creationId xmlns:a16="http://schemas.microsoft.com/office/drawing/2014/main" id="{4408682F-F326-1019-B5ED-22061319B899}"/>
+                <a16:creationId xmlns:a16="http://schemas.microsoft.com/office/drawing/2014/main" id="{8585E43D-F7A5-3DE4-72BF-B52902E5A341}"/>
               </a:ext>
             </a:extLst>
           </p:cNvPr>
@@ -12117,14 +12455,13 @@
           <a:p>
             <a:pPr algn="ctr"/>
             <a:r>
-              <a:rPr lang="pl-PL" dirty="0"/>
-              <a:t>Bielik-11B-v2.3</a:t>
-            </a:r>
-            <a:endParaRPr lang="pl-PL" kern="0" dirty="0">
-              <a:solidFill>
-                <a:sysClr val="windowText" lastClr="000000"/>
-              </a:solidFill>
-            </a:endParaRPr>
+              <a:rPr lang="pl-PL" kern="0" dirty="0">
+                <a:solidFill>
+                  <a:sysClr val="windowText" lastClr="000000"/>
+                </a:solidFill>
+              </a:rPr>
+              <a:t>MedLlama3-v20</a:t>
+            </a:r>
           </a:p>
         </p:txBody>
       </p:sp>
@@ -12133,7 +12470,7 @@
           <p:cNvPr id="7" name="Symbol zastępczy tekstu 1">
             <a:extLst>
               <a:ext uri="{FF2B5EF4-FFF2-40B4-BE49-F238E27FC236}">
-                <a16:creationId xmlns:a16="http://schemas.microsoft.com/office/drawing/2014/main" id="{104FE873-8893-24FB-D3FB-CDAD95F6875B}"/>
+                <a16:creationId xmlns:a16="http://schemas.microsoft.com/office/drawing/2014/main" id="{1E83BAF6-4590-AF4C-3D18-1F3D3CADFB96}"/>
               </a:ext>
             </a:extLst>
           </p:cNvPr>
@@ -12238,7 +12575,7 @@
           <p:cNvPr id="9" name="Symbol zastępczy tekstu 1">
             <a:extLst>
               <a:ext uri="{FF2B5EF4-FFF2-40B4-BE49-F238E27FC236}">
-                <a16:creationId xmlns:a16="http://schemas.microsoft.com/office/drawing/2014/main" id="{B4A40D64-2858-7615-666E-6C17F72B42F0}"/>
+                <a16:creationId xmlns:a16="http://schemas.microsoft.com/office/drawing/2014/main" id="{FA210D40-915C-8A82-B554-2A4E8F4C5D01}"/>
               </a:ext>
             </a:extLst>
           </p:cNvPr>
@@ -12249,8 +12586,8 @@
         </p:nvSpPr>
         <p:spPr>
           <a:xfrm>
-            <a:off x="12195799" y="8162599"/>
-            <a:ext cx="4767441" cy="493994"/>
+            <a:off x="13249880" y="7902425"/>
+            <a:ext cx="3744416" cy="766309"/>
           </a:xfrm>
           <a:prstGeom prst="rect">
             <a:avLst/>
@@ -12332,9 +12669,9 @@
                 <a:solidFill>
                   <a:sysClr val="windowText" lastClr="000000"/>
                 </a:solidFill>
-                <a:hlinkClick r:id="rId7"/>
+                <a:hlinkClick r:id="rId2"/>
               </a:rPr>
-              <a:t>https://ollama.com/SpeakLeash/bielik-11b-v2.3-instruct</a:t>
+              <a:t>https://ollama.com/rjmalagon/medllama3-v20</a:t>
             </a:r>
             <a:endParaRPr lang="pl-PL" sz="1400" kern="0" dirty="0">
               <a:solidFill>
@@ -12342,12 +12679,37 @@
               </a:solidFill>
             </a:endParaRPr>
           </a:p>
+          <a:p>
+            <a:pPr algn="just"/>
+            <a:endParaRPr lang="pl-PL" sz="1400" kern="0" dirty="0">
+              <a:solidFill>
+                <a:sysClr val="windowText" lastClr="000000"/>
+              </a:solidFill>
+            </a:endParaRPr>
+          </a:p>
+          <a:p>
+            <a:pPr algn="just"/>
+            <a:r>
+              <a:rPr lang="pl-PL" sz="1400" kern="0" dirty="0">
+                <a:solidFill>
+                  <a:sysClr val="windowText" lastClr="000000"/>
+                </a:solidFill>
+                <a:hlinkClick r:id="rId3"/>
+              </a:rPr>
+              <a:t>https://ollama.com/ahmgam/medllama3-v20</a:t>
+            </a:r>
+            <a:endParaRPr lang="pl-PL" sz="1400" kern="0" dirty="0">
+              <a:solidFill>
+                <a:sysClr val="windowText" lastClr="000000"/>
+              </a:solidFill>
+            </a:endParaRPr>
+          </a:p>
         </p:txBody>
       </p:sp>
     </p:spTree>
     <p:extLst>
       <p:ext uri="{BB962C8B-B14F-4D97-AF65-F5344CB8AC3E}">
-        <p14:creationId xmlns:p14="http://schemas.microsoft.com/office/powerpoint/2010/main" val="1475547246"/>
+        <p14:creationId xmlns:p14="http://schemas.microsoft.com/office/powerpoint/2010/main" val="2047480397"/>
       </p:ext>
     </p:extLst>
   </p:cSld>
@@ -12365,7 +12727,7 @@
         <p:cNvPr id="1" name="">
           <a:extLst>
             <a:ext uri="{FF2B5EF4-FFF2-40B4-BE49-F238E27FC236}">
-              <a16:creationId xmlns:a16="http://schemas.microsoft.com/office/drawing/2014/main" id="{38CEFF61-A7B8-1CE8-CFEB-7C11F0891396}"/>
+              <a16:creationId xmlns:a16="http://schemas.microsoft.com/office/drawing/2014/main" id="{5DAB0BED-8F22-EBAB-DCB1-84F45A15EDDA}"/>
             </a:ext>
           </a:extLst>
         </p:cNvPr>
@@ -12385,7 +12747,7 @@
           <p:cNvPr id="2" name="Symbol zastępczy tekstu 1">
             <a:extLst>
               <a:ext uri="{FF2B5EF4-FFF2-40B4-BE49-F238E27FC236}">
-                <a16:creationId xmlns:a16="http://schemas.microsoft.com/office/drawing/2014/main" id="{39355206-416D-C8D6-F7EB-641E21316B6F}"/>
+                <a16:creationId xmlns:a16="http://schemas.microsoft.com/office/drawing/2014/main" id="{8B9AAE7E-D60B-9500-4360-D0DD47B2DFB6}"/>
               </a:ext>
             </a:extLst>
           </p:cNvPr>
@@ -12398,8 +12760,8 @@
         </p:nvSpPr>
         <p:spPr>
           <a:xfrm>
-            <a:off x="674996" y="2284512"/>
-            <a:ext cx="12271186" cy="5657808"/>
+            <a:off x="421159" y="2140495"/>
+            <a:ext cx="7475055" cy="7056782"/>
           </a:xfrm>
         </p:spPr>
         <p:txBody>
@@ -12408,54 +12770,179 @@
           <a:p>
             <a:pPr algn="just"/>
             <a:r>
-              <a:rPr lang="pl-PL" dirty="0" err="1"/>
-              <a:t>Llama</a:t>
-            </a:r>
-            <a:r>
-              <a:rPr lang="pl-PL" dirty="0"/>
-              <a:t> 3.1 to nowy, najnowocześniejszy model firmy Meta dostępny w rozmiarach parametrów 8B, 70B i 405B.</a:t>
+              <a:rPr lang="pl-PL" sz="1800" dirty="0"/>
+              <a:t>Otwarty model </a:t>
+            </a:r>
+            <a:r>
+              <a:rPr lang="pl-PL" sz="1800" dirty="0" err="1"/>
+              <a:t>OpenAI</a:t>
+            </a:r>
+            <a:r>
+              <a:rPr lang="pl-PL" sz="1800" dirty="0"/>
+              <a:t> zaprojektowane z myślą o mocnym rozumowaniu, zadaniach </a:t>
+            </a:r>
+            <a:r>
+              <a:rPr lang="pl-PL" sz="1800" dirty="0" err="1"/>
+              <a:t>agentycznych</a:t>
+            </a:r>
+            <a:r>
+              <a:rPr lang="pl-PL" sz="1800" dirty="0"/>
+              <a:t> i wszechstronnych przypadkach użycia programistów.</a:t>
             </a:r>
           </a:p>
           <a:p>
             <a:pPr algn="just"/>
-            <a:endParaRPr lang="pl-PL" dirty="0"/>
+            <a:endParaRPr lang="pl-PL" sz="1800" dirty="0"/>
           </a:p>
           <a:p>
             <a:pPr algn="just"/>
             <a:r>
-              <a:rPr lang="pl-PL" dirty="0"/>
-              <a:t>Rozmiar: 4.9 GB (model 8B parametrów), 43 GB (model 70B parametrów), 243 GB (model 405B parametrów)</a:t>
+              <a:rPr lang="pl-PL" sz="1800" b="1" dirty="0"/>
+              <a:t>Rozmiar</a:t>
+            </a:r>
+            <a:r>
+              <a:rPr lang="pl-PL" sz="1800" dirty="0"/>
+              <a:t>: najnowszy ma 14 GB (model 20B parametrów), starszy ma 65 GB (model 120B parametrów)</a:t>
             </a:r>
           </a:p>
           <a:p>
             <a:pPr algn="just"/>
             <a:r>
-              <a:rPr lang="pl-PL" dirty="0"/>
-              <a:t>Kontekst: 128 tysięcy</a:t>
+              <a:rPr lang="pl-PL" sz="1800" b="1" dirty="0"/>
+              <a:t>Kontekst</a:t>
+            </a:r>
+            <a:r>
+              <a:rPr lang="pl-PL" sz="1800" dirty="0"/>
+              <a:t>: 128 tysięcy</a:t>
             </a:r>
           </a:p>
           <a:p>
             <a:pPr algn="just"/>
-            <a:endParaRPr lang="pl-PL" dirty="0"/>
+            <a:r>
+              <a:rPr lang="pl-PL" sz="1800" b="1" dirty="0"/>
+              <a:t>Licencja</a:t>
+            </a:r>
+            <a:r>
+              <a:rPr lang="pl-PL" sz="1800" dirty="0"/>
+              <a:t>: Apache License 2.0</a:t>
+            </a:r>
           </a:p>
           <a:p>
             <a:pPr algn="just"/>
-            <a:r>
-              <a:rPr lang="pl-PL" dirty="0" err="1"/>
-              <a:t>Llama</a:t>
-            </a:r>
-            <a:r>
-              <a:rPr lang="pl-PL" dirty="0"/>
-              <a:t> 3.1 405 B to pierwszy otwarcie dostępny model, który konkuruje z najlepszymi modelami AI, jeśli chodzi o najnowocześniejsze możliwości w zakresie wiedzy ogólnej, sterowności, matematyki, użycia narzędzi i tłumaczenia wielojęzycznego. Flagowy model jest konkurencyjny w stosunku do wiodących modeli podstawowych w różnych zadaniach, w tym GPT-4, GPT-4o i Claude 3.5 </a:t>
-            </a:r>
-            <a:r>
-              <a:rPr lang="pl-PL" dirty="0" err="1"/>
-              <a:t>Sonnet</a:t>
-            </a:r>
-            <a:r>
-              <a:rPr lang="pl-PL" dirty="0"/>
-              <a:t>.</a:t>
-            </a:r>
+            <a:endParaRPr lang="pl-PL" sz="1800" dirty="0"/>
+          </a:p>
+          <a:p>
+            <a:pPr algn="just"/>
+            <a:r>
+              <a:rPr lang="pl-PL" sz="1800" dirty="0"/>
+              <a:t>Pozwala:</a:t>
+            </a:r>
+          </a:p>
+          <a:p>
+            <a:pPr marL="285750" indent="-285750" algn="just">
+              <a:buFont typeface="Arial" panose="020B0604020202020204" pitchFamily="34" charset="0"/>
+              <a:buChar char="•"/>
+            </a:pPr>
+            <a:r>
+              <a:rPr lang="pl-PL" sz="1800" dirty="0"/>
+              <a:t>używać modelu komercyjnie,</a:t>
+            </a:r>
+          </a:p>
+          <a:p>
+            <a:pPr marL="285750" indent="-285750" algn="just">
+              <a:buFont typeface="Arial" panose="020B0604020202020204" pitchFamily="34" charset="0"/>
+              <a:buChar char="•"/>
+            </a:pPr>
+            <a:r>
+              <a:rPr lang="pl-PL" sz="1800" dirty="0"/>
+              <a:t>hostować go samodzielnie,</a:t>
+            </a:r>
+          </a:p>
+          <a:p>
+            <a:pPr marL="285750" indent="-285750" algn="just">
+              <a:buFont typeface="Arial" panose="020B0604020202020204" pitchFamily="34" charset="0"/>
+              <a:buChar char="•"/>
+            </a:pPr>
+            <a:r>
+              <a:rPr lang="pl-PL" sz="1800" dirty="0"/>
+              <a:t>integrować w aplikacjach, systemach, produktach,</a:t>
+            </a:r>
+          </a:p>
+          <a:p>
+            <a:pPr marL="285750" indent="-285750" algn="just">
+              <a:buFont typeface="Arial" panose="020B0604020202020204" pitchFamily="34" charset="0"/>
+              <a:buChar char="•"/>
+            </a:pPr>
+            <a:r>
+              <a:rPr lang="pl-PL" sz="1800" dirty="0"/>
+              <a:t>modyfikować model,</a:t>
+            </a:r>
+          </a:p>
+          <a:p>
+            <a:pPr marL="285750" indent="-285750" algn="just">
+              <a:buFont typeface="Arial" panose="020B0604020202020204" pitchFamily="34" charset="0"/>
+              <a:buChar char="•"/>
+            </a:pPr>
+            <a:r>
+              <a:rPr lang="pl-PL" sz="1800" dirty="0"/>
+              <a:t>redystrybuować model lub jego modyfikacje</a:t>
+            </a:r>
+          </a:p>
+          <a:p>
+            <a:pPr marL="285750" indent="-285750" algn="just">
+              <a:buFont typeface="Arial" panose="020B0604020202020204" pitchFamily="34" charset="0"/>
+              <a:buChar char="•"/>
+            </a:pPr>
+            <a:endParaRPr lang="pl-PL" sz="1800" dirty="0"/>
+          </a:p>
+          <a:p>
+            <a:pPr algn="just"/>
+            <a:r>
+              <a:rPr lang="pl-PL" sz="1800" dirty="0"/>
+              <a:t>Należy:</a:t>
+            </a:r>
+          </a:p>
+          <a:p>
+            <a:pPr marL="285750" indent="-285750" algn="just">
+              <a:buFont typeface="Arial" panose="020B0604020202020204" pitchFamily="34" charset="0"/>
+              <a:buChar char="•"/>
+            </a:pPr>
+            <a:r>
+              <a:rPr lang="pl-PL" sz="1800" dirty="0"/>
+              <a:t>zachować informację o licencji Apache 2.0,</a:t>
+            </a:r>
+          </a:p>
+          <a:p>
+            <a:pPr marL="285750" indent="-285750" algn="just">
+              <a:buFont typeface="Arial" panose="020B0604020202020204" pitchFamily="34" charset="0"/>
+              <a:buChar char="•"/>
+            </a:pPr>
+            <a:r>
+              <a:rPr lang="pl-PL" sz="1800" dirty="0"/>
+              <a:t>zachować informacje o autorach,</a:t>
+            </a:r>
+          </a:p>
+          <a:p>
+            <a:pPr marL="285750" indent="-285750" algn="just">
+              <a:buFont typeface="Arial" panose="020B0604020202020204" pitchFamily="34" charset="0"/>
+              <a:buChar char="•"/>
+            </a:pPr>
+            <a:r>
+              <a:rPr lang="pl-PL" sz="1800" dirty="0"/>
+              <a:t>zaznaczyć, że wprowadzono zmiany w modelu.</a:t>
+            </a:r>
+          </a:p>
+          <a:p>
+            <a:pPr algn="just"/>
+            <a:endParaRPr lang="pl-PL" sz="2000" dirty="0"/>
+          </a:p>
+          <a:p>
+            <a:pPr algn="just"/>
+            <a:endParaRPr lang="pl-PL" sz="2000" dirty="0"/>
+          </a:p>
+          <a:p>
+            <a:pPr algn="just"/>
+            <a:endParaRPr lang="pl-PL" sz="2000" dirty="0"/>
           </a:p>
         </p:txBody>
       </p:sp>
@@ -12464,7 +12951,7 @@
           <p:cNvPr id="3" name="Symbol zastępczy numeru slajdu 2">
             <a:extLst>
               <a:ext uri="{FF2B5EF4-FFF2-40B4-BE49-F238E27FC236}">
-                <a16:creationId xmlns:a16="http://schemas.microsoft.com/office/drawing/2014/main" id="{A39A7E34-F853-74ED-FB8C-69162C861247}"/>
+                <a16:creationId xmlns:a16="http://schemas.microsoft.com/office/drawing/2014/main" id="{09D196F3-751D-1B99-CF22-65FF60E71ABA}"/>
               </a:ext>
             </a:extLst>
           </p:cNvPr>
@@ -12507,7 +12994,7 @@
           <p:cNvPr id="4" name="Tytuł 3">
             <a:extLst>
               <a:ext uri="{FF2B5EF4-FFF2-40B4-BE49-F238E27FC236}">
-                <a16:creationId xmlns:a16="http://schemas.microsoft.com/office/drawing/2014/main" id="{A4BFEB57-0D14-24F3-FB69-E67DDA82E177}"/>
+                <a16:creationId xmlns:a16="http://schemas.microsoft.com/office/drawing/2014/main" id="{8C8A5F12-C51B-ABA3-A4DD-0B646F2B2B7A}"/>
               </a:ext>
             </a:extLst>
           </p:cNvPr>
@@ -12540,7 +13027,7 @@
           <p:cNvPr id="5" name="Straight Connector 3">
             <a:extLst>
               <a:ext uri="{FF2B5EF4-FFF2-40B4-BE49-F238E27FC236}">
-                <a16:creationId xmlns:a16="http://schemas.microsoft.com/office/drawing/2014/main" id="{DB3AC854-A387-15F2-A67D-7D646BA8266B}"/>
+                <a16:creationId xmlns:a16="http://schemas.microsoft.com/office/drawing/2014/main" id="{294E3A68-99E0-5AF4-B592-E9932BAE62B2}"/>
               </a:ext>
             </a:extLst>
           </p:cNvPr>
@@ -12583,7 +13070,7 @@
           <p:cNvPr id="6" name="Tytuł 3">
             <a:extLst>
               <a:ext uri="{FF2B5EF4-FFF2-40B4-BE49-F238E27FC236}">
-                <a16:creationId xmlns:a16="http://schemas.microsoft.com/office/drawing/2014/main" id="{900EBD99-725F-89C2-4AC0-6DC9E1E26E19}"/>
+                <a16:creationId xmlns:a16="http://schemas.microsoft.com/office/drawing/2014/main" id="{7511000D-7408-18A5-A8FA-B9F8BD4218CD}"/>
               </a:ext>
             </a:extLst>
           </p:cNvPr>
@@ -12622,21 +13109,26 @@
           <a:p>
             <a:pPr algn="ctr"/>
             <a:r>
+              <a:rPr lang="pl-PL" kern="0" dirty="0">
+                <a:solidFill>
+                  <a:sysClr val="windowText" lastClr="000000"/>
+                </a:solidFill>
+              </a:rPr>
+              <a:t>GPT-</a:t>
+            </a:r>
+            <a:r>
               <a:rPr lang="pl-PL" kern="0" dirty="0" err="1">
                 <a:solidFill>
                   <a:sysClr val="windowText" lastClr="000000"/>
                 </a:solidFill>
               </a:rPr>
-              <a:t>Llama</a:t>
-            </a:r>
-            <a:r>
-              <a:rPr lang="pl-PL" kern="0" dirty="0">
-                <a:solidFill>
-                  <a:sysClr val="windowText" lastClr="000000"/>
-                </a:solidFill>
-              </a:rPr>
-              <a:t> 3.1</a:t>
-            </a:r>
+              <a:t>oss</a:t>
+            </a:r>
+            <a:endParaRPr lang="pl-PL" kern="0" dirty="0">
+              <a:solidFill>
+                <a:sysClr val="windowText" lastClr="000000"/>
+              </a:solidFill>
+            </a:endParaRPr>
           </a:p>
         </p:txBody>
       </p:sp>
@@ -12645,7 +13137,7 @@
           <p:cNvPr id="7" name="Symbol zastępczy tekstu 1">
             <a:extLst>
               <a:ext uri="{FF2B5EF4-FFF2-40B4-BE49-F238E27FC236}">
-                <a16:creationId xmlns:a16="http://schemas.microsoft.com/office/drawing/2014/main" id="{7B335DFD-7C34-E1D2-21CB-CDD65F24C9E1}"/>
+                <a16:creationId xmlns:a16="http://schemas.microsoft.com/office/drawing/2014/main" id="{F6A6F68D-095C-8508-C682-4DCE15A84634}"/>
               </a:ext>
             </a:extLst>
           </p:cNvPr>
@@ -12750,7 +13242,7 @@
           <p:cNvPr id="9" name="Symbol zastępczy tekstu 1">
             <a:extLst>
               <a:ext uri="{FF2B5EF4-FFF2-40B4-BE49-F238E27FC236}">
-                <a16:creationId xmlns:a16="http://schemas.microsoft.com/office/drawing/2014/main" id="{120FF218-5A6B-1EAA-A5D7-7CE2054A04BA}"/>
+                <a16:creationId xmlns:a16="http://schemas.microsoft.com/office/drawing/2014/main" id="{D1DE7F59-1C43-5D32-CF6D-C9E683B2ED97}"/>
               </a:ext>
             </a:extLst>
           </p:cNvPr>
@@ -12761,8 +13253,8 @@
         </p:nvSpPr>
         <p:spPr>
           <a:xfrm>
-            <a:off x="13786668" y="8400666"/>
-            <a:ext cx="3103037" cy="476135"/>
+            <a:off x="14097069" y="8529513"/>
+            <a:ext cx="3744416" cy="766309"/>
           </a:xfrm>
           <a:prstGeom prst="rect">
             <a:avLst/>
@@ -12846,7 +13338,7 @@
                 </a:solidFill>
                 <a:hlinkClick r:id="rId2"/>
               </a:rPr>
-              <a:t>https://ollama.com/library/llama3.1</a:t>
+              <a:t>https://ollama.com/library/gpt-oss</a:t>
             </a:r>
             <a:endParaRPr lang="pl-PL" sz="1400" kern="0" dirty="0">
               <a:solidFill>
@@ -12856,10 +13348,220 @@
           </a:p>
         </p:txBody>
       </p:sp>
+      <p:sp>
+        <p:nvSpPr>
+          <p:cNvPr id="8" name="Symbol zastępczy tekstu 1">
+            <a:extLst>
+              <a:ext uri="{FF2B5EF4-FFF2-40B4-BE49-F238E27FC236}">
+                <a16:creationId xmlns:a16="http://schemas.microsoft.com/office/drawing/2014/main" id="{4F81BDBC-49EC-FE0D-5B26-4B4D91F68ECD}"/>
+              </a:ext>
+            </a:extLst>
+          </p:cNvPr>
+          <p:cNvSpPr txBox="1">
+            <a:spLocks/>
+          </p:cNvSpPr>
+          <p:nvPr/>
+        </p:nvSpPr>
+        <p:spPr>
+          <a:xfrm>
+            <a:off x="9106148" y="2140495"/>
+            <a:ext cx="7475055" cy="5647284"/>
+          </a:xfrm>
+          <a:prstGeom prst="rect">
+            <a:avLst/>
+          </a:prstGeom>
+        </p:spPr>
+        <p:txBody>
+          <a:bodyPr wrap="square" lIns="0" tIns="0" rIns="0" bIns="0">
+            <a:noAutofit/>
+          </a:bodyPr>
+          <a:lstStyle>
+            <a:lvl1pPr marL="0" eaLnBrk="1" hangingPunct="1">
+              <a:defRPr sz="2400">
+                <a:latin typeface="Arial" panose="020B0604020202020204" pitchFamily="34" charset="0"/>
+                <a:ea typeface="+mn-ea"/>
+                <a:cs typeface="Arial" panose="020B0604020202020204" pitchFamily="34" charset="0"/>
+              </a:defRPr>
+            </a:lvl1pPr>
+            <a:lvl2pPr marL="457200" eaLnBrk="1" hangingPunct="1">
+              <a:defRPr>
+                <a:latin typeface="+mn-lt"/>
+                <a:ea typeface="+mn-ea"/>
+                <a:cs typeface="+mn-cs"/>
+              </a:defRPr>
+            </a:lvl2pPr>
+            <a:lvl3pPr marL="914400" eaLnBrk="1" hangingPunct="1">
+              <a:defRPr>
+                <a:latin typeface="+mn-lt"/>
+                <a:ea typeface="+mn-ea"/>
+                <a:cs typeface="+mn-cs"/>
+              </a:defRPr>
+            </a:lvl3pPr>
+            <a:lvl4pPr marL="1371600" eaLnBrk="1" hangingPunct="1">
+              <a:defRPr>
+                <a:latin typeface="+mn-lt"/>
+                <a:ea typeface="+mn-ea"/>
+                <a:cs typeface="+mn-cs"/>
+              </a:defRPr>
+            </a:lvl4pPr>
+            <a:lvl5pPr marL="1828800" eaLnBrk="1" hangingPunct="1">
+              <a:defRPr>
+                <a:latin typeface="+mn-lt"/>
+                <a:ea typeface="+mn-ea"/>
+                <a:cs typeface="+mn-cs"/>
+              </a:defRPr>
+            </a:lvl5pPr>
+            <a:lvl6pPr marL="2286000" eaLnBrk="1" hangingPunct="1">
+              <a:defRPr>
+                <a:latin typeface="+mn-lt"/>
+                <a:ea typeface="+mn-ea"/>
+                <a:cs typeface="+mn-cs"/>
+              </a:defRPr>
+            </a:lvl6pPr>
+            <a:lvl7pPr marL="2743200" eaLnBrk="1" hangingPunct="1">
+              <a:defRPr>
+                <a:latin typeface="+mn-lt"/>
+                <a:ea typeface="+mn-ea"/>
+                <a:cs typeface="+mn-cs"/>
+              </a:defRPr>
+            </a:lvl7pPr>
+            <a:lvl8pPr marL="3200400" eaLnBrk="1" hangingPunct="1">
+              <a:defRPr>
+                <a:latin typeface="+mn-lt"/>
+                <a:ea typeface="+mn-ea"/>
+                <a:cs typeface="+mn-cs"/>
+              </a:defRPr>
+            </a:lvl8pPr>
+            <a:lvl9pPr marL="3657600" eaLnBrk="1" hangingPunct="1">
+              <a:defRPr>
+                <a:latin typeface="+mn-lt"/>
+                <a:ea typeface="+mn-ea"/>
+                <a:cs typeface="+mn-cs"/>
+              </a:defRPr>
+            </a:lvl9pPr>
+          </a:lstStyle>
+          <a:p>
+            <a:pPr algn="just"/>
+            <a:r>
+              <a:rPr lang="pl-PL" sz="1800" b="1" dirty="0"/>
+              <a:t>Najważniejsze cechy</a:t>
+            </a:r>
+          </a:p>
+          <a:p>
+            <a:pPr algn="just"/>
+            <a:endParaRPr lang="pl-PL" sz="1800" b="1" dirty="0"/>
+          </a:p>
+          <a:p>
+            <a:pPr marL="342900" indent="-342900" algn="just">
+              <a:buFont typeface="Arial" panose="020B0604020202020204" pitchFamily="34" charset="0"/>
+              <a:buChar char="•"/>
+            </a:pPr>
+            <a:r>
+              <a:rPr lang="pl-PL" sz="1800" b="1" dirty="0"/>
+              <a:t>Możliwości </a:t>
+            </a:r>
+            <a:r>
+              <a:rPr lang="pl-PL" sz="1800" b="1" dirty="0" err="1"/>
+              <a:t>agentyczne</a:t>
+            </a:r>
+            <a:r>
+              <a:rPr lang="pl-PL" sz="1800" dirty="0"/>
+              <a:t>: Użyj natywnych możliwości </a:t>
+            </a:r>
+            <a:r>
+              <a:rPr lang="pl-PL" sz="1800" dirty="0" err="1"/>
+              <a:t>models</a:t>
+            </a:r>
+            <a:r>
+              <a:rPr lang="pl-PL" sz="1800" dirty="0"/>
+              <a:t>’ do wywoływania funkcji, przeglądania stron internetowych (Ollama wprowadza wbudowane wyszukiwanie w sieci, które można opcjonalnie włączyć), </a:t>
+            </a:r>
+            <a:r>
+              <a:rPr lang="pl-PL" sz="1800" dirty="0" err="1"/>
+              <a:t>wywołań</a:t>
+            </a:r>
+            <a:r>
+              <a:rPr lang="pl-PL" sz="1800" dirty="0"/>
+              <a:t> narzędzi </a:t>
+            </a:r>
+            <a:r>
+              <a:rPr lang="pl-PL" sz="1800" dirty="0" err="1"/>
+              <a:t>Pythona</a:t>
+            </a:r>
+            <a:r>
+              <a:rPr lang="pl-PL" sz="1800" dirty="0"/>
+              <a:t> i ustrukturyzowanych wyników</a:t>
+            </a:r>
+          </a:p>
+          <a:p>
+            <a:pPr marL="342900" indent="-342900" algn="just">
+              <a:buFont typeface="Arial" panose="020B0604020202020204" pitchFamily="34" charset="0"/>
+              <a:buChar char="•"/>
+            </a:pPr>
+            <a:endParaRPr lang="pl-PL" sz="1800" dirty="0"/>
+          </a:p>
+          <a:p>
+            <a:pPr marL="342900" indent="-342900" algn="just">
+              <a:buFont typeface="Arial" panose="020B0604020202020204" pitchFamily="34" charset="0"/>
+              <a:buChar char="•"/>
+            </a:pPr>
+            <a:r>
+              <a:rPr lang="pl-PL" sz="1800" b="1" dirty="0"/>
+              <a:t>Pełny łańcuch myśli</a:t>
+            </a:r>
+            <a:r>
+              <a:rPr lang="pl-PL" sz="1800" dirty="0"/>
+              <a:t>: Uzyskaj pełny dostęp do procesu wnioskowania modelu, ułatwiając łatwiejsze debugowanie i zwiększając zaufanie do wyników.</a:t>
+            </a:r>
+          </a:p>
+          <a:p>
+            <a:pPr marL="342900" indent="-342900" algn="just">
+              <a:buFont typeface="Arial" panose="020B0604020202020204" pitchFamily="34" charset="0"/>
+              <a:buChar char="•"/>
+            </a:pPr>
+            <a:endParaRPr lang="pl-PL" sz="1800" dirty="0"/>
+          </a:p>
+          <a:p>
+            <a:pPr marL="342900" indent="-342900" algn="just">
+              <a:buFont typeface="Arial" panose="020B0604020202020204" pitchFamily="34" charset="0"/>
+              <a:buChar char="•"/>
+            </a:pPr>
+            <a:r>
+              <a:rPr lang="pl-PL" sz="1800" b="1" dirty="0"/>
+              <a:t>Konfigurowalny wysiłek rozumowania:</a:t>
+            </a:r>
+            <a:r>
+              <a:rPr lang="pl-PL" sz="1800" dirty="0"/>
+              <a:t> Z łatwością dostosuj wysiłek rozumowania (niski, średni, wysoki) w oparciu o konkretny przypadek użycia i potrzeby związane z opóźnieniami.</a:t>
+            </a:r>
+          </a:p>
+          <a:p>
+            <a:pPr marL="342900" indent="-342900" algn="just">
+              <a:buFont typeface="Arial" panose="020B0604020202020204" pitchFamily="34" charset="0"/>
+              <a:buChar char="•"/>
+            </a:pPr>
+            <a:endParaRPr lang="pl-PL" sz="1800" dirty="0"/>
+          </a:p>
+          <a:p>
+            <a:pPr marL="342900" indent="-342900" algn="just">
+              <a:buFont typeface="Arial" panose="020B0604020202020204" pitchFamily="34" charset="0"/>
+              <a:buChar char="•"/>
+            </a:pPr>
+            <a:r>
+              <a:rPr lang="pl-PL" sz="1800" b="1" dirty="0" err="1"/>
+              <a:t>Dostrajalny</a:t>
+            </a:r>
+            <a:r>
+              <a:rPr lang="pl-PL" sz="1800" dirty="0"/>
+              <a:t>: W pełni dostosuj modele do konkretnego przypadku użycia poprzez dostrojenie parametrów.</a:t>
+            </a:r>
+          </a:p>
+        </p:txBody>
+      </p:sp>
     </p:spTree>
     <p:extLst>
       <p:ext uri="{BB962C8B-B14F-4D97-AF65-F5344CB8AC3E}">
-        <p14:creationId xmlns:p14="http://schemas.microsoft.com/office/powerpoint/2010/main" val="80015909"/>
+        <p14:creationId xmlns:p14="http://schemas.microsoft.com/office/powerpoint/2010/main" val="283024004"/>
       </p:ext>
     </p:extLst>
   </p:cSld>
@@ -12877,7 +13579,7 @@
         <p:cNvPr id="1" name="">
           <a:extLst>
             <a:ext uri="{FF2B5EF4-FFF2-40B4-BE49-F238E27FC236}">
-              <a16:creationId xmlns:a16="http://schemas.microsoft.com/office/drawing/2014/main" id="{1AA7D255-E48E-5960-6922-B7F257346F9A}"/>
+              <a16:creationId xmlns:a16="http://schemas.microsoft.com/office/drawing/2014/main" id="{2093387E-3A41-8C17-2435-EE205A6F3920}"/>
             </a:ext>
           </a:extLst>
         </p:cNvPr>
@@ -12897,7 +13599,7 @@
           <p:cNvPr id="2" name="Symbol zastępczy tekstu 1">
             <a:extLst>
               <a:ext uri="{FF2B5EF4-FFF2-40B4-BE49-F238E27FC236}">
-                <a16:creationId xmlns:a16="http://schemas.microsoft.com/office/drawing/2014/main" id="{D114D6C3-3FF0-9DE1-007D-CA3075A2FD42}"/>
+                <a16:creationId xmlns:a16="http://schemas.microsoft.com/office/drawing/2014/main" id="{21D348C7-644A-7230-C3B8-D83D9E8B932B}"/>
               </a:ext>
             </a:extLst>
           </p:cNvPr>
@@ -12910,8 +13612,8 @@
         </p:nvSpPr>
         <p:spPr>
           <a:xfrm>
-            <a:off x="458495" y="1930765"/>
-            <a:ext cx="12271186" cy="6768752"/>
+            <a:off x="895911" y="2241987"/>
+            <a:ext cx="8642285" cy="6457529"/>
           </a:xfrm>
         </p:spPr>
         <p:txBody>
@@ -12921,147 +13623,154 @@
             <a:pPr algn="just"/>
             <a:r>
               <a:rPr lang="pl-PL" sz="1800" dirty="0"/>
-              <a:t>Google Gemma 2 to wysokowydajny i wydajny model dostępny w trzech rozmiarach: 2B, 9B i 27B.</a:t>
-            </a:r>
+              <a:t>Polski LLM - Bielik-11B-v2.3-Instruct. Zbudowany i wyszkolony jako silny model średniej wielkości do zadań ogólnych i językowych w polskim. Dzięki większej liczbie parametrów zazwyczaj lepiej radzi sobie z kompleksowym rozumieniem kontekstu i generowaniem szczegółowych odpowiedzi.</a:t>
+            </a:r>
+          </a:p>
+          <a:p>
+            <a:endParaRPr lang="pl-PL" sz="1800" dirty="0"/>
+          </a:p>
+          <a:p>
+            <a:endParaRPr lang="pl-PL" sz="1800" dirty="0"/>
+          </a:p>
+          <a:p>
+            <a:r>
+              <a:rPr lang="pl-PL" sz="1800" b="1" dirty="0"/>
+              <a:t>Rozmiar</a:t>
+            </a:r>
+            <a:r>
+              <a:rPr lang="pl-PL" sz="1800" dirty="0"/>
+              <a:t>: od 6,7 GB do 12 GB (model 11B parametrów)</a:t>
+            </a:r>
+          </a:p>
+          <a:p>
+            <a:r>
+              <a:rPr lang="pl-PL" sz="1800" b="1" dirty="0"/>
+              <a:t>Kontekst</a:t>
+            </a:r>
+            <a:r>
+              <a:rPr lang="pl-PL" sz="1800" dirty="0"/>
+              <a:t>: 32 tysiące</a:t>
+            </a:r>
+          </a:p>
+          <a:p>
+            <a:r>
+              <a:rPr lang="pl-PL" sz="1800" b="1" dirty="0"/>
+              <a:t>Licencja:</a:t>
+            </a:r>
+            <a:r>
+              <a:rPr lang="pl-PL" sz="1800" dirty="0"/>
+              <a:t> Apache License 2.0 i Warunki korzystania</a:t>
+            </a:r>
+          </a:p>
+          <a:p>
+            <a:endParaRPr lang="pl-PL" sz="1800" dirty="0"/>
           </a:p>
           <a:p>
             <a:pPr algn="just"/>
-            <a:endParaRPr lang="pl-PL" sz="1800" dirty="0"/>
-          </a:p>
-          <a:p>
-            <a:pPr algn="just"/>
             <a:r>
               <a:rPr lang="pl-PL" sz="1800" dirty="0"/>
-              <a:t>Rozmiar: Od 1.6 GB do 16 GB</a:t>
-            </a:r>
-          </a:p>
-          <a:p>
-            <a:pPr algn="just"/>
-            <a:r>
-              <a:rPr lang="pl-PL" sz="1800" dirty="0"/>
-              <a:t>Kontekst: 8 tysięcy</a:t>
-            </a:r>
-          </a:p>
-          <a:p>
-            <a:pPr algn="just"/>
-            <a:endParaRPr lang="pl-PL" sz="1800" dirty="0"/>
-          </a:p>
-          <a:p>
-            <a:pPr algn="just"/>
-            <a:r>
-              <a:rPr lang="pl-PL" sz="1800" b="1" dirty="0"/>
-              <a:t>Tworzenie treści i komunikacja</a:t>
-            </a:r>
-          </a:p>
-          <a:p>
-            <a:pPr marL="342900" indent="-342900" algn="just">
+              <a:t>Pozwala:</a:t>
+            </a:r>
+          </a:p>
+          <a:p>
+            <a:pPr marL="285750" indent="-285750" algn="just">
               <a:buFont typeface="Arial" panose="020B0604020202020204" pitchFamily="34" charset="0"/>
               <a:buChar char="•"/>
             </a:pPr>
             <a:r>
               <a:rPr lang="pl-PL" sz="1800" dirty="0"/>
-              <a:t>Generowanie tekstu: Modele te można wykorzystać do generowania kreatywnych formatów tekstu takie jak wiersze, scenariusze, kod, kopie marketingowe i wersje robocze e-maili.</a:t>
-            </a:r>
-          </a:p>
-          <a:p>
-            <a:pPr marL="342900" indent="-342900" algn="just">
+              <a:t>używać modelu komercyjnie,</a:t>
+            </a:r>
+          </a:p>
+          <a:p>
+            <a:pPr marL="285750" indent="-285750" algn="just">
+              <a:buFont typeface="Arial" panose="020B0604020202020204" pitchFamily="34" charset="0"/>
+              <a:buChar char="•"/>
+            </a:pPr>
+            <a:r>
+              <a:rPr lang="pl-PL" sz="1800" dirty="0"/>
+              <a:t>hostować go samodzielnie,</a:t>
+            </a:r>
+          </a:p>
+          <a:p>
+            <a:pPr marL="285750" indent="-285750" algn="just">
+              <a:buFont typeface="Arial" panose="020B0604020202020204" pitchFamily="34" charset="0"/>
+              <a:buChar char="•"/>
+            </a:pPr>
+            <a:r>
+              <a:rPr lang="pl-PL" sz="1800" dirty="0"/>
+              <a:t>integrować w aplikacjach, systemach, produktach,</a:t>
+            </a:r>
+          </a:p>
+          <a:p>
+            <a:pPr marL="285750" indent="-285750" algn="just">
+              <a:buFont typeface="Arial" panose="020B0604020202020204" pitchFamily="34" charset="0"/>
+              <a:buChar char="•"/>
+            </a:pPr>
+            <a:r>
+              <a:rPr lang="pl-PL" sz="1800" dirty="0"/>
+              <a:t>modyfikować model,</a:t>
+            </a:r>
+          </a:p>
+          <a:p>
+            <a:pPr marL="285750" indent="-285750" algn="just">
+              <a:buFont typeface="Arial" panose="020B0604020202020204" pitchFamily="34" charset="0"/>
+              <a:buChar char="•"/>
+            </a:pPr>
+            <a:r>
+              <a:rPr lang="pl-PL" sz="1800" dirty="0"/>
+              <a:t>redystrybuować model lub jego modyfikacje</a:t>
+            </a:r>
+          </a:p>
+          <a:p>
+            <a:pPr marL="285750" indent="-285750" algn="just">
               <a:buFont typeface="Arial" panose="020B0604020202020204" pitchFamily="34" charset="0"/>
               <a:buChar char="•"/>
             </a:pPr>
             <a:endParaRPr lang="pl-PL" sz="1800" dirty="0"/>
           </a:p>
           <a:p>
-            <a:pPr marL="342900" indent="-342900" algn="just">
+            <a:pPr algn="just"/>
+            <a:r>
+              <a:rPr lang="pl-PL" sz="1800" dirty="0"/>
+              <a:t>Należy:</a:t>
+            </a:r>
+          </a:p>
+          <a:p>
+            <a:pPr marL="285750" indent="-285750" algn="just">
               <a:buFont typeface="Arial" panose="020B0604020202020204" pitchFamily="34" charset="0"/>
               <a:buChar char="•"/>
             </a:pPr>
             <a:r>
-              <a:rPr lang="pl-PL" sz="1800" dirty="0" err="1"/>
-              <a:t>Chatboty</a:t>
-            </a:r>
-            <a:r>
               <a:rPr lang="pl-PL" sz="1800" dirty="0"/>
-              <a:t> i konwersacyjna sztuczna inteligencja: Zasilanie interfejsów konwersacyjnych dla klienta serwis, wirtualni asystenci, czy aplikacje interaktywne.</a:t>
-            </a:r>
-          </a:p>
-          <a:p>
-            <a:pPr marL="342900" indent="-342900" algn="just">
+              <a:t>zachować informację o licencji Apache 2.0,</a:t>
+            </a:r>
+          </a:p>
+          <a:p>
+            <a:pPr marL="285750" indent="-285750" algn="just">
               <a:buFont typeface="Arial" panose="020B0604020202020204" pitchFamily="34" charset="0"/>
               <a:buChar char="•"/>
             </a:pPr>
-            <a:endParaRPr lang="pl-PL" sz="1800" dirty="0"/>
-          </a:p>
-          <a:p>
-            <a:pPr marL="342900" indent="-342900" algn="just">
+            <a:r>
+              <a:rPr lang="pl-PL" sz="1800" dirty="0"/>
+              <a:t>zachować informacje o autorach,</a:t>
+            </a:r>
+          </a:p>
+          <a:p>
+            <a:pPr marL="285750" indent="-285750" algn="just">
               <a:buFont typeface="Arial" panose="020B0604020202020204" pitchFamily="34" charset="0"/>
               <a:buChar char="•"/>
             </a:pPr>
             <a:r>
               <a:rPr lang="pl-PL" sz="1800" dirty="0"/>
-              <a:t>Podsumowanie tekstu: Generuj zwięzłe streszczenia korpusu tekstowego, badania papiery, czyli raporty.</a:t>
-            </a:r>
-          </a:p>
-          <a:p>
-            <a:pPr marL="342900" indent="-342900" algn="just">
-              <a:buFont typeface="Arial" panose="020B0604020202020204" pitchFamily="34" charset="0"/>
-              <a:buChar char="•"/>
-            </a:pPr>
-            <a:endParaRPr lang="pl-PL" sz="1800" dirty="0"/>
-          </a:p>
-          <a:p>
-            <a:pPr algn="just"/>
-            <a:r>
-              <a:rPr lang="pl-PL" sz="1800" b="1" dirty="0"/>
-              <a:t>Badania i edukacja</a:t>
-            </a:r>
-          </a:p>
-          <a:p>
-            <a:pPr marL="342900" indent="-342900" algn="just">
-              <a:buFont typeface="Arial" panose="020B0604020202020204" pitchFamily="34" charset="0"/>
-              <a:buChar char="•"/>
-            </a:pPr>
-            <a:r>
-              <a:rPr lang="pl-PL" sz="1800" dirty="0"/>
-              <a:t>Badania nad przetwarzaniem języka naturalnego (NLP): Modele te mogą służyć jako: fundacja dla badaczy do eksperymentowania z technikami NLP, rozwijać algorytmy i przyczyniają się do rozwoju tej dziedziny.</a:t>
-            </a:r>
-          </a:p>
-          <a:p>
-            <a:pPr marL="342900" indent="-342900" algn="just">
-              <a:buFont typeface="Arial" panose="020B0604020202020204" pitchFamily="34" charset="0"/>
-              <a:buChar char="•"/>
-            </a:pPr>
-            <a:endParaRPr lang="pl-PL" sz="1800" dirty="0"/>
-          </a:p>
-          <a:p>
-            <a:pPr marL="342900" indent="-342900" algn="just">
-              <a:buFont typeface="Arial" panose="020B0604020202020204" pitchFamily="34" charset="0"/>
-              <a:buChar char="•"/>
-            </a:pPr>
-            <a:r>
-              <a:rPr lang="pl-PL" sz="1800" dirty="0"/>
-              <a:t>Narzędzia do nauki języków: Wspieraj interaktywne doświadczenia związane z nauką języków, pomoc w korekcie gramatyki lub zapewnienie praktyki pisania.</a:t>
-            </a:r>
-          </a:p>
-          <a:p>
-            <a:pPr marL="342900" indent="-342900" algn="just">
-              <a:buFont typeface="Arial" panose="020B0604020202020204" pitchFamily="34" charset="0"/>
-              <a:buChar char="•"/>
-            </a:pPr>
-            <a:endParaRPr lang="pl-PL" sz="1800" dirty="0"/>
-          </a:p>
-          <a:p>
-            <a:pPr marL="342900" indent="-342900" algn="just">
-              <a:buFont typeface="Arial" panose="020B0604020202020204" pitchFamily="34" charset="0"/>
-              <a:buChar char="•"/>
-            </a:pPr>
-            <a:r>
-              <a:rPr lang="pl-PL" sz="1800" dirty="0"/>
-              <a:t>Eksploracja wiedzy: pomaga badaczom w badaniu dużych zbiorów tekstu generując podsumowania lub odpowiadając na pytania dotyczące konkretnych tematów</a:t>
-            </a:r>
-            <a:r>
-              <a:rPr lang="pl-PL" sz="2000" dirty="0"/>
-              <a:t>.</a:t>
-            </a:r>
+              <a:t>zaznaczyć, że wprowadzono zmiany w modelu.</a:t>
+            </a:r>
+          </a:p>
+          <a:p>
+            <a:endParaRPr lang="pl-PL" dirty="0"/>
+          </a:p>
+          <a:p>
+            <a:endParaRPr lang="pl-PL" dirty="0"/>
           </a:p>
         </p:txBody>
       </p:sp>
@@ -13070,7 +13779,7 @@
           <p:cNvPr id="3" name="Symbol zastępczy numeru slajdu 2">
             <a:extLst>
               <a:ext uri="{FF2B5EF4-FFF2-40B4-BE49-F238E27FC236}">
-                <a16:creationId xmlns:a16="http://schemas.microsoft.com/office/drawing/2014/main" id="{DDC0C403-3DE1-4BB4-6FE2-5617214DDA75}"/>
+                <a16:creationId xmlns:a16="http://schemas.microsoft.com/office/drawing/2014/main" id="{27E130D1-F508-73DD-AA6F-8C32CEACE204}"/>
               </a:ext>
             </a:extLst>
           </p:cNvPr>
@@ -13113,7 +13822,7 @@
           <p:cNvPr id="4" name="Tytuł 3">
             <a:extLst>
               <a:ext uri="{FF2B5EF4-FFF2-40B4-BE49-F238E27FC236}">
-                <a16:creationId xmlns:a16="http://schemas.microsoft.com/office/drawing/2014/main" id="{14783642-5B42-F390-2246-F4387262C59B}"/>
+                <a16:creationId xmlns:a16="http://schemas.microsoft.com/office/drawing/2014/main" id="{89E583BF-235B-3BBF-1D9A-E8DDEF1CB1EE}"/>
               </a:ext>
             </a:extLst>
           </p:cNvPr>
@@ -13146,7 +13855,7 @@
           <p:cNvPr id="5" name="Straight Connector 3">
             <a:extLst>
               <a:ext uri="{FF2B5EF4-FFF2-40B4-BE49-F238E27FC236}">
-                <a16:creationId xmlns:a16="http://schemas.microsoft.com/office/drawing/2014/main" id="{12AB98E1-E0CF-A4B6-EF9E-65F4A2D9269C}"/>
+                <a16:creationId xmlns:a16="http://schemas.microsoft.com/office/drawing/2014/main" id="{A56F7A96-87FD-382B-C2A5-844674F79CC9}"/>
               </a:ext>
             </a:extLst>
           </p:cNvPr>
@@ -13189,7 +13898,7 @@
           <p:cNvPr id="6" name="Tytuł 3">
             <a:extLst>
               <a:ext uri="{FF2B5EF4-FFF2-40B4-BE49-F238E27FC236}">
-                <a16:creationId xmlns:a16="http://schemas.microsoft.com/office/drawing/2014/main" id="{3995026B-B1B1-E6B2-61DD-270D39374664}"/>
+                <a16:creationId xmlns:a16="http://schemas.microsoft.com/office/drawing/2014/main" id="{4408682F-F326-1019-B5ED-22061319B899}"/>
               </a:ext>
             </a:extLst>
           </p:cNvPr>
@@ -13228,13 +13937,14 @@
           <a:p>
             <a:pPr algn="ctr"/>
             <a:r>
-              <a:rPr lang="pl-PL" kern="0" dirty="0">
-                <a:solidFill>
-                  <a:sysClr val="windowText" lastClr="000000"/>
-                </a:solidFill>
-              </a:rPr>
-              <a:t>Gemma2</a:t>
-            </a:r>
+              <a:rPr lang="pl-PL" dirty="0"/>
+              <a:t>Bielik-11B-v2.3</a:t>
+            </a:r>
+            <a:endParaRPr lang="pl-PL" kern="0" dirty="0">
+              <a:solidFill>
+                <a:sysClr val="windowText" lastClr="000000"/>
+              </a:solidFill>
+            </a:endParaRPr>
           </a:p>
         </p:txBody>
       </p:sp>
@@ -13243,7 +13953,7 @@
           <p:cNvPr id="7" name="Symbol zastępczy tekstu 1">
             <a:extLst>
               <a:ext uri="{FF2B5EF4-FFF2-40B4-BE49-F238E27FC236}">
-                <a16:creationId xmlns:a16="http://schemas.microsoft.com/office/drawing/2014/main" id="{17B35257-A65C-E923-57C6-1BACCE04A7E0}"/>
+                <a16:creationId xmlns:a16="http://schemas.microsoft.com/office/drawing/2014/main" id="{104FE873-8893-24FB-D3FB-CDAD95F6875B}"/>
               </a:ext>
             </a:extLst>
           </p:cNvPr>
@@ -13348,7 +14058,826 @@
           <p:cNvPr id="9" name="Symbol zastępczy tekstu 1">
             <a:extLst>
               <a:ext uri="{FF2B5EF4-FFF2-40B4-BE49-F238E27FC236}">
-                <a16:creationId xmlns:a16="http://schemas.microsoft.com/office/drawing/2014/main" id="{CA573B7A-D01B-C617-A092-3CBC2570670D}"/>
+                <a16:creationId xmlns:a16="http://schemas.microsoft.com/office/drawing/2014/main" id="{B4A40D64-2858-7615-666E-6C17F72B42F0}"/>
+              </a:ext>
+            </a:extLst>
+          </p:cNvPr>
+          <p:cNvSpPr txBox="1">
+            <a:spLocks/>
+          </p:cNvSpPr>
+          <p:nvPr/>
+        </p:nvSpPr>
+        <p:spPr>
+          <a:xfrm>
+            <a:off x="12195799" y="8162599"/>
+            <a:ext cx="4767441" cy="493994"/>
+          </a:xfrm>
+          <a:prstGeom prst="rect">
+            <a:avLst/>
+          </a:prstGeom>
+        </p:spPr>
+        <p:txBody>
+          <a:bodyPr wrap="square" lIns="0" tIns="0" rIns="0" bIns="0">
+            <a:noAutofit/>
+          </a:bodyPr>
+          <a:lstStyle>
+            <a:lvl1pPr marL="0" eaLnBrk="1" hangingPunct="1">
+              <a:defRPr sz="2400">
+                <a:latin typeface="Arial" panose="020B0604020202020204" pitchFamily="34" charset="0"/>
+                <a:ea typeface="+mn-ea"/>
+                <a:cs typeface="Arial" panose="020B0604020202020204" pitchFamily="34" charset="0"/>
+              </a:defRPr>
+            </a:lvl1pPr>
+            <a:lvl2pPr marL="457200" eaLnBrk="1" hangingPunct="1">
+              <a:defRPr>
+                <a:latin typeface="+mn-lt"/>
+                <a:ea typeface="+mn-ea"/>
+                <a:cs typeface="+mn-cs"/>
+              </a:defRPr>
+            </a:lvl2pPr>
+            <a:lvl3pPr marL="914400" eaLnBrk="1" hangingPunct="1">
+              <a:defRPr>
+                <a:latin typeface="+mn-lt"/>
+                <a:ea typeface="+mn-ea"/>
+                <a:cs typeface="+mn-cs"/>
+              </a:defRPr>
+            </a:lvl3pPr>
+            <a:lvl4pPr marL="1371600" eaLnBrk="1" hangingPunct="1">
+              <a:defRPr>
+                <a:latin typeface="+mn-lt"/>
+                <a:ea typeface="+mn-ea"/>
+                <a:cs typeface="+mn-cs"/>
+              </a:defRPr>
+            </a:lvl4pPr>
+            <a:lvl5pPr marL="1828800" eaLnBrk="1" hangingPunct="1">
+              <a:defRPr>
+                <a:latin typeface="+mn-lt"/>
+                <a:ea typeface="+mn-ea"/>
+                <a:cs typeface="+mn-cs"/>
+              </a:defRPr>
+            </a:lvl5pPr>
+            <a:lvl6pPr marL="2286000" eaLnBrk="1" hangingPunct="1">
+              <a:defRPr>
+                <a:latin typeface="+mn-lt"/>
+                <a:ea typeface="+mn-ea"/>
+                <a:cs typeface="+mn-cs"/>
+              </a:defRPr>
+            </a:lvl6pPr>
+            <a:lvl7pPr marL="2743200" eaLnBrk="1" hangingPunct="1">
+              <a:defRPr>
+                <a:latin typeface="+mn-lt"/>
+                <a:ea typeface="+mn-ea"/>
+                <a:cs typeface="+mn-cs"/>
+              </a:defRPr>
+            </a:lvl7pPr>
+            <a:lvl8pPr marL="3200400" eaLnBrk="1" hangingPunct="1">
+              <a:defRPr>
+                <a:latin typeface="+mn-lt"/>
+                <a:ea typeface="+mn-ea"/>
+                <a:cs typeface="+mn-cs"/>
+              </a:defRPr>
+            </a:lvl8pPr>
+            <a:lvl9pPr marL="3657600" eaLnBrk="1" hangingPunct="1">
+              <a:defRPr>
+                <a:latin typeface="+mn-lt"/>
+                <a:ea typeface="+mn-ea"/>
+                <a:cs typeface="+mn-cs"/>
+              </a:defRPr>
+            </a:lvl9pPr>
+          </a:lstStyle>
+          <a:p>
+            <a:pPr algn="just"/>
+            <a:r>
+              <a:rPr lang="pl-PL" sz="1400" kern="0" dirty="0">
+                <a:solidFill>
+                  <a:sysClr val="windowText" lastClr="000000"/>
+                </a:solidFill>
+                <a:hlinkClick r:id="rId2"/>
+              </a:rPr>
+              <a:t>https://ollama.com/SpeakLeash/bielik-11b-v2.3-instruct</a:t>
+            </a:r>
+            <a:endParaRPr lang="pl-PL" sz="1400" kern="0" dirty="0">
+              <a:solidFill>
+                <a:sysClr val="windowText" lastClr="000000"/>
+              </a:solidFill>
+            </a:endParaRPr>
+          </a:p>
+        </p:txBody>
+      </p:sp>
+      <p:sp>
+        <p:nvSpPr>
+          <p:cNvPr id="8" name="Symbol zastępczy tekstu 1">
+            <a:extLst>
+              <a:ext uri="{FF2B5EF4-FFF2-40B4-BE49-F238E27FC236}">
+                <a16:creationId xmlns:a16="http://schemas.microsoft.com/office/drawing/2014/main" id="{61194099-50BD-13C1-EE6D-A21D4B1736E7}"/>
+              </a:ext>
+            </a:extLst>
+          </p:cNvPr>
+          <p:cNvSpPr txBox="1">
+            <a:spLocks/>
+          </p:cNvSpPr>
+          <p:nvPr/>
+        </p:nvSpPr>
+        <p:spPr>
+          <a:xfrm>
+            <a:off x="10114260" y="2241987"/>
+            <a:ext cx="7086610" cy="5657808"/>
+          </a:xfrm>
+          <a:prstGeom prst="rect">
+            <a:avLst/>
+          </a:prstGeom>
+        </p:spPr>
+        <p:txBody>
+          <a:bodyPr wrap="square" lIns="0" tIns="0" rIns="0" bIns="0">
+            <a:noAutofit/>
+          </a:bodyPr>
+          <a:lstStyle>
+            <a:lvl1pPr marL="0" eaLnBrk="1" hangingPunct="1">
+              <a:defRPr sz="2400">
+                <a:latin typeface="Arial" panose="020B0604020202020204" pitchFamily="34" charset="0"/>
+                <a:ea typeface="+mn-ea"/>
+                <a:cs typeface="Arial" panose="020B0604020202020204" pitchFamily="34" charset="0"/>
+              </a:defRPr>
+            </a:lvl1pPr>
+            <a:lvl2pPr marL="457200" eaLnBrk="1" hangingPunct="1">
+              <a:defRPr>
+                <a:latin typeface="+mn-lt"/>
+                <a:ea typeface="+mn-ea"/>
+                <a:cs typeface="+mn-cs"/>
+              </a:defRPr>
+            </a:lvl2pPr>
+            <a:lvl3pPr marL="914400" eaLnBrk="1" hangingPunct="1">
+              <a:defRPr>
+                <a:latin typeface="+mn-lt"/>
+                <a:ea typeface="+mn-ea"/>
+                <a:cs typeface="+mn-cs"/>
+              </a:defRPr>
+            </a:lvl3pPr>
+            <a:lvl4pPr marL="1371600" eaLnBrk="1" hangingPunct="1">
+              <a:defRPr>
+                <a:latin typeface="+mn-lt"/>
+                <a:ea typeface="+mn-ea"/>
+                <a:cs typeface="+mn-cs"/>
+              </a:defRPr>
+            </a:lvl4pPr>
+            <a:lvl5pPr marL="1828800" eaLnBrk="1" hangingPunct="1">
+              <a:defRPr>
+                <a:latin typeface="+mn-lt"/>
+                <a:ea typeface="+mn-ea"/>
+                <a:cs typeface="+mn-cs"/>
+              </a:defRPr>
+            </a:lvl5pPr>
+            <a:lvl6pPr marL="2286000" eaLnBrk="1" hangingPunct="1">
+              <a:defRPr>
+                <a:latin typeface="+mn-lt"/>
+                <a:ea typeface="+mn-ea"/>
+                <a:cs typeface="+mn-cs"/>
+              </a:defRPr>
+            </a:lvl6pPr>
+            <a:lvl7pPr marL="2743200" eaLnBrk="1" hangingPunct="1">
+              <a:defRPr>
+                <a:latin typeface="+mn-lt"/>
+                <a:ea typeface="+mn-ea"/>
+                <a:cs typeface="+mn-cs"/>
+              </a:defRPr>
+            </a:lvl7pPr>
+            <a:lvl8pPr marL="3200400" eaLnBrk="1" hangingPunct="1">
+              <a:defRPr>
+                <a:latin typeface="+mn-lt"/>
+                <a:ea typeface="+mn-ea"/>
+                <a:cs typeface="+mn-cs"/>
+              </a:defRPr>
+            </a:lvl8pPr>
+            <a:lvl9pPr marL="3657600" eaLnBrk="1" hangingPunct="1">
+              <a:defRPr>
+                <a:latin typeface="+mn-lt"/>
+                <a:ea typeface="+mn-ea"/>
+                <a:cs typeface="+mn-cs"/>
+              </a:defRPr>
+            </a:lvl9pPr>
+          </a:lstStyle>
+          <a:p>
+            <a:r>
+              <a:rPr lang="pl-PL" sz="2000" b="1" dirty="0"/>
+              <a:t>Opis modelu:</a:t>
+            </a:r>
+          </a:p>
+          <a:p>
+            <a:pPr marL="342900" indent="-342900">
+              <a:buFont typeface="Arial" panose="020B0604020202020204" pitchFamily="34" charset="0"/>
+              <a:buChar char="•"/>
+            </a:pPr>
+            <a:r>
+              <a:rPr lang="pl-PL" sz="2000" b="1" dirty="0"/>
+              <a:t>Opracowany przez: </a:t>
+            </a:r>
+            <a:r>
+              <a:rPr lang="pl-PL" sz="2000" dirty="0" err="1"/>
+              <a:t>SpeakLeash</a:t>
+            </a:r>
+            <a:r>
+              <a:rPr lang="pl-PL" sz="2000" b="1" dirty="0"/>
+              <a:t> </a:t>
+            </a:r>
+            <a:r>
+              <a:rPr lang="pl-PL" sz="2000" dirty="0"/>
+              <a:t>&amp; ACK </a:t>
+            </a:r>
+            <a:r>
+              <a:rPr lang="pl-PL" sz="2000" dirty="0" err="1"/>
+              <a:t>Cyfronet</a:t>
+            </a:r>
+            <a:r>
+              <a:rPr lang="pl-PL" sz="2000" dirty="0"/>
+              <a:t> AGH</a:t>
+            </a:r>
+            <a:endParaRPr lang="pl-PL" sz="2000" u="sng" dirty="0"/>
+          </a:p>
+          <a:p>
+            <a:pPr marL="342900" indent="-342900">
+              <a:buFont typeface="Arial" panose="020B0604020202020204" pitchFamily="34" charset="0"/>
+              <a:buChar char="•"/>
+            </a:pPr>
+            <a:r>
+              <a:rPr lang="pl-PL" sz="2000" b="1" dirty="0"/>
+              <a:t>Język:</a:t>
+            </a:r>
+            <a:r>
+              <a:rPr lang="pl-PL" sz="2000" dirty="0"/>
+              <a:t> Polski</a:t>
+            </a:r>
+          </a:p>
+          <a:p>
+            <a:pPr marL="342900" indent="-342900">
+              <a:buFont typeface="Arial" panose="020B0604020202020204" pitchFamily="34" charset="0"/>
+              <a:buChar char="•"/>
+            </a:pPr>
+            <a:r>
+              <a:rPr lang="pl-PL" sz="2000" b="1" dirty="0"/>
+              <a:t>Typ modelu:</a:t>
+            </a:r>
+            <a:r>
+              <a:rPr lang="pl-PL" sz="2000" dirty="0"/>
+              <a:t>  </a:t>
+            </a:r>
+            <a:r>
+              <a:rPr lang="pl-PL" sz="2000" dirty="0" err="1"/>
+              <a:t>causal</a:t>
+            </a:r>
+            <a:r>
+              <a:rPr lang="pl-PL" sz="2000" dirty="0"/>
+              <a:t> </a:t>
+            </a:r>
+            <a:r>
+              <a:rPr lang="pl-PL" sz="2000" dirty="0" err="1"/>
+              <a:t>decoder-only</a:t>
+            </a:r>
+            <a:endParaRPr lang="pl-PL" sz="2000" dirty="0"/>
+          </a:p>
+          <a:p>
+            <a:pPr marL="342900" indent="-342900">
+              <a:buFont typeface="Arial" panose="020B0604020202020204" pitchFamily="34" charset="0"/>
+              <a:buChar char="•"/>
+            </a:pPr>
+            <a:r>
+              <a:rPr lang="pl-PL" sz="2000" b="1" dirty="0"/>
+              <a:t>Dostrojony od:</a:t>
+            </a:r>
+            <a:r>
+              <a:rPr lang="pl-PL" sz="2000" dirty="0"/>
+              <a:t> </a:t>
+            </a:r>
+            <a:r>
+              <a:rPr lang="pl-PL" sz="2000" u="sng" dirty="0">
+                <a:hlinkClick r:id="rId3"/>
+              </a:rPr>
+              <a:t>Bielik-11B-v2</a:t>
+            </a:r>
+            <a:endParaRPr lang="pl-PL" sz="2000" dirty="0"/>
+          </a:p>
+        </p:txBody>
+      </p:sp>
+    </p:spTree>
+    <p:extLst>
+      <p:ext uri="{BB962C8B-B14F-4D97-AF65-F5344CB8AC3E}">
+        <p14:creationId xmlns:p14="http://schemas.microsoft.com/office/powerpoint/2010/main" val="1475547246"/>
+      </p:ext>
+    </p:extLst>
+  </p:cSld>
+  <p:clrMapOvr>
+    <a:masterClrMapping/>
+  </p:clrMapOvr>
+</p:sld>
+</file>
+
+<file path=ppt/slides/slide23.xml><?xml version="1.0" encoding="utf-8"?>
+<p:sld xmlns:a="http://schemas.openxmlformats.org/drawingml/2006/main" xmlns:r="http://schemas.openxmlformats.org/officeDocument/2006/relationships" xmlns:p="http://schemas.openxmlformats.org/presentationml/2006/main">
+  <p:cSld>
+    <p:spTree>
+      <p:nvGrpSpPr>
+        <p:cNvPr id="1" name="">
+          <a:extLst>
+            <a:ext uri="{FF2B5EF4-FFF2-40B4-BE49-F238E27FC236}">
+              <a16:creationId xmlns:a16="http://schemas.microsoft.com/office/drawing/2014/main" id="{38CEFF61-A7B8-1CE8-CFEB-7C11F0891396}"/>
+            </a:ext>
+          </a:extLst>
+        </p:cNvPr>
+        <p:cNvGrpSpPr/>
+        <p:nvPr/>
+      </p:nvGrpSpPr>
+      <p:grpSpPr>
+        <a:xfrm>
+          <a:off x="0" y="0"/>
+          <a:ext cx="0" cy="0"/>
+          <a:chOff x="0" y="0"/>
+          <a:chExt cx="0" cy="0"/>
+        </a:xfrm>
+      </p:grpSpPr>
+      <p:sp>
+        <p:nvSpPr>
+          <p:cNvPr id="2" name="Symbol zastępczy tekstu 1">
+            <a:extLst>
+              <a:ext uri="{FF2B5EF4-FFF2-40B4-BE49-F238E27FC236}">
+                <a16:creationId xmlns:a16="http://schemas.microsoft.com/office/drawing/2014/main" id="{39355206-416D-C8D6-F7EB-641E21316B6F}"/>
+              </a:ext>
+            </a:extLst>
+          </p:cNvPr>
+          <p:cNvSpPr>
+            <a:spLocks noGrp="1"/>
+          </p:cNvSpPr>
+          <p:nvPr>
+            <p:ph type="body" idx="1"/>
+          </p:nvPr>
+        </p:nvSpPr>
+        <p:spPr>
+          <a:xfrm>
+            <a:off x="476156" y="2185069"/>
+            <a:ext cx="8359144" cy="5657808"/>
+          </a:xfrm>
+        </p:spPr>
+        <p:txBody>
+          <a:bodyPr/>
+          <a:lstStyle/>
+          <a:p>
+            <a:pPr algn="just"/>
+            <a:r>
+              <a:rPr lang="pl-PL" sz="2000" dirty="0" err="1"/>
+              <a:t>Llama</a:t>
+            </a:r>
+            <a:r>
+              <a:rPr lang="pl-PL" sz="2000" dirty="0"/>
+              <a:t> 3.1 to nowy, najnowocześniejszy model firmy Meta dostępny w rozmiarach parametrów 8B, 70B i 405B.</a:t>
+            </a:r>
+          </a:p>
+          <a:p>
+            <a:pPr algn="just"/>
+            <a:endParaRPr lang="pl-PL" sz="2000" dirty="0"/>
+          </a:p>
+          <a:p>
+            <a:pPr algn="just"/>
+            <a:r>
+              <a:rPr lang="pl-PL" sz="2000" b="1" dirty="0"/>
+              <a:t>Rozmiar</a:t>
+            </a:r>
+            <a:r>
+              <a:rPr lang="pl-PL" sz="2000" dirty="0"/>
+              <a:t>: 4.9 GB (model 8B parametrów), 43 GB (model 70B parametrów), 243 GB (model 405B parametrów)</a:t>
+            </a:r>
+          </a:p>
+          <a:p>
+            <a:pPr algn="just"/>
+            <a:r>
+              <a:rPr lang="pl-PL" sz="2000" b="1" dirty="0"/>
+              <a:t>Kontekst</a:t>
+            </a:r>
+            <a:r>
+              <a:rPr lang="pl-PL" sz="2000" dirty="0"/>
+              <a:t>: 128 tysięcy</a:t>
+            </a:r>
+          </a:p>
+          <a:p>
+            <a:pPr algn="just"/>
+            <a:r>
+              <a:rPr lang="pl-PL" sz="2000" b="1" dirty="0"/>
+              <a:t>Licencja</a:t>
+            </a:r>
+            <a:r>
+              <a:rPr lang="pl-PL" sz="2000" dirty="0"/>
+              <a:t>: Obowiązuje własna licencja Meta.</a:t>
+            </a:r>
+          </a:p>
+          <a:p>
+            <a:pPr algn="just"/>
+            <a:endParaRPr lang="pl-PL" sz="2000" dirty="0"/>
+          </a:p>
+          <a:p>
+            <a:pPr algn="just"/>
+            <a:r>
+              <a:rPr lang="pl-PL" sz="2000" dirty="0"/>
+              <a:t>Pozwala:</a:t>
+            </a:r>
+          </a:p>
+          <a:p>
+            <a:pPr marL="285750" indent="-285750" algn="just">
+              <a:buFont typeface="Arial" panose="020B0604020202020204" pitchFamily="34" charset="0"/>
+              <a:buChar char="•"/>
+            </a:pPr>
+            <a:r>
+              <a:rPr lang="pl-PL" sz="2000" dirty="0"/>
+              <a:t>używać modelu komercyjnie,</a:t>
+            </a:r>
+          </a:p>
+          <a:p>
+            <a:pPr marL="285750" indent="-285750" algn="just">
+              <a:buFont typeface="Arial" panose="020B0604020202020204" pitchFamily="34" charset="0"/>
+              <a:buChar char="•"/>
+            </a:pPr>
+            <a:r>
+              <a:rPr lang="pl-PL" sz="2000" dirty="0"/>
+              <a:t>hostować go samodzielnie</a:t>
+            </a:r>
+          </a:p>
+          <a:p>
+            <a:pPr marL="285750" indent="-285750" algn="just">
+              <a:buFont typeface="Arial" panose="020B0604020202020204" pitchFamily="34" charset="0"/>
+              <a:buChar char="•"/>
+            </a:pPr>
+            <a:r>
+              <a:rPr lang="pl-PL" sz="2000" dirty="0"/>
+              <a:t>integrować go z własnym kodem,</a:t>
+            </a:r>
+          </a:p>
+          <a:p>
+            <a:pPr marL="285750" indent="-285750" algn="just">
+              <a:buFont typeface="Arial" panose="020B0604020202020204" pitchFamily="34" charset="0"/>
+              <a:buChar char="•"/>
+            </a:pPr>
+            <a:r>
+              <a:rPr lang="pl-PL" sz="2000" dirty="0"/>
+              <a:t>modyfikować model.</a:t>
+            </a:r>
+          </a:p>
+          <a:p>
+            <a:pPr algn="just"/>
+            <a:endParaRPr lang="pl-PL" sz="2000" dirty="0"/>
+          </a:p>
+          <a:p>
+            <a:pPr algn="just"/>
+            <a:r>
+              <a:rPr lang="pl-PL" sz="2000" dirty="0"/>
+              <a:t>Ogranicza: </a:t>
+            </a:r>
+          </a:p>
+          <a:p>
+            <a:pPr marL="285750" indent="-285750" algn="just">
+              <a:buFont typeface="Arial" panose="020B0604020202020204" pitchFamily="34" charset="0"/>
+              <a:buChar char="•"/>
+            </a:pPr>
+            <a:r>
+              <a:rPr lang="pl-PL" sz="2000" dirty="0"/>
+              <a:t>użycie do działań niezgodnych z prawem,</a:t>
+            </a:r>
+          </a:p>
+          <a:p>
+            <a:pPr marL="285750" indent="-285750" algn="just">
+              <a:buFont typeface="Arial" panose="020B0604020202020204" pitchFamily="34" charset="0"/>
+              <a:buChar char="•"/>
+            </a:pPr>
+            <a:r>
+              <a:rPr lang="pl-PL" sz="2000" dirty="0"/>
+              <a:t>użycie do generowania treści szkodliwych (standardowe klauzule </a:t>
+            </a:r>
+            <a:r>
+              <a:rPr lang="pl-PL" sz="2000" dirty="0" err="1"/>
+              <a:t>safety</a:t>
+            </a:r>
+            <a:r>
+              <a:rPr lang="pl-PL" sz="2000" dirty="0"/>
+              <a:t>),</a:t>
+            </a:r>
+          </a:p>
+          <a:p>
+            <a:pPr marL="285750" indent="-285750" algn="just">
+              <a:buFont typeface="Arial" panose="020B0604020202020204" pitchFamily="34" charset="0"/>
+              <a:buChar char="•"/>
+            </a:pPr>
+            <a:r>
+              <a:rPr lang="pl-PL" sz="2000" dirty="0"/>
+              <a:t>trenowanie konkurencyjnych dużych modeli bazowych na wagach Gemma,</a:t>
+            </a:r>
+          </a:p>
+          <a:p>
+            <a:pPr marL="285750" indent="-285750" algn="just">
+              <a:buFont typeface="Arial" panose="020B0604020202020204" pitchFamily="34" charset="0"/>
+              <a:buChar char="•"/>
+            </a:pPr>
+            <a:r>
+              <a:rPr lang="pl-PL" sz="2000" dirty="0"/>
+              <a:t>usuwanie informacji o licencji / autorstwie.</a:t>
+            </a:r>
+          </a:p>
+          <a:p>
+            <a:pPr algn="just"/>
+            <a:endParaRPr lang="pl-PL" dirty="0"/>
+          </a:p>
+          <a:p>
+            <a:pPr algn="just"/>
+            <a:endParaRPr lang="pl-PL" b="1" dirty="0"/>
+          </a:p>
+        </p:txBody>
+      </p:sp>
+      <p:sp>
+        <p:nvSpPr>
+          <p:cNvPr id="3" name="Symbol zastępczy numeru slajdu 2">
+            <a:extLst>
+              <a:ext uri="{FF2B5EF4-FFF2-40B4-BE49-F238E27FC236}">
+                <a16:creationId xmlns:a16="http://schemas.microsoft.com/office/drawing/2014/main" id="{A39A7E34-F853-74ED-FB8C-69162C861247}"/>
+              </a:ext>
+            </a:extLst>
+          </p:cNvPr>
+          <p:cNvSpPr>
+            <a:spLocks noGrp="1"/>
+          </p:cNvSpPr>
+          <p:nvPr>
+            <p:ph type="sldNum" sz="quarter" idx="11"/>
+          </p:nvPr>
+        </p:nvSpPr>
+        <p:spPr/>
+        <p:txBody>
+          <a:bodyPr/>
+          <a:lstStyle/>
+          <a:p>
+            <a:pPr marL="12700">
+              <a:lnSpc>
+                <a:spcPts val="1925"/>
+              </a:lnSpc>
+            </a:pPr>
+            <a:r>
+              <a:rPr lang="pl-PL"/>
+              <a:t>Page </a:t>
+            </a:r>
+            <a:fld id="{B6F15528-21DE-4FAA-801E-634DDDAF4B2B}" type="slidenum">
+              <a:rPr smtClean="0"/>
+              <a:pPr marL="12700">
+                <a:lnSpc>
+                  <a:spcPts val="1925"/>
+                </a:lnSpc>
+              </a:pPr>
+              <a:t>23</a:t>
+            </a:fld>
+            <a:endParaRPr dirty="0"/>
+          </a:p>
+        </p:txBody>
+      </p:sp>
+      <p:sp>
+        <p:nvSpPr>
+          <p:cNvPr id="4" name="Tytuł 3">
+            <a:extLst>
+              <a:ext uri="{FF2B5EF4-FFF2-40B4-BE49-F238E27FC236}">
+                <a16:creationId xmlns:a16="http://schemas.microsoft.com/office/drawing/2014/main" id="{A4BFEB57-0D14-24F3-FB69-E67DDA82E177}"/>
+              </a:ext>
+            </a:extLst>
+          </p:cNvPr>
+          <p:cNvSpPr>
+            <a:spLocks noGrp="1"/>
+          </p:cNvSpPr>
+          <p:nvPr>
+            <p:ph type="title"/>
+          </p:nvPr>
+        </p:nvSpPr>
+        <p:spPr>
+          <a:xfrm>
+            <a:off x="867410" y="412304"/>
+            <a:ext cx="4566330" cy="720080"/>
+          </a:xfrm>
+        </p:spPr>
+        <p:txBody>
+          <a:bodyPr/>
+          <a:lstStyle/>
+          <a:p>
+            <a:r>
+              <a:rPr lang="pl-PL" dirty="0"/>
+              <a:t>Propozycja MODELI </a:t>
+            </a:r>
+          </a:p>
+        </p:txBody>
+      </p:sp>
+      <p:cxnSp>
+        <p:nvCxnSpPr>
+          <p:cNvPr id="5" name="Straight Connector 3">
+            <a:extLst>
+              <a:ext uri="{FF2B5EF4-FFF2-40B4-BE49-F238E27FC236}">
+                <a16:creationId xmlns:a16="http://schemas.microsoft.com/office/drawing/2014/main" id="{DB3AC854-A387-15F2-A67D-7D646BA8266B}"/>
+              </a:ext>
+            </a:extLst>
+          </p:cNvPr>
+          <p:cNvCxnSpPr>
+            <a:cxnSpLocks/>
+          </p:cNvCxnSpPr>
+          <p:nvPr/>
+        </p:nvCxnSpPr>
+        <p:spPr>
+          <a:xfrm flipH="1">
+            <a:off x="0" y="700336"/>
+            <a:ext cx="656194" cy="0"/>
+          </a:xfrm>
+          <a:prstGeom prst="line">
+            <a:avLst/>
+          </a:prstGeom>
+          <a:ln w="76200">
+            <a:solidFill>
+              <a:srgbClr val="C00000"/>
+            </a:solidFill>
+          </a:ln>
+        </p:spPr>
+        <p:style>
+          <a:lnRef idx="1">
+            <a:schemeClr val="accent1"/>
+          </a:lnRef>
+          <a:fillRef idx="0">
+            <a:schemeClr val="accent1"/>
+          </a:fillRef>
+          <a:effectRef idx="0">
+            <a:schemeClr val="accent1"/>
+          </a:effectRef>
+          <a:fontRef idx="minor">
+            <a:schemeClr val="tx1"/>
+          </a:fontRef>
+        </p:style>
+      </p:cxnSp>
+      <p:sp>
+        <p:nvSpPr>
+          <p:cNvPr id="6" name="Tytuł 3">
+            <a:extLst>
+              <a:ext uri="{FF2B5EF4-FFF2-40B4-BE49-F238E27FC236}">
+                <a16:creationId xmlns:a16="http://schemas.microsoft.com/office/drawing/2014/main" id="{900EBD99-725F-89C2-4AC0-6DC9E1E26E19}"/>
+              </a:ext>
+            </a:extLst>
+          </p:cNvPr>
+          <p:cNvSpPr txBox="1">
+            <a:spLocks/>
+          </p:cNvSpPr>
+          <p:nvPr/>
+        </p:nvSpPr>
+        <p:spPr>
+          <a:xfrm>
+            <a:off x="11713349" y="1114866"/>
+            <a:ext cx="4767441" cy="650760"/>
+          </a:xfrm>
+          <a:prstGeom prst="rect">
+            <a:avLst/>
+          </a:prstGeom>
+          <a:ln w="38100">
+            <a:solidFill>
+              <a:srgbClr val="C00000"/>
+            </a:solidFill>
+          </a:ln>
+        </p:spPr>
+        <p:txBody>
+          <a:bodyPr wrap="square" lIns="0" tIns="0" rIns="0" bIns="0" anchor="ctr">
+            <a:noAutofit/>
+          </a:bodyPr>
+          <a:lstStyle>
+            <a:lvl1pPr eaLnBrk="1" hangingPunct="1">
+              <a:defRPr sz="3600" b="1">
+                <a:latin typeface="Good Headline Pro"/>
+                <a:ea typeface="+mj-ea"/>
+                <a:cs typeface="+mj-cs"/>
+              </a:defRPr>
+            </a:lvl1pPr>
+          </a:lstStyle>
+          <a:p>
+            <a:pPr algn="ctr"/>
+            <a:r>
+              <a:rPr lang="pl-PL" kern="0" dirty="0" err="1">
+                <a:solidFill>
+                  <a:sysClr val="windowText" lastClr="000000"/>
+                </a:solidFill>
+              </a:rPr>
+              <a:t>Llama</a:t>
+            </a:r>
+            <a:r>
+              <a:rPr lang="pl-PL" kern="0" dirty="0">
+                <a:solidFill>
+                  <a:sysClr val="windowText" lastClr="000000"/>
+                </a:solidFill>
+              </a:rPr>
+              <a:t> 3.1</a:t>
+            </a:r>
+          </a:p>
+        </p:txBody>
+      </p:sp>
+      <p:sp>
+        <p:nvSpPr>
+          <p:cNvPr id="7" name="Symbol zastępczy tekstu 1">
+            <a:extLst>
+              <a:ext uri="{FF2B5EF4-FFF2-40B4-BE49-F238E27FC236}">
+                <a16:creationId xmlns:a16="http://schemas.microsoft.com/office/drawing/2014/main" id="{7B335DFD-7C34-E1D2-21CB-CDD65F24C9E1}"/>
+              </a:ext>
+            </a:extLst>
+          </p:cNvPr>
+          <p:cNvSpPr txBox="1">
+            <a:spLocks/>
+          </p:cNvSpPr>
+          <p:nvPr/>
+        </p:nvSpPr>
+        <p:spPr>
+          <a:xfrm>
+            <a:off x="867410" y="1054083"/>
+            <a:ext cx="6582554" cy="691282"/>
+          </a:xfrm>
+          <a:prstGeom prst="rect">
+            <a:avLst/>
+          </a:prstGeom>
+        </p:spPr>
+        <p:txBody>
+          <a:bodyPr wrap="square" lIns="0" tIns="0" rIns="0" bIns="0">
+            <a:noAutofit/>
+          </a:bodyPr>
+          <a:lstStyle>
+            <a:lvl1pPr marL="0" eaLnBrk="1" hangingPunct="1">
+              <a:defRPr sz="2400">
+                <a:latin typeface="Arial" panose="020B0604020202020204" pitchFamily="34" charset="0"/>
+                <a:ea typeface="+mn-ea"/>
+                <a:cs typeface="Arial" panose="020B0604020202020204" pitchFamily="34" charset="0"/>
+              </a:defRPr>
+            </a:lvl1pPr>
+            <a:lvl2pPr marL="457200" eaLnBrk="1" hangingPunct="1">
+              <a:defRPr>
+                <a:latin typeface="+mn-lt"/>
+                <a:ea typeface="+mn-ea"/>
+                <a:cs typeface="+mn-cs"/>
+              </a:defRPr>
+            </a:lvl2pPr>
+            <a:lvl3pPr marL="914400" eaLnBrk="1" hangingPunct="1">
+              <a:defRPr>
+                <a:latin typeface="+mn-lt"/>
+                <a:ea typeface="+mn-ea"/>
+                <a:cs typeface="+mn-cs"/>
+              </a:defRPr>
+            </a:lvl3pPr>
+            <a:lvl4pPr marL="1371600" eaLnBrk="1" hangingPunct="1">
+              <a:defRPr>
+                <a:latin typeface="+mn-lt"/>
+                <a:ea typeface="+mn-ea"/>
+                <a:cs typeface="+mn-cs"/>
+              </a:defRPr>
+            </a:lvl4pPr>
+            <a:lvl5pPr marL="1828800" eaLnBrk="1" hangingPunct="1">
+              <a:defRPr>
+                <a:latin typeface="+mn-lt"/>
+                <a:ea typeface="+mn-ea"/>
+                <a:cs typeface="+mn-cs"/>
+              </a:defRPr>
+            </a:lvl5pPr>
+            <a:lvl6pPr marL="2286000" eaLnBrk="1" hangingPunct="1">
+              <a:defRPr>
+                <a:latin typeface="+mn-lt"/>
+                <a:ea typeface="+mn-ea"/>
+                <a:cs typeface="+mn-cs"/>
+              </a:defRPr>
+            </a:lvl6pPr>
+            <a:lvl7pPr marL="2743200" eaLnBrk="1" hangingPunct="1">
+              <a:defRPr>
+                <a:latin typeface="+mn-lt"/>
+                <a:ea typeface="+mn-ea"/>
+                <a:cs typeface="+mn-cs"/>
+              </a:defRPr>
+            </a:lvl7pPr>
+            <a:lvl8pPr marL="3200400" eaLnBrk="1" hangingPunct="1">
+              <a:defRPr>
+                <a:latin typeface="+mn-lt"/>
+                <a:ea typeface="+mn-ea"/>
+                <a:cs typeface="+mn-cs"/>
+              </a:defRPr>
+            </a:lvl8pPr>
+            <a:lvl9pPr marL="3657600" eaLnBrk="1" hangingPunct="1">
+              <a:defRPr>
+                <a:latin typeface="+mn-lt"/>
+                <a:ea typeface="+mn-ea"/>
+                <a:cs typeface="+mn-cs"/>
+              </a:defRPr>
+            </a:lvl9pPr>
+          </a:lstStyle>
+          <a:p>
+            <a:r>
+              <a:rPr lang="pl-PL" sz="3600" kern="0" dirty="0">
+                <a:solidFill>
+                  <a:sysClr val="windowText" lastClr="000000"/>
+                </a:solidFill>
+                <a:latin typeface="Agency FB" panose="020B0503020202020204" pitchFamily="34" charset="0"/>
+              </a:rPr>
+              <a:t>Modele LLM</a:t>
+            </a:r>
+          </a:p>
+        </p:txBody>
+      </p:sp>
+      <p:sp>
+        <p:nvSpPr>
+          <p:cNvPr id="9" name="Symbol zastępczy tekstu 1">
+            <a:extLst>
+              <a:ext uri="{FF2B5EF4-FFF2-40B4-BE49-F238E27FC236}">
+                <a16:creationId xmlns:a16="http://schemas.microsoft.com/office/drawing/2014/main" id="{120FF218-5A6B-1EAA-A5D7-7CE2054A04BA}"/>
               </a:ext>
             </a:extLst>
           </p:cNvPr>
@@ -13454,10 +14983,139 @@
           </a:p>
         </p:txBody>
       </p:sp>
+      <p:sp>
+        <p:nvSpPr>
+          <p:cNvPr id="8" name="Symbol zastępczy tekstu 1">
+            <a:extLst>
+              <a:ext uri="{FF2B5EF4-FFF2-40B4-BE49-F238E27FC236}">
+                <a16:creationId xmlns:a16="http://schemas.microsoft.com/office/drawing/2014/main" id="{9DD94B3F-7AA3-BAF8-B497-DF5FA32D8699}"/>
+              </a:ext>
+            </a:extLst>
+          </p:cNvPr>
+          <p:cNvSpPr txBox="1">
+            <a:spLocks/>
+          </p:cNvSpPr>
+          <p:nvPr/>
+        </p:nvSpPr>
+        <p:spPr>
+          <a:xfrm>
+            <a:off x="9803095" y="2185069"/>
+            <a:ext cx="7086610" cy="5657808"/>
+          </a:xfrm>
+          <a:prstGeom prst="rect">
+            <a:avLst/>
+          </a:prstGeom>
+        </p:spPr>
+        <p:txBody>
+          <a:bodyPr wrap="square" lIns="0" tIns="0" rIns="0" bIns="0">
+            <a:noAutofit/>
+          </a:bodyPr>
+          <a:lstStyle>
+            <a:lvl1pPr marL="0" eaLnBrk="1" hangingPunct="1">
+              <a:defRPr sz="2400">
+                <a:latin typeface="Arial" panose="020B0604020202020204" pitchFamily="34" charset="0"/>
+                <a:ea typeface="+mn-ea"/>
+                <a:cs typeface="Arial" panose="020B0604020202020204" pitchFamily="34" charset="0"/>
+              </a:defRPr>
+            </a:lvl1pPr>
+            <a:lvl2pPr marL="457200" eaLnBrk="1" hangingPunct="1">
+              <a:defRPr>
+                <a:latin typeface="+mn-lt"/>
+                <a:ea typeface="+mn-ea"/>
+                <a:cs typeface="+mn-cs"/>
+              </a:defRPr>
+            </a:lvl2pPr>
+            <a:lvl3pPr marL="914400" eaLnBrk="1" hangingPunct="1">
+              <a:defRPr>
+                <a:latin typeface="+mn-lt"/>
+                <a:ea typeface="+mn-ea"/>
+                <a:cs typeface="+mn-cs"/>
+              </a:defRPr>
+            </a:lvl3pPr>
+            <a:lvl4pPr marL="1371600" eaLnBrk="1" hangingPunct="1">
+              <a:defRPr>
+                <a:latin typeface="+mn-lt"/>
+                <a:ea typeface="+mn-ea"/>
+                <a:cs typeface="+mn-cs"/>
+              </a:defRPr>
+            </a:lvl4pPr>
+            <a:lvl5pPr marL="1828800" eaLnBrk="1" hangingPunct="1">
+              <a:defRPr>
+                <a:latin typeface="+mn-lt"/>
+                <a:ea typeface="+mn-ea"/>
+                <a:cs typeface="+mn-cs"/>
+              </a:defRPr>
+            </a:lvl5pPr>
+            <a:lvl6pPr marL="2286000" eaLnBrk="1" hangingPunct="1">
+              <a:defRPr>
+                <a:latin typeface="+mn-lt"/>
+                <a:ea typeface="+mn-ea"/>
+                <a:cs typeface="+mn-cs"/>
+              </a:defRPr>
+            </a:lvl6pPr>
+            <a:lvl7pPr marL="2743200" eaLnBrk="1" hangingPunct="1">
+              <a:defRPr>
+                <a:latin typeface="+mn-lt"/>
+                <a:ea typeface="+mn-ea"/>
+                <a:cs typeface="+mn-cs"/>
+              </a:defRPr>
+            </a:lvl7pPr>
+            <a:lvl8pPr marL="3200400" eaLnBrk="1" hangingPunct="1">
+              <a:defRPr>
+                <a:latin typeface="+mn-lt"/>
+                <a:ea typeface="+mn-ea"/>
+                <a:cs typeface="+mn-cs"/>
+              </a:defRPr>
+            </a:lvl8pPr>
+            <a:lvl9pPr marL="3657600" eaLnBrk="1" hangingPunct="1">
+              <a:defRPr>
+                <a:latin typeface="+mn-lt"/>
+                <a:ea typeface="+mn-ea"/>
+                <a:cs typeface="+mn-cs"/>
+              </a:defRPr>
+            </a:lvl9pPr>
+          </a:lstStyle>
+          <a:p>
+            <a:pPr algn="just"/>
+            <a:r>
+              <a:rPr lang="pl-PL" sz="2000" kern="0" dirty="0" err="1">
+                <a:solidFill>
+                  <a:sysClr val="windowText" lastClr="000000"/>
+                </a:solidFill>
+              </a:rPr>
+              <a:t>Llama</a:t>
+            </a:r>
+            <a:r>
+              <a:rPr lang="pl-PL" sz="2000" kern="0" dirty="0">
+                <a:solidFill>
+                  <a:sysClr val="windowText" lastClr="000000"/>
+                </a:solidFill>
+              </a:rPr>
+              <a:t> 3.1 405 B to pierwszy otwarcie dostępny model, który konkuruje z najlepszymi modelami AI, jeśli chodzi o najnowocześniejsze możliwości w zakresie wiedzy ogólnej, sterowności, matematyki, użycia narzędzi i tłumaczenia wielojęzycznego. Flagowy model jest konkurencyjny w stosunku do wiodących modeli podstawowych w różnych zadaniach, w tym GPT-4, GPT-4o i Claude 3.5 </a:t>
+            </a:r>
+            <a:r>
+              <a:rPr lang="pl-PL" sz="2000" kern="0" dirty="0" err="1">
+                <a:solidFill>
+                  <a:sysClr val="windowText" lastClr="000000"/>
+                </a:solidFill>
+              </a:rPr>
+              <a:t>Sonnet</a:t>
+            </a:r>
+            <a:r>
+              <a:rPr lang="pl-PL" sz="2000" kern="0" dirty="0">
+                <a:solidFill>
+                  <a:sysClr val="windowText" lastClr="000000"/>
+                </a:solidFill>
+              </a:rPr>
+              <a:t>.</a:t>
+            </a:r>
+          </a:p>
+        </p:txBody>
+      </p:sp>
     </p:spTree>
     <p:extLst>
       <p:ext uri="{BB962C8B-B14F-4D97-AF65-F5344CB8AC3E}">
-        <p14:creationId xmlns:p14="http://schemas.microsoft.com/office/powerpoint/2010/main" val="4246844153"/>
+        <p14:creationId xmlns:p14="http://schemas.microsoft.com/office/powerpoint/2010/main" val="80015909"/>
       </p:ext>
     </p:extLst>
   </p:cSld>
@@ -13467,12 +15125,18 @@
 </p:sld>
 </file>
 
-<file path=ppt/slides/slide23.xml><?xml version="1.0" encoding="utf-8"?>
+<file path=ppt/slides/slide24.xml><?xml version="1.0" encoding="utf-8"?>
 <p:sld xmlns:a="http://schemas.openxmlformats.org/drawingml/2006/main" xmlns:r="http://schemas.openxmlformats.org/officeDocument/2006/relationships" xmlns:p="http://schemas.openxmlformats.org/presentationml/2006/main">
   <p:cSld>
     <p:spTree>
       <p:nvGrpSpPr>
-        <p:cNvPr id="1" name=""/>
+        <p:cNvPr id="1" name="">
+          <a:extLst>
+            <a:ext uri="{FF2B5EF4-FFF2-40B4-BE49-F238E27FC236}">
+              <a16:creationId xmlns:a16="http://schemas.microsoft.com/office/drawing/2014/main" id="{1AA7D255-E48E-5960-6922-B7F257346F9A}"/>
+            </a:ext>
+          </a:extLst>
+        </p:cNvPr>
         <p:cNvGrpSpPr/>
         <p:nvPr/>
       </p:nvGrpSpPr>
@@ -13489,7 +15153,7 @@
           <p:cNvPr id="2" name="Symbol zastępczy tekstu 1">
             <a:extLst>
               <a:ext uri="{FF2B5EF4-FFF2-40B4-BE49-F238E27FC236}">
-                <a16:creationId xmlns:a16="http://schemas.microsoft.com/office/drawing/2014/main" id="{527231C2-5B21-11D2-BB15-F6B20E913236}"/>
+                <a16:creationId xmlns:a16="http://schemas.microsoft.com/office/drawing/2014/main" id="{D114D6C3-3FF0-9DE1-007D-CA3075A2FD42}"/>
               </a:ext>
             </a:extLst>
           </p:cNvPr>
@@ -13500,12 +15164,180 @@
             <p:ph type="body" idx="1"/>
           </p:nvPr>
         </p:nvSpPr>
-        <p:spPr/>
+        <p:spPr>
+          <a:xfrm>
+            <a:off x="458495" y="1930764"/>
+            <a:ext cx="6991469" cy="7266515"/>
+          </a:xfrm>
+        </p:spPr>
         <p:txBody>
           <a:bodyPr/>
           <a:lstStyle/>
           <a:p>
-            <a:endParaRPr lang="pl-PL"/>
+            <a:pPr algn="just"/>
+            <a:r>
+              <a:rPr lang="pl-PL" sz="1800" dirty="0"/>
+              <a:t>Google Gemma 2 to wysokowydajny i wydajny model dostępny w trzech rozmiarach: 2B, 9B i 27B.</a:t>
+            </a:r>
+          </a:p>
+          <a:p>
+            <a:pPr algn="just"/>
+            <a:endParaRPr lang="pl-PL" sz="1800" dirty="0"/>
+          </a:p>
+          <a:p>
+            <a:pPr algn="just"/>
+            <a:r>
+              <a:rPr lang="pl-PL" sz="1800" b="1" dirty="0"/>
+              <a:t>Rozmiar</a:t>
+            </a:r>
+            <a:r>
+              <a:rPr lang="pl-PL" sz="1800" dirty="0"/>
+              <a:t>: Od 1.6 GB do 16 GB</a:t>
+            </a:r>
+          </a:p>
+          <a:p>
+            <a:pPr algn="just"/>
+            <a:r>
+              <a:rPr lang="pl-PL" sz="1800" b="1" dirty="0"/>
+              <a:t>Kontekst</a:t>
+            </a:r>
+            <a:r>
+              <a:rPr lang="pl-PL" sz="1800" dirty="0"/>
+              <a:t>: 8 tysięcy</a:t>
+            </a:r>
+          </a:p>
+          <a:p>
+            <a:pPr algn="just"/>
+            <a:r>
+              <a:rPr lang="pl-PL" sz="1800" b="1" dirty="0"/>
+              <a:t>Licencja</a:t>
+            </a:r>
+            <a:r>
+              <a:rPr lang="pl-PL" sz="1800" dirty="0"/>
+              <a:t>: własna Google Gemma License.</a:t>
+            </a:r>
+          </a:p>
+          <a:p>
+            <a:pPr algn="just"/>
+            <a:endParaRPr lang="pl-PL" sz="1800" dirty="0"/>
+          </a:p>
+          <a:p>
+            <a:pPr algn="just"/>
+            <a:r>
+              <a:rPr lang="pl-PL" sz="1800" dirty="0"/>
+              <a:t>Pozwala:</a:t>
+            </a:r>
+          </a:p>
+          <a:p>
+            <a:pPr marL="285750" indent="-285750" algn="just">
+              <a:buFont typeface="Arial" panose="020B0604020202020204" pitchFamily="34" charset="0"/>
+              <a:buChar char="•"/>
+            </a:pPr>
+            <a:r>
+              <a:rPr lang="pl-PL" sz="1800" dirty="0"/>
+              <a:t>używać modelu komercyjnie,</a:t>
+            </a:r>
+          </a:p>
+          <a:p>
+            <a:pPr marL="285750" indent="-285750" algn="just">
+              <a:buFont typeface="Arial" panose="020B0604020202020204" pitchFamily="34" charset="0"/>
+              <a:buChar char="•"/>
+            </a:pPr>
+            <a:r>
+              <a:rPr lang="pl-PL" sz="1800" dirty="0"/>
+              <a:t>hostować go samodzielnie</a:t>
+            </a:r>
+          </a:p>
+          <a:p>
+            <a:pPr marL="285750" indent="-285750" algn="just">
+              <a:buFont typeface="Arial" panose="020B0604020202020204" pitchFamily="34" charset="0"/>
+              <a:buChar char="•"/>
+            </a:pPr>
+            <a:r>
+              <a:rPr lang="pl-PL" sz="1800" dirty="0"/>
+              <a:t>integrować w aplikacjach, systemach, </a:t>
+            </a:r>
+            <a:r>
+              <a:rPr lang="pl-PL" sz="1800" dirty="0" err="1"/>
+              <a:t>pipeline’ach</a:t>
+            </a:r>
+            <a:r>
+              <a:rPr lang="pl-PL" sz="1800" dirty="0"/>
+              <a:t> AI,</a:t>
+            </a:r>
+          </a:p>
+          <a:p>
+            <a:pPr marL="285750" indent="-285750" algn="just">
+              <a:buFont typeface="Arial" panose="020B0604020202020204" pitchFamily="34" charset="0"/>
+              <a:buChar char="•"/>
+            </a:pPr>
+            <a:r>
+              <a:rPr lang="pl-PL" sz="1800" dirty="0"/>
+              <a:t>modyfikować model.</a:t>
+            </a:r>
+          </a:p>
+          <a:p>
+            <a:pPr algn="just"/>
+            <a:endParaRPr lang="pl-PL" sz="1800" dirty="0"/>
+          </a:p>
+          <a:p>
+            <a:pPr algn="just"/>
+            <a:r>
+              <a:rPr lang="pl-PL" sz="1800" dirty="0"/>
+              <a:t>Ogranicza: </a:t>
+            </a:r>
+          </a:p>
+          <a:p>
+            <a:pPr marL="285750" indent="-285750" algn="just">
+              <a:buFont typeface="Arial" panose="020B0604020202020204" pitchFamily="34" charset="0"/>
+              <a:buChar char="•"/>
+            </a:pPr>
+            <a:r>
+              <a:rPr lang="pl-PL" sz="1800" dirty="0"/>
+              <a:t>użycie do działań niezgodnych z prawem,</a:t>
+            </a:r>
+          </a:p>
+          <a:p>
+            <a:pPr marL="285750" indent="-285750" algn="just">
+              <a:buFont typeface="Arial" panose="020B0604020202020204" pitchFamily="34" charset="0"/>
+              <a:buChar char="•"/>
+            </a:pPr>
+            <a:r>
+              <a:rPr lang="pl-PL" sz="1800" dirty="0"/>
+              <a:t>użycie do generowania treści szkodliwych (standardowe klauzule </a:t>
+            </a:r>
+            <a:r>
+              <a:rPr lang="pl-PL" sz="1800" dirty="0" err="1"/>
+              <a:t>safety</a:t>
+            </a:r>
+            <a:r>
+              <a:rPr lang="pl-PL" sz="1800" dirty="0"/>
+              <a:t>),</a:t>
+            </a:r>
+          </a:p>
+          <a:p>
+            <a:pPr marL="285750" indent="-285750" algn="just">
+              <a:buFont typeface="Arial" panose="020B0604020202020204" pitchFamily="34" charset="0"/>
+              <a:buChar char="•"/>
+            </a:pPr>
+            <a:r>
+              <a:rPr lang="pl-PL" sz="1800" dirty="0"/>
+              <a:t>trenowanie konkurencyjnych dużych modeli bazowych na wagach Gemma,</a:t>
+            </a:r>
+          </a:p>
+          <a:p>
+            <a:pPr marL="285750" indent="-285750" algn="just">
+              <a:buFont typeface="Arial" panose="020B0604020202020204" pitchFamily="34" charset="0"/>
+              <a:buChar char="•"/>
+            </a:pPr>
+            <a:r>
+              <a:rPr lang="pl-PL" sz="1800" dirty="0"/>
+              <a:t>usuwanie informacji o licencji / autorstwie.</a:t>
+            </a:r>
+          </a:p>
+          <a:p>
+            <a:pPr algn="just"/>
+            <a:endParaRPr lang="pl-PL" sz="1800" dirty="0"/>
           </a:p>
         </p:txBody>
       </p:sp>
@@ -13514,7 +15346,7 @@
           <p:cNvPr id="3" name="Symbol zastępczy numeru slajdu 2">
             <a:extLst>
               <a:ext uri="{FF2B5EF4-FFF2-40B4-BE49-F238E27FC236}">
-                <a16:creationId xmlns:a16="http://schemas.microsoft.com/office/drawing/2014/main" id="{BB31DC3D-79F9-6E13-1CBB-5319EA96AC23}"/>
+                <a16:creationId xmlns:a16="http://schemas.microsoft.com/office/drawing/2014/main" id="{DDC0C403-3DE1-4BB4-6FE2-5617214DDA75}"/>
               </a:ext>
             </a:extLst>
           </p:cNvPr>
@@ -13546,7 +15378,7 @@
                   <a:spcPts val="1925"/>
                 </a:lnSpc>
               </a:pPr>
-              <a:t>23</a:t>
+              <a:t>24</a:t>
             </a:fld>
             <a:endParaRPr dirty="0"/>
           </a:p>
@@ -13557,7 +15389,7 @@
           <p:cNvPr id="4" name="Tytuł 3">
             <a:extLst>
               <a:ext uri="{FF2B5EF4-FFF2-40B4-BE49-F238E27FC236}">
-                <a16:creationId xmlns:a16="http://schemas.microsoft.com/office/drawing/2014/main" id="{EFC06994-17F3-98B7-5B49-9192FEF2674D}"/>
+                <a16:creationId xmlns:a16="http://schemas.microsoft.com/office/drawing/2014/main" id="{14783642-5B42-F390-2246-F4387262C59B}"/>
               </a:ext>
             </a:extLst>
           </p:cNvPr>
@@ -13568,19 +15400,527 @@
             <p:ph type="title"/>
           </p:nvPr>
         </p:nvSpPr>
-        <p:spPr/>
+        <p:spPr>
+          <a:xfrm>
+            <a:off x="867410" y="412304"/>
+            <a:ext cx="4566330" cy="720080"/>
+          </a:xfrm>
+        </p:spPr>
         <p:txBody>
           <a:bodyPr/>
           <a:lstStyle/>
           <a:p>
-            <a:endParaRPr lang="pl-PL"/>
+            <a:r>
+              <a:rPr lang="pl-PL" dirty="0"/>
+              <a:t>Propozycja MODELI </a:t>
+            </a:r>
+          </a:p>
+        </p:txBody>
+      </p:sp>
+      <p:cxnSp>
+        <p:nvCxnSpPr>
+          <p:cNvPr id="5" name="Straight Connector 3">
+            <a:extLst>
+              <a:ext uri="{FF2B5EF4-FFF2-40B4-BE49-F238E27FC236}">
+                <a16:creationId xmlns:a16="http://schemas.microsoft.com/office/drawing/2014/main" id="{12AB98E1-E0CF-A4B6-EF9E-65F4A2D9269C}"/>
+              </a:ext>
+            </a:extLst>
+          </p:cNvPr>
+          <p:cNvCxnSpPr>
+            <a:cxnSpLocks/>
+          </p:cNvCxnSpPr>
+          <p:nvPr/>
+        </p:nvCxnSpPr>
+        <p:spPr>
+          <a:xfrm flipH="1">
+            <a:off x="0" y="700336"/>
+            <a:ext cx="656194" cy="0"/>
+          </a:xfrm>
+          <a:prstGeom prst="line">
+            <a:avLst/>
+          </a:prstGeom>
+          <a:ln w="76200">
+            <a:solidFill>
+              <a:srgbClr val="C00000"/>
+            </a:solidFill>
+          </a:ln>
+        </p:spPr>
+        <p:style>
+          <a:lnRef idx="1">
+            <a:schemeClr val="accent1"/>
+          </a:lnRef>
+          <a:fillRef idx="0">
+            <a:schemeClr val="accent1"/>
+          </a:fillRef>
+          <a:effectRef idx="0">
+            <a:schemeClr val="accent1"/>
+          </a:effectRef>
+          <a:fontRef idx="minor">
+            <a:schemeClr val="tx1"/>
+          </a:fontRef>
+        </p:style>
+      </p:cxnSp>
+      <p:sp>
+        <p:nvSpPr>
+          <p:cNvPr id="6" name="Tytuł 3">
+            <a:extLst>
+              <a:ext uri="{FF2B5EF4-FFF2-40B4-BE49-F238E27FC236}">
+                <a16:creationId xmlns:a16="http://schemas.microsoft.com/office/drawing/2014/main" id="{3995026B-B1B1-E6B2-61DD-270D39374664}"/>
+              </a:ext>
+            </a:extLst>
+          </p:cNvPr>
+          <p:cNvSpPr txBox="1">
+            <a:spLocks/>
+          </p:cNvSpPr>
+          <p:nvPr/>
+        </p:nvSpPr>
+        <p:spPr>
+          <a:xfrm>
+            <a:off x="11713349" y="907334"/>
+            <a:ext cx="4767441" cy="650760"/>
+          </a:xfrm>
+          <a:prstGeom prst="rect">
+            <a:avLst/>
+          </a:prstGeom>
+          <a:ln w="38100">
+            <a:solidFill>
+              <a:srgbClr val="C00000"/>
+            </a:solidFill>
+          </a:ln>
+        </p:spPr>
+        <p:txBody>
+          <a:bodyPr wrap="square" lIns="0" tIns="0" rIns="0" bIns="0" anchor="ctr">
+            <a:noAutofit/>
+          </a:bodyPr>
+          <a:lstStyle>
+            <a:lvl1pPr eaLnBrk="1" hangingPunct="1">
+              <a:defRPr sz="3600" b="1">
+                <a:latin typeface="Good Headline Pro"/>
+                <a:ea typeface="+mj-ea"/>
+                <a:cs typeface="+mj-cs"/>
+              </a:defRPr>
+            </a:lvl1pPr>
+          </a:lstStyle>
+          <a:p>
+            <a:pPr algn="ctr"/>
+            <a:r>
+              <a:rPr lang="pl-PL" kern="0" dirty="0">
+                <a:solidFill>
+                  <a:sysClr val="windowText" lastClr="000000"/>
+                </a:solidFill>
+              </a:rPr>
+              <a:t>Gemma2</a:t>
+            </a:r>
+          </a:p>
+        </p:txBody>
+      </p:sp>
+      <p:sp>
+        <p:nvSpPr>
+          <p:cNvPr id="7" name="Symbol zastępczy tekstu 1">
+            <a:extLst>
+              <a:ext uri="{FF2B5EF4-FFF2-40B4-BE49-F238E27FC236}">
+                <a16:creationId xmlns:a16="http://schemas.microsoft.com/office/drawing/2014/main" id="{17B35257-A65C-E923-57C6-1BACCE04A7E0}"/>
+              </a:ext>
+            </a:extLst>
+          </p:cNvPr>
+          <p:cNvSpPr txBox="1">
+            <a:spLocks/>
+          </p:cNvSpPr>
+          <p:nvPr/>
+        </p:nvSpPr>
+        <p:spPr>
+          <a:xfrm>
+            <a:off x="867410" y="1054083"/>
+            <a:ext cx="6582554" cy="691282"/>
+          </a:xfrm>
+          <a:prstGeom prst="rect">
+            <a:avLst/>
+          </a:prstGeom>
+        </p:spPr>
+        <p:txBody>
+          <a:bodyPr wrap="square" lIns="0" tIns="0" rIns="0" bIns="0">
+            <a:noAutofit/>
+          </a:bodyPr>
+          <a:lstStyle>
+            <a:lvl1pPr marL="0" eaLnBrk="1" hangingPunct="1">
+              <a:defRPr sz="2400">
+                <a:latin typeface="Arial" panose="020B0604020202020204" pitchFamily="34" charset="0"/>
+                <a:ea typeface="+mn-ea"/>
+                <a:cs typeface="Arial" panose="020B0604020202020204" pitchFamily="34" charset="0"/>
+              </a:defRPr>
+            </a:lvl1pPr>
+            <a:lvl2pPr marL="457200" eaLnBrk="1" hangingPunct="1">
+              <a:defRPr>
+                <a:latin typeface="+mn-lt"/>
+                <a:ea typeface="+mn-ea"/>
+                <a:cs typeface="+mn-cs"/>
+              </a:defRPr>
+            </a:lvl2pPr>
+            <a:lvl3pPr marL="914400" eaLnBrk="1" hangingPunct="1">
+              <a:defRPr>
+                <a:latin typeface="+mn-lt"/>
+                <a:ea typeface="+mn-ea"/>
+                <a:cs typeface="+mn-cs"/>
+              </a:defRPr>
+            </a:lvl3pPr>
+            <a:lvl4pPr marL="1371600" eaLnBrk="1" hangingPunct="1">
+              <a:defRPr>
+                <a:latin typeface="+mn-lt"/>
+                <a:ea typeface="+mn-ea"/>
+                <a:cs typeface="+mn-cs"/>
+              </a:defRPr>
+            </a:lvl4pPr>
+            <a:lvl5pPr marL="1828800" eaLnBrk="1" hangingPunct="1">
+              <a:defRPr>
+                <a:latin typeface="+mn-lt"/>
+                <a:ea typeface="+mn-ea"/>
+                <a:cs typeface="+mn-cs"/>
+              </a:defRPr>
+            </a:lvl5pPr>
+            <a:lvl6pPr marL="2286000" eaLnBrk="1" hangingPunct="1">
+              <a:defRPr>
+                <a:latin typeface="+mn-lt"/>
+                <a:ea typeface="+mn-ea"/>
+                <a:cs typeface="+mn-cs"/>
+              </a:defRPr>
+            </a:lvl6pPr>
+            <a:lvl7pPr marL="2743200" eaLnBrk="1" hangingPunct="1">
+              <a:defRPr>
+                <a:latin typeface="+mn-lt"/>
+                <a:ea typeface="+mn-ea"/>
+                <a:cs typeface="+mn-cs"/>
+              </a:defRPr>
+            </a:lvl7pPr>
+            <a:lvl8pPr marL="3200400" eaLnBrk="1" hangingPunct="1">
+              <a:defRPr>
+                <a:latin typeface="+mn-lt"/>
+                <a:ea typeface="+mn-ea"/>
+                <a:cs typeface="+mn-cs"/>
+              </a:defRPr>
+            </a:lvl8pPr>
+            <a:lvl9pPr marL="3657600" eaLnBrk="1" hangingPunct="1">
+              <a:defRPr>
+                <a:latin typeface="+mn-lt"/>
+                <a:ea typeface="+mn-ea"/>
+                <a:cs typeface="+mn-cs"/>
+              </a:defRPr>
+            </a:lvl9pPr>
+          </a:lstStyle>
+          <a:p>
+            <a:r>
+              <a:rPr lang="pl-PL" sz="3600" kern="0" dirty="0">
+                <a:solidFill>
+                  <a:sysClr val="windowText" lastClr="000000"/>
+                </a:solidFill>
+                <a:latin typeface="Agency FB" panose="020B0503020202020204" pitchFamily="34" charset="0"/>
+              </a:rPr>
+              <a:t>Modele LLM</a:t>
+            </a:r>
+          </a:p>
+        </p:txBody>
+      </p:sp>
+      <p:sp>
+        <p:nvSpPr>
+          <p:cNvPr id="9" name="Symbol zastępczy tekstu 1">
+            <a:extLst>
+              <a:ext uri="{FF2B5EF4-FFF2-40B4-BE49-F238E27FC236}">
+                <a16:creationId xmlns:a16="http://schemas.microsoft.com/office/drawing/2014/main" id="{CA573B7A-D01B-C617-A092-3CBC2570670D}"/>
+              </a:ext>
+            </a:extLst>
+          </p:cNvPr>
+          <p:cNvSpPr txBox="1">
+            <a:spLocks/>
+          </p:cNvSpPr>
+          <p:nvPr/>
+        </p:nvSpPr>
+        <p:spPr>
+          <a:xfrm>
+            <a:off x="13786668" y="8400666"/>
+            <a:ext cx="3103037" cy="476135"/>
+          </a:xfrm>
+          <a:prstGeom prst="rect">
+            <a:avLst/>
+          </a:prstGeom>
+        </p:spPr>
+        <p:txBody>
+          <a:bodyPr wrap="square" lIns="0" tIns="0" rIns="0" bIns="0">
+            <a:noAutofit/>
+          </a:bodyPr>
+          <a:lstStyle>
+            <a:lvl1pPr marL="0" eaLnBrk="1" hangingPunct="1">
+              <a:defRPr sz="2400">
+                <a:latin typeface="Arial" panose="020B0604020202020204" pitchFamily="34" charset="0"/>
+                <a:ea typeface="+mn-ea"/>
+                <a:cs typeface="Arial" panose="020B0604020202020204" pitchFamily="34" charset="0"/>
+              </a:defRPr>
+            </a:lvl1pPr>
+            <a:lvl2pPr marL="457200" eaLnBrk="1" hangingPunct="1">
+              <a:defRPr>
+                <a:latin typeface="+mn-lt"/>
+                <a:ea typeface="+mn-ea"/>
+                <a:cs typeface="+mn-cs"/>
+              </a:defRPr>
+            </a:lvl2pPr>
+            <a:lvl3pPr marL="914400" eaLnBrk="1" hangingPunct="1">
+              <a:defRPr>
+                <a:latin typeface="+mn-lt"/>
+                <a:ea typeface="+mn-ea"/>
+                <a:cs typeface="+mn-cs"/>
+              </a:defRPr>
+            </a:lvl3pPr>
+            <a:lvl4pPr marL="1371600" eaLnBrk="1" hangingPunct="1">
+              <a:defRPr>
+                <a:latin typeface="+mn-lt"/>
+                <a:ea typeface="+mn-ea"/>
+                <a:cs typeface="+mn-cs"/>
+              </a:defRPr>
+            </a:lvl4pPr>
+            <a:lvl5pPr marL="1828800" eaLnBrk="1" hangingPunct="1">
+              <a:defRPr>
+                <a:latin typeface="+mn-lt"/>
+                <a:ea typeface="+mn-ea"/>
+                <a:cs typeface="+mn-cs"/>
+              </a:defRPr>
+            </a:lvl5pPr>
+            <a:lvl6pPr marL="2286000" eaLnBrk="1" hangingPunct="1">
+              <a:defRPr>
+                <a:latin typeface="+mn-lt"/>
+                <a:ea typeface="+mn-ea"/>
+                <a:cs typeface="+mn-cs"/>
+              </a:defRPr>
+            </a:lvl6pPr>
+            <a:lvl7pPr marL="2743200" eaLnBrk="1" hangingPunct="1">
+              <a:defRPr>
+                <a:latin typeface="+mn-lt"/>
+                <a:ea typeface="+mn-ea"/>
+                <a:cs typeface="+mn-cs"/>
+              </a:defRPr>
+            </a:lvl7pPr>
+            <a:lvl8pPr marL="3200400" eaLnBrk="1" hangingPunct="1">
+              <a:defRPr>
+                <a:latin typeface="+mn-lt"/>
+                <a:ea typeface="+mn-ea"/>
+                <a:cs typeface="+mn-cs"/>
+              </a:defRPr>
+            </a:lvl8pPr>
+            <a:lvl9pPr marL="3657600" eaLnBrk="1" hangingPunct="1">
+              <a:defRPr>
+                <a:latin typeface="+mn-lt"/>
+                <a:ea typeface="+mn-ea"/>
+                <a:cs typeface="+mn-cs"/>
+              </a:defRPr>
+            </a:lvl9pPr>
+          </a:lstStyle>
+          <a:p>
+            <a:pPr algn="just"/>
+            <a:r>
+              <a:rPr lang="pl-PL" sz="1400" kern="0" dirty="0">
+                <a:solidFill>
+                  <a:sysClr val="windowText" lastClr="000000"/>
+                </a:solidFill>
+                <a:hlinkClick r:id="rId2"/>
+              </a:rPr>
+              <a:t>https://ollama.com/library/gemma2</a:t>
+            </a:r>
+            <a:endParaRPr lang="pl-PL" sz="1400" kern="0" dirty="0">
+              <a:solidFill>
+                <a:sysClr val="windowText" lastClr="000000"/>
+              </a:solidFill>
+            </a:endParaRPr>
+          </a:p>
+        </p:txBody>
+      </p:sp>
+      <p:sp>
+        <p:nvSpPr>
+          <p:cNvPr id="8" name="Symbol zastępczy tekstu 1">
+            <a:extLst>
+              <a:ext uri="{FF2B5EF4-FFF2-40B4-BE49-F238E27FC236}">
+                <a16:creationId xmlns:a16="http://schemas.microsoft.com/office/drawing/2014/main" id="{0B52C51C-5170-772A-69B1-89F36DEB3F4E}"/>
+              </a:ext>
+            </a:extLst>
+          </p:cNvPr>
+          <p:cNvSpPr txBox="1">
+            <a:spLocks/>
+          </p:cNvSpPr>
+          <p:nvPr/>
+        </p:nvSpPr>
+        <p:spPr>
+          <a:xfrm>
+            <a:off x="8703071" y="2144793"/>
+            <a:ext cx="6991469" cy="7266515"/>
+          </a:xfrm>
+          <a:prstGeom prst="rect">
+            <a:avLst/>
+          </a:prstGeom>
+        </p:spPr>
+        <p:txBody>
+          <a:bodyPr wrap="square" lIns="0" tIns="0" rIns="0" bIns="0">
+            <a:noAutofit/>
+          </a:bodyPr>
+          <a:lstStyle>
+            <a:lvl1pPr marL="0" eaLnBrk="1" hangingPunct="1">
+              <a:defRPr sz="2400">
+                <a:latin typeface="Arial" panose="020B0604020202020204" pitchFamily="34" charset="0"/>
+                <a:ea typeface="+mn-ea"/>
+                <a:cs typeface="Arial" panose="020B0604020202020204" pitchFamily="34" charset="0"/>
+              </a:defRPr>
+            </a:lvl1pPr>
+            <a:lvl2pPr marL="457200" eaLnBrk="1" hangingPunct="1">
+              <a:defRPr>
+                <a:latin typeface="+mn-lt"/>
+                <a:ea typeface="+mn-ea"/>
+                <a:cs typeface="+mn-cs"/>
+              </a:defRPr>
+            </a:lvl2pPr>
+            <a:lvl3pPr marL="914400" eaLnBrk="1" hangingPunct="1">
+              <a:defRPr>
+                <a:latin typeface="+mn-lt"/>
+                <a:ea typeface="+mn-ea"/>
+                <a:cs typeface="+mn-cs"/>
+              </a:defRPr>
+            </a:lvl3pPr>
+            <a:lvl4pPr marL="1371600" eaLnBrk="1" hangingPunct="1">
+              <a:defRPr>
+                <a:latin typeface="+mn-lt"/>
+                <a:ea typeface="+mn-ea"/>
+                <a:cs typeface="+mn-cs"/>
+              </a:defRPr>
+            </a:lvl4pPr>
+            <a:lvl5pPr marL="1828800" eaLnBrk="1" hangingPunct="1">
+              <a:defRPr>
+                <a:latin typeface="+mn-lt"/>
+                <a:ea typeface="+mn-ea"/>
+                <a:cs typeface="+mn-cs"/>
+              </a:defRPr>
+            </a:lvl5pPr>
+            <a:lvl6pPr marL="2286000" eaLnBrk="1" hangingPunct="1">
+              <a:defRPr>
+                <a:latin typeface="+mn-lt"/>
+                <a:ea typeface="+mn-ea"/>
+                <a:cs typeface="+mn-cs"/>
+              </a:defRPr>
+            </a:lvl6pPr>
+            <a:lvl7pPr marL="2743200" eaLnBrk="1" hangingPunct="1">
+              <a:defRPr>
+                <a:latin typeface="+mn-lt"/>
+                <a:ea typeface="+mn-ea"/>
+                <a:cs typeface="+mn-cs"/>
+              </a:defRPr>
+            </a:lvl7pPr>
+            <a:lvl8pPr marL="3200400" eaLnBrk="1" hangingPunct="1">
+              <a:defRPr>
+                <a:latin typeface="+mn-lt"/>
+                <a:ea typeface="+mn-ea"/>
+                <a:cs typeface="+mn-cs"/>
+              </a:defRPr>
+            </a:lvl8pPr>
+            <a:lvl9pPr marL="3657600" eaLnBrk="1" hangingPunct="1">
+              <a:defRPr>
+                <a:latin typeface="+mn-lt"/>
+                <a:ea typeface="+mn-ea"/>
+                <a:cs typeface="+mn-cs"/>
+              </a:defRPr>
+            </a:lvl9pPr>
+          </a:lstStyle>
+          <a:p>
+            <a:pPr algn="just"/>
+            <a:r>
+              <a:rPr lang="pl-PL" sz="1800" b="1" dirty="0"/>
+              <a:t>Tworzenie treści i komunikacja</a:t>
+            </a:r>
+          </a:p>
+          <a:p>
+            <a:pPr marL="342900" indent="-342900" algn="just">
+              <a:buFont typeface="Arial" panose="020B0604020202020204" pitchFamily="34" charset="0"/>
+              <a:buChar char="•"/>
+            </a:pPr>
+            <a:r>
+              <a:rPr lang="pl-PL" sz="1800" dirty="0"/>
+              <a:t>Generowanie tekstu: Modele te można wykorzystać do generowania kreatywnych formatów tekstu takie jak wiersze, scenariusze, kod, kopie marketingowe i wersje robocze e-maili.</a:t>
+            </a:r>
+          </a:p>
+          <a:p>
+            <a:pPr marL="342900" indent="-342900" algn="just">
+              <a:buFont typeface="Arial" panose="020B0604020202020204" pitchFamily="34" charset="0"/>
+              <a:buChar char="•"/>
+            </a:pPr>
+            <a:r>
+              <a:rPr lang="pl-PL" sz="1800" dirty="0" err="1"/>
+              <a:t>Chatboty</a:t>
+            </a:r>
+            <a:r>
+              <a:rPr lang="pl-PL" sz="1800" dirty="0"/>
+              <a:t> i konwersacyjna sztuczna inteligencja: Zasilanie interfejsów konwersacyjnych dla klienta serwis, wirtualni asystenci, czy aplikacje interaktywne.</a:t>
+            </a:r>
+          </a:p>
+          <a:p>
+            <a:pPr marL="342900" indent="-342900" algn="just">
+              <a:buFont typeface="Arial" panose="020B0604020202020204" pitchFamily="34" charset="0"/>
+              <a:buChar char="•"/>
+            </a:pPr>
+            <a:r>
+              <a:rPr lang="pl-PL" sz="1800" dirty="0"/>
+              <a:t>Podsumowanie tekstu: Generuj zwięzłe streszczenia korpusu tekstowego, badania papiery, czyli raporty.</a:t>
+            </a:r>
+          </a:p>
+          <a:p>
+            <a:pPr marL="342900" indent="-342900" algn="just">
+              <a:buFont typeface="Arial" panose="020B0604020202020204" pitchFamily="34" charset="0"/>
+              <a:buChar char="•"/>
+            </a:pPr>
+            <a:endParaRPr lang="pl-PL" sz="1800" dirty="0"/>
+          </a:p>
+          <a:p>
+            <a:pPr algn="just"/>
+            <a:r>
+              <a:rPr lang="pl-PL" sz="1800" b="1" dirty="0"/>
+              <a:t>Badania i edukacja</a:t>
+            </a:r>
+          </a:p>
+          <a:p>
+            <a:pPr marL="342900" indent="-342900" algn="just">
+              <a:buFont typeface="Arial" panose="020B0604020202020204" pitchFamily="34" charset="0"/>
+              <a:buChar char="•"/>
+            </a:pPr>
+            <a:r>
+              <a:rPr lang="pl-PL" sz="1800" dirty="0"/>
+              <a:t>Badania nad przetwarzaniem języka naturalnego (NLP): Modele te mogą służyć jako: fundacja dla badaczy do eksperymentowania z technikami NLP, rozwijać algorytmy i przyczyniają się do rozwoju tej dziedziny.</a:t>
+            </a:r>
+          </a:p>
+          <a:p>
+            <a:pPr marL="342900" indent="-342900" algn="just">
+              <a:buFont typeface="Arial" panose="020B0604020202020204" pitchFamily="34" charset="0"/>
+              <a:buChar char="•"/>
+            </a:pPr>
+            <a:r>
+              <a:rPr lang="pl-PL" sz="1800" dirty="0"/>
+              <a:t>Narzędzia do nauki języków: Wspieraj interaktywne doświadczenia związane z nauką języków, pomoc w korekcie gramatyki lub zapewnienie praktyki pisania.</a:t>
+            </a:r>
+          </a:p>
+          <a:p>
+            <a:pPr marL="342900" indent="-342900" algn="just">
+              <a:buFont typeface="Arial" panose="020B0604020202020204" pitchFamily="34" charset="0"/>
+              <a:buChar char="•"/>
+            </a:pPr>
+            <a:r>
+              <a:rPr lang="pl-PL" sz="1800" dirty="0"/>
+              <a:t>Eksploracja wiedzy: pomaga badaczom w badaniu dużych zbiorów tekstu generując podsumowania lub odpowiadając na pytania dotyczące konkretnych tematów.</a:t>
+            </a:r>
+          </a:p>
+          <a:p>
+            <a:pPr algn="just"/>
+            <a:endParaRPr lang="pl-PL" sz="1800" kern="0" dirty="0">
+              <a:solidFill>
+                <a:sysClr val="windowText" lastClr="000000"/>
+              </a:solidFill>
+            </a:endParaRPr>
           </a:p>
         </p:txBody>
       </p:sp>
     </p:spTree>
     <p:extLst>
       <p:ext uri="{BB962C8B-B14F-4D97-AF65-F5344CB8AC3E}">
-        <p14:creationId xmlns:p14="http://schemas.microsoft.com/office/powerpoint/2010/main" val="2365262108"/>
+        <p14:creationId xmlns:p14="http://schemas.microsoft.com/office/powerpoint/2010/main" val="4246844153"/>
       </p:ext>
     </p:extLst>
   </p:cSld>
@@ -13590,7 +15930,2013 @@
 </p:sld>
 </file>
 
-<file path=ppt/slides/slide24.xml><?xml version="1.0" encoding="utf-8"?>
+<file path=ppt/slides/slide25.xml><?xml version="1.0" encoding="utf-8"?>
+<p:sld xmlns:a="http://schemas.openxmlformats.org/drawingml/2006/main" xmlns:r="http://schemas.openxmlformats.org/officeDocument/2006/relationships" xmlns:p="http://schemas.openxmlformats.org/presentationml/2006/main">
+  <p:cSld>
+    <p:spTree>
+      <p:nvGrpSpPr>
+        <p:cNvPr id="1" name="">
+          <a:extLst>
+            <a:ext uri="{FF2B5EF4-FFF2-40B4-BE49-F238E27FC236}">
+              <a16:creationId xmlns:a16="http://schemas.microsoft.com/office/drawing/2014/main" id="{EF784ED8-0813-7F36-801E-849C8BD36309}"/>
+            </a:ext>
+          </a:extLst>
+        </p:cNvPr>
+        <p:cNvGrpSpPr/>
+        <p:nvPr/>
+      </p:nvGrpSpPr>
+      <p:grpSpPr>
+        <a:xfrm>
+          <a:off x="0" y="0"/>
+          <a:ext cx="0" cy="0"/>
+          <a:chOff x="0" y="0"/>
+          <a:chExt cx="0" cy="0"/>
+        </a:xfrm>
+      </p:grpSpPr>
+      <p:sp>
+        <p:nvSpPr>
+          <p:cNvPr id="2" name="Symbol zastępczy tekstu 1">
+            <a:extLst>
+              <a:ext uri="{FF2B5EF4-FFF2-40B4-BE49-F238E27FC236}">
+                <a16:creationId xmlns:a16="http://schemas.microsoft.com/office/drawing/2014/main" id="{B8FD962C-47B5-F3CB-502B-1B12FB4992DE}"/>
+              </a:ext>
+            </a:extLst>
+          </p:cNvPr>
+          <p:cNvSpPr>
+            <a:spLocks noGrp="1"/>
+          </p:cNvSpPr>
+          <p:nvPr>
+            <p:ph type="body" idx="1"/>
+          </p:nvPr>
+        </p:nvSpPr>
+        <p:spPr>
+          <a:xfrm>
+            <a:off x="1004198" y="3100526"/>
+            <a:ext cx="6415405" cy="5046853"/>
+          </a:xfrm>
+        </p:spPr>
+        <p:txBody>
+          <a:bodyPr/>
+          <a:lstStyle/>
+          <a:p>
+            <a:pPr algn="just"/>
+            <a:r>
+              <a:rPr lang="pl-PL" sz="1800" b="1" dirty="0"/>
+              <a:t>Rozmiar</a:t>
+            </a:r>
+            <a:r>
+              <a:rPr lang="pl-PL" sz="1800" dirty="0"/>
+              <a:t>: 274 MB,</a:t>
+            </a:r>
+          </a:p>
+          <a:p>
+            <a:pPr algn="just"/>
+            <a:r>
+              <a:rPr lang="pl-PL" sz="1800" b="1" dirty="0"/>
+              <a:t>Kontekst</a:t>
+            </a:r>
+            <a:r>
+              <a:rPr lang="pl-PL" sz="1800" dirty="0"/>
+              <a:t>: 2 tysiące</a:t>
+            </a:r>
+          </a:p>
+          <a:p>
+            <a:pPr algn="just"/>
+            <a:r>
+              <a:rPr lang="pl-PL" sz="1800" b="1" dirty="0"/>
+              <a:t>Licencja</a:t>
+            </a:r>
+            <a:r>
+              <a:rPr lang="pl-PL" sz="1800" dirty="0"/>
+              <a:t>: Licencja Apache 2.0</a:t>
+            </a:r>
+          </a:p>
+          <a:p>
+            <a:pPr algn="just"/>
+            <a:endParaRPr lang="pl-PL" sz="1800" dirty="0"/>
+          </a:p>
+          <a:p>
+            <a:pPr algn="just"/>
+            <a:endParaRPr lang="pl-PL" sz="1800" dirty="0"/>
+          </a:p>
+          <a:p>
+            <a:pPr algn="just"/>
+            <a:r>
+              <a:rPr lang="pl-PL" sz="1800" dirty="0"/>
+              <a:t>Model tekstowy open-</a:t>
+            </a:r>
+            <a:r>
+              <a:rPr lang="pl-PL" sz="1800" dirty="0" err="1"/>
+              <a:t>source</a:t>
+            </a:r>
+            <a:r>
+              <a:rPr lang="pl-PL" sz="1800" dirty="0"/>
+              <a:t> zaprojektowany do klasycznych zadań semantycznych (wyszukiwanie, klasteryzacja, podobieństwo) na tekście.</a:t>
+            </a:r>
+          </a:p>
+          <a:p>
+            <a:pPr algn="just"/>
+            <a:endParaRPr lang="pl-PL" sz="1800" dirty="0"/>
+          </a:p>
+          <a:p>
+            <a:pPr algn="just"/>
+            <a:r>
+              <a:rPr lang="pl-PL" sz="1800" dirty="0"/>
+              <a:t>Bardzo popularny i lekki, działa dobrze do ogólnego RAG, wyszukiwania semantycznego, klasyfikacji i clusteringu.</a:t>
+            </a:r>
+          </a:p>
+          <a:p>
+            <a:pPr algn="just"/>
+            <a:endParaRPr lang="pl-PL" sz="1800" dirty="0"/>
+          </a:p>
+          <a:p>
+            <a:pPr algn="just"/>
+            <a:r>
+              <a:rPr lang="pl-PL" sz="1800" dirty="0"/>
+              <a:t>Ma około 137M parametrów.</a:t>
+            </a:r>
+          </a:p>
+          <a:p>
+            <a:pPr algn="just"/>
+            <a:endParaRPr lang="pl-PL" sz="1800" dirty="0"/>
+          </a:p>
+          <a:p>
+            <a:pPr marL="285750" indent="-285750" algn="just">
+              <a:buFont typeface="Arial" panose="020B0604020202020204" pitchFamily="34" charset="0"/>
+              <a:buChar char="•"/>
+            </a:pPr>
+            <a:r>
+              <a:rPr lang="pl-PL" sz="1800" dirty="0"/>
+              <a:t>Niska pamięć i elastyczne rozmiary wektorów</a:t>
+            </a:r>
+          </a:p>
+          <a:p>
+            <a:pPr marL="285750" indent="-285750" algn="just">
+              <a:buFont typeface="Arial" panose="020B0604020202020204" pitchFamily="34" charset="0"/>
+              <a:buChar char="•"/>
+            </a:pPr>
+            <a:r>
+              <a:rPr lang="pl-PL" sz="1800" dirty="0"/>
+              <a:t>Popularny w wielu aplikacjach RAG</a:t>
+            </a:r>
+          </a:p>
+          <a:p>
+            <a:pPr marL="285750" indent="-285750" algn="just">
+              <a:buFont typeface="Arial" panose="020B0604020202020204" pitchFamily="34" charset="0"/>
+              <a:buChar char="•"/>
+            </a:pPr>
+            <a:r>
+              <a:rPr lang="pl-PL" sz="1800" dirty="0"/>
+              <a:t>Łatwy do uruchomienia lokalnie</a:t>
+            </a:r>
+          </a:p>
+          <a:p>
+            <a:pPr marL="285750" indent="-285750" algn="just">
+              <a:buFont typeface="Arial" panose="020B0604020202020204" pitchFamily="34" charset="0"/>
+              <a:buChar char="•"/>
+            </a:pPr>
+            <a:r>
+              <a:rPr lang="pl-PL" sz="1800" dirty="0"/>
+              <a:t>Open-</a:t>
+            </a:r>
+            <a:r>
+              <a:rPr lang="pl-PL" sz="1800" dirty="0" err="1"/>
+              <a:t>source</a:t>
+            </a:r>
+            <a:r>
+              <a:rPr lang="pl-PL" sz="1800" dirty="0"/>
+              <a:t> i dobrze udokumentowany</a:t>
+            </a:r>
+          </a:p>
+          <a:p>
+            <a:pPr algn="just"/>
+            <a:endParaRPr lang="pl-PL" sz="1800" dirty="0"/>
+          </a:p>
+          <a:p>
+            <a:pPr algn="just"/>
+            <a:endParaRPr lang="pl-PL" sz="1800" dirty="0"/>
+          </a:p>
+        </p:txBody>
+      </p:sp>
+      <p:sp>
+        <p:nvSpPr>
+          <p:cNvPr id="3" name="Symbol zastępczy numeru slajdu 2">
+            <a:extLst>
+              <a:ext uri="{FF2B5EF4-FFF2-40B4-BE49-F238E27FC236}">
+                <a16:creationId xmlns:a16="http://schemas.microsoft.com/office/drawing/2014/main" id="{2B17B78A-9D5F-B4F2-D091-4BD3B8747219}"/>
+              </a:ext>
+            </a:extLst>
+          </p:cNvPr>
+          <p:cNvSpPr>
+            <a:spLocks noGrp="1"/>
+          </p:cNvSpPr>
+          <p:nvPr>
+            <p:ph type="sldNum" sz="quarter" idx="11"/>
+          </p:nvPr>
+        </p:nvSpPr>
+        <p:spPr/>
+        <p:txBody>
+          <a:bodyPr/>
+          <a:lstStyle/>
+          <a:p>
+            <a:pPr marL="12700">
+              <a:lnSpc>
+                <a:spcPts val="1925"/>
+              </a:lnSpc>
+            </a:pPr>
+            <a:r>
+              <a:rPr lang="pl-PL" dirty="0" err="1"/>
+              <a:t>Page</a:t>
+            </a:r>
+            <a:r>
+              <a:rPr lang="pl-PL" dirty="0"/>
+              <a:t> </a:t>
+            </a:r>
+            <a:fld id="{B6F15528-21DE-4FAA-801E-634DDDAF4B2B}" type="slidenum">
+              <a:rPr smtClean="0"/>
+              <a:pPr marL="12700">
+                <a:lnSpc>
+                  <a:spcPts val="1925"/>
+                </a:lnSpc>
+              </a:pPr>
+              <a:t>25</a:t>
+            </a:fld>
+            <a:endParaRPr dirty="0"/>
+          </a:p>
+        </p:txBody>
+      </p:sp>
+      <p:sp>
+        <p:nvSpPr>
+          <p:cNvPr id="4" name="Tytuł 3">
+            <a:extLst>
+              <a:ext uri="{FF2B5EF4-FFF2-40B4-BE49-F238E27FC236}">
+                <a16:creationId xmlns:a16="http://schemas.microsoft.com/office/drawing/2014/main" id="{5B12E83F-9D80-A93E-BFEB-D58F704EB28C}"/>
+              </a:ext>
+            </a:extLst>
+          </p:cNvPr>
+          <p:cNvSpPr>
+            <a:spLocks noGrp="1"/>
+          </p:cNvSpPr>
+          <p:nvPr>
+            <p:ph type="title"/>
+          </p:nvPr>
+        </p:nvSpPr>
+        <p:spPr>
+          <a:xfrm>
+            <a:off x="867410" y="412304"/>
+            <a:ext cx="4566330" cy="720080"/>
+          </a:xfrm>
+        </p:spPr>
+        <p:txBody>
+          <a:bodyPr/>
+          <a:lstStyle/>
+          <a:p>
+            <a:r>
+              <a:rPr lang="pl-PL" dirty="0"/>
+              <a:t>Propozycja MODELI </a:t>
+            </a:r>
+          </a:p>
+        </p:txBody>
+      </p:sp>
+      <p:cxnSp>
+        <p:nvCxnSpPr>
+          <p:cNvPr id="5" name="Straight Connector 3">
+            <a:extLst>
+              <a:ext uri="{FF2B5EF4-FFF2-40B4-BE49-F238E27FC236}">
+                <a16:creationId xmlns:a16="http://schemas.microsoft.com/office/drawing/2014/main" id="{6DF7FEAB-84D2-4FF5-5E4E-9F1618B1304B}"/>
+              </a:ext>
+            </a:extLst>
+          </p:cNvPr>
+          <p:cNvCxnSpPr>
+            <a:cxnSpLocks/>
+          </p:cNvCxnSpPr>
+          <p:nvPr/>
+        </p:nvCxnSpPr>
+        <p:spPr>
+          <a:xfrm flipH="1">
+            <a:off x="0" y="700336"/>
+            <a:ext cx="656194" cy="0"/>
+          </a:xfrm>
+          <a:prstGeom prst="line">
+            <a:avLst/>
+          </a:prstGeom>
+          <a:ln w="76200">
+            <a:solidFill>
+              <a:srgbClr val="C00000"/>
+            </a:solidFill>
+          </a:ln>
+        </p:spPr>
+        <p:style>
+          <a:lnRef idx="1">
+            <a:schemeClr val="accent1"/>
+          </a:lnRef>
+          <a:fillRef idx="0">
+            <a:schemeClr val="accent1"/>
+          </a:fillRef>
+          <a:effectRef idx="0">
+            <a:schemeClr val="accent1"/>
+          </a:effectRef>
+          <a:fontRef idx="minor">
+            <a:schemeClr val="tx1"/>
+          </a:fontRef>
+        </p:style>
+      </p:cxnSp>
+      <p:sp>
+        <p:nvSpPr>
+          <p:cNvPr id="6" name="Tytuł 3">
+            <a:extLst>
+              <a:ext uri="{FF2B5EF4-FFF2-40B4-BE49-F238E27FC236}">
+                <a16:creationId xmlns:a16="http://schemas.microsoft.com/office/drawing/2014/main" id="{99FED98E-0089-3BA7-919B-570A2EDBDD0A}"/>
+              </a:ext>
+            </a:extLst>
+          </p:cNvPr>
+          <p:cNvSpPr txBox="1">
+            <a:spLocks/>
+          </p:cNvSpPr>
+          <p:nvPr/>
+        </p:nvSpPr>
+        <p:spPr>
+          <a:xfrm>
+            <a:off x="10186268" y="2061764"/>
+            <a:ext cx="5624080" cy="650760"/>
+          </a:xfrm>
+          <a:prstGeom prst="rect">
+            <a:avLst/>
+          </a:prstGeom>
+          <a:ln w="38100">
+            <a:solidFill>
+              <a:srgbClr val="C00000"/>
+            </a:solidFill>
+          </a:ln>
+        </p:spPr>
+        <p:txBody>
+          <a:bodyPr wrap="square" lIns="0" tIns="0" rIns="0" bIns="0" anchor="ctr">
+            <a:noAutofit/>
+          </a:bodyPr>
+          <a:lstStyle>
+            <a:lvl1pPr eaLnBrk="1" hangingPunct="1">
+              <a:defRPr sz="3600" b="1">
+                <a:latin typeface="Good Headline Pro"/>
+                <a:ea typeface="+mj-ea"/>
+                <a:cs typeface="+mj-cs"/>
+              </a:defRPr>
+            </a:lvl1pPr>
+          </a:lstStyle>
+          <a:p>
+            <a:pPr algn="ctr"/>
+            <a:r>
+              <a:rPr lang="pl-PL" kern="0" dirty="0">
+                <a:solidFill>
+                  <a:sysClr val="windowText" lastClr="000000"/>
+                </a:solidFill>
+              </a:rPr>
+              <a:t>Nomic-embed-text-v2-moe</a:t>
+            </a:r>
+          </a:p>
+        </p:txBody>
+      </p:sp>
+      <p:sp>
+        <p:nvSpPr>
+          <p:cNvPr id="7" name="Symbol zastępczy tekstu 1">
+            <a:extLst>
+              <a:ext uri="{FF2B5EF4-FFF2-40B4-BE49-F238E27FC236}">
+                <a16:creationId xmlns:a16="http://schemas.microsoft.com/office/drawing/2014/main" id="{D4686609-003C-D29E-B60E-E01634095E03}"/>
+              </a:ext>
+            </a:extLst>
+          </p:cNvPr>
+          <p:cNvSpPr txBox="1">
+            <a:spLocks/>
+          </p:cNvSpPr>
+          <p:nvPr/>
+        </p:nvSpPr>
+        <p:spPr>
+          <a:xfrm>
+            <a:off x="867410" y="1054083"/>
+            <a:ext cx="6582554" cy="691282"/>
+          </a:xfrm>
+          <a:prstGeom prst="rect">
+            <a:avLst/>
+          </a:prstGeom>
+        </p:spPr>
+        <p:txBody>
+          <a:bodyPr wrap="square" lIns="0" tIns="0" rIns="0" bIns="0">
+            <a:noAutofit/>
+          </a:bodyPr>
+          <a:lstStyle>
+            <a:lvl1pPr marL="0" eaLnBrk="1" hangingPunct="1">
+              <a:defRPr sz="2400">
+                <a:latin typeface="Arial" panose="020B0604020202020204" pitchFamily="34" charset="0"/>
+                <a:ea typeface="+mn-ea"/>
+                <a:cs typeface="Arial" panose="020B0604020202020204" pitchFamily="34" charset="0"/>
+              </a:defRPr>
+            </a:lvl1pPr>
+            <a:lvl2pPr marL="457200" eaLnBrk="1" hangingPunct="1">
+              <a:defRPr>
+                <a:latin typeface="+mn-lt"/>
+                <a:ea typeface="+mn-ea"/>
+                <a:cs typeface="+mn-cs"/>
+              </a:defRPr>
+            </a:lvl2pPr>
+            <a:lvl3pPr marL="914400" eaLnBrk="1" hangingPunct="1">
+              <a:defRPr>
+                <a:latin typeface="+mn-lt"/>
+                <a:ea typeface="+mn-ea"/>
+                <a:cs typeface="+mn-cs"/>
+              </a:defRPr>
+            </a:lvl3pPr>
+            <a:lvl4pPr marL="1371600" eaLnBrk="1" hangingPunct="1">
+              <a:defRPr>
+                <a:latin typeface="+mn-lt"/>
+                <a:ea typeface="+mn-ea"/>
+                <a:cs typeface="+mn-cs"/>
+              </a:defRPr>
+            </a:lvl4pPr>
+            <a:lvl5pPr marL="1828800" eaLnBrk="1" hangingPunct="1">
+              <a:defRPr>
+                <a:latin typeface="+mn-lt"/>
+                <a:ea typeface="+mn-ea"/>
+                <a:cs typeface="+mn-cs"/>
+              </a:defRPr>
+            </a:lvl5pPr>
+            <a:lvl6pPr marL="2286000" eaLnBrk="1" hangingPunct="1">
+              <a:defRPr>
+                <a:latin typeface="+mn-lt"/>
+                <a:ea typeface="+mn-ea"/>
+                <a:cs typeface="+mn-cs"/>
+              </a:defRPr>
+            </a:lvl6pPr>
+            <a:lvl7pPr marL="2743200" eaLnBrk="1" hangingPunct="1">
+              <a:defRPr>
+                <a:latin typeface="+mn-lt"/>
+                <a:ea typeface="+mn-ea"/>
+                <a:cs typeface="+mn-cs"/>
+              </a:defRPr>
+            </a:lvl7pPr>
+            <a:lvl8pPr marL="3200400" eaLnBrk="1" hangingPunct="1">
+              <a:defRPr>
+                <a:latin typeface="+mn-lt"/>
+                <a:ea typeface="+mn-ea"/>
+                <a:cs typeface="+mn-cs"/>
+              </a:defRPr>
+            </a:lvl8pPr>
+            <a:lvl9pPr marL="3657600" eaLnBrk="1" hangingPunct="1">
+              <a:defRPr>
+                <a:latin typeface="+mn-lt"/>
+                <a:ea typeface="+mn-ea"/>
+                <a:cs typeface="+mn-cs"/>
+              </a:defRPr>
+            </a:lvl9pPr>
+          </a:lstStyle>
+          <a:p>
+            <a:r>
+              <a:rPr lang="pl-PL" sz="3600" kern="0" dirty="0">
+                <a:solidFill>
+                  <a:sysClr val="windowText" lastClr="000000"/>
+                </a:solidFill>
+                <a:latin typeface="Agency FB" panose="020B0503020202020204" pitchFamily="34" charset="0"/>
+              </a:rPr>
+              <a:t>Modele do EMBEDDINGU</a:t>
+            </a:r>
+          </a:p>
+        </p:txBody>
+      </p:sp>
+      <p:sp>
+        <p:nvSpPr>
+          <p:cNvPr id="9" name="Symbol zastępczy tekstu 1">
+            <a:extLst>
+              <a:ext uri="{FF2B5EF4-FFF2-40B4-BE49-F238E27FC236}">
+                <a16:creationId xmlns:a16="http://schemas.microsoft.com/office/drawing/2014/main" id="{FB20B5DC-D668-230E-4654-9D1C28CC24B5}"/>
+              </a:ext>
+            </a:extLst>
+          </p:cNvPr>
+          <p:cNvSpPr txBox="1">
+            <a:spLocks/>
+          </p:cNvSpPr>
+          <p:nvPr/>
+        </p:nvSpPr>
+        <p:spPr>
+          <a:xfrm>
+            <a:off x="9754220" y="8535381"/>
+            <a:ext cx="6199381" cy="650760"/>
+          </a:xfrm>
+          <a:prstGeom prst="rect">
+            <a:avLst/>
+          </a:prstGeom>
+        </p:spPr>
+        <p:txBody>
+          <a:bodyPr wrap="square" lIns="0" tIns="0" rIns="0" bIns="0">
+            <a:noAutofit/>
+          </a:bodyPr>
+          <a:lstStyle>
+            <a:lvl1pPr marL="0" eaLnBrk="1" hangingPunct="1">
+              <a:defRPr sz="2400">
+                <a:latin typeface="Arial" panose="020B0604020202020204" pitchFamily="34" charset="0"/>
+                <a:ea typeface="+mn-ea"/>
+                <a:cs typeface="Arial" panose="020B0604020202020204" pitchFamily="34" charset="0"/>
+              </a:defRPr>
+            </a:lvl1pPr>
+            <a:lvl2pPr marL="457200" eaLnBrk="1" hangingPunct="1">
+              <a:defRPr>
+                <a:latin typeface="+mn-lt"/>
+                <a:ea typeface="+mn-ea"/>
+                <a:cs typeface="+mn-cs"/>
+              </a:defRPr>
+            </a:lvl2pPr>
+            <a:lvl3pPr marL="914400" eaLnBrk="1" hangingPunct="1">
+              <a:defRPr>
+                <a:latin typeface="+mn-lt"/>
+                <a:ea typeface="+mn-ea"/>
+                <a:cs typeface="+mn-cs"/>
+              </a:defRPr>
+            </a:lvl3pPr>
+            <a:lvl4pPr marL="1371600" eaLnBrk="1" hangingPunct="1">
+              <a:defRPr>
+                <a:latin typeface="+mn-lt"/>
+                <a:ea typeface="+mn-ea"/>
+                <a:cs typeface="+mn-cs"/>
+              </a:defRPr>
+            </a:lvl4pPr>
+            <a:lvl5pPr marL="1828800" eaLnBrk="1" hangingPunct="1">
+              <a:defRPr>
+                <a:latin typeface="+mn-lt"/>
+                <a:ea typeface="+mn-ea"/>
+                <a:cs typeface="+mn-cs"/>
+              </a:defRPr>
+            </a:lvl5pPr>
+            <a:lvl6pPr marL="2286000" eaLnBrk="1" hangingPunct="1">
+              <a:defRPr>
+                <a:latin typeface="+mn-lt"/>
+                <a:ea typeface="+mn-ea"/>
+                <a:cs typeface="+mn-cs"/>
+              </a:defRPr>
+            </a:lvl6pPr>
+            <a:lvl7pPr marL="2743200" eaLnBrk="1" hangingPunct="1">
+              <a:defRPr>
+                <a:latin typeface="+mn-lt"/>
+                <a:ea typeface="+mn-ea"/>
+                <a:cs typeface="+mn-cs"/>
+              </a:defRPr>
+            </a:lvl7pPr>
+            <a:lvl8pPr marL="3200400" eaLnBrk="1" hangingPunct="1">
+              <a:defRPr>
+                <a:latin typeface="+mn-lt"/>
+                <a:ea typeface="+mn-ea"/>
+                <a:cs typeface="+mn-cs"/>
+              </a:defRPr>
+            </a:lvl8pPr>
+            <a:lvl9pPr marL="3657600" eaLnBrk="1" hangingPunct="1">
+              <a:defRPr>
+                <a:latin typeface="+mn-lt"/>
+                <a:ea typeface="+mn-ea"/>
+                <a:cs typeface="+mn-cs"/>
+              </a:defRPr>
+            </a:lvl9pPr>
+          </a:lstStyle>
+          <a:p>
+            <a:pPr algn="just"/>
+            <a:r>
+              <a:rPr lang="pl-PL" sz="1400" kern="0" dirty="0">
+                <a:solidFill>
+                  <a:sysClr val="windowText" lastClr="000000"/>
+                </a:solidFill>
+                <a:hlinkClick r:id="rId2"/>
+              </a:rPr>
+              <a:t>https://ollama.com/library/nomic-embed-text-v2-moe</a:t>
+            </a:r>
+            <a:endParaRPr lang="pl-PL" sz="1400" kern="0" dirty="0">
+              <a:solidFill>
+                <a:sysClr val="windowText" lastClr="000000"/>
+              </a:solidFill>
+            </a:endParaRPr>
+          </a:p>
+        </p:txBody>
+      </p:sp>
+      <p:sp>
+        <p:nvSpPr>
+          <p:cNvPr id="8" name="Tytuł 3">
+            <a:extLst>
+              <a:ext uri="{FF2B5EF4-FFF2-40B4-BE49-F238E27FC236}">
+                <a16:creationId xmlns:a16="http://schemas.microsoft.com/office/drawing/2014/main" id="{A6D4F7BA-A211-E7B8-FDFE-C0FBE1ACF24B}"/>
+              </a:ext>
+            </a:extLst>
+          </p:cNvPr>
+          <p:cNvSpPr txBox="1">
+            <a:spLocks/>
+          </p:cNvSpPr>
+          <p:nvPr/>
+        </p:nvSpPr>
+        <p:spPr>
+          <a:xfrm>
+            <a:off x="1269880" y="2061764"/>
+            <a:ext cx="5110877" cy="650760"/>
+          </a:xfrm>
+          <a:prstGeom prst="rect">
+            <a:avLst/>
+          </a:prstGeom>
+          <a:ln w="38100">
+            <a:solidFill>
+              <a:srgbClr val="C00000"/>
+            </a:solidFill>
+          </a:ln>
+        </p:spPr>
+        <p:txBody>
+          <a:bodyPr wrap="square" lIns="0" tIns="0" rIns="0" bIns="0" anchor="ctr">
+            <a:noAutofit/>
+          </a:bodyPr>
+          <a:lstStyle>
+            <a:lvl1pPr eaLnBrk="1" hangingPunct="1">
+              <a:defRPr sz="3600" b="1">
+                <a:latin typeface="Good Headline Pro"/>
+                <a:ea typeface="+mj-ea"/>
+                <a:cs typeface="+mj-cs"/>
+              </a:defRPr>
+            </a:lvl1pPr>
+          </a:lstStyle>
+          <a:p>
+            <a:pPr algn="ctr"/>
+            <a:r>
+              <a:rPr lang="pl-PL" kern="0" dirty="0">
+                <a:solidFill>
+                  <a:sysClr val="windowText" lastClr="000000"/>
+                </a:solidFill>
+              </a:rPr>
+              <a:t>Nomic-embed-text-v1.5</a:t>
+            </a:r>
+          </a:p>
+        </p:txBody>
+      </p:sp>
+      <p:sp>
+        <p:nvSpPr>
+          <p:cNvPr id="10" name="Symbol zastępczy tekstu 1">
+            <a:extLst>
+              <a:ext uri="{FF2B5EF4-FFF2-40B4-BE49-F238E27FC236}">
+                <a16:creationId xmlns:a16="http://schemas.microsoft.com/office/drawing/2014/main" id="{33C134E4-27B0-B9C8-1DCF-1EE1915D796B}"/>
+              </a:ext>
+            </a:extLst>
+          </p:cNvPr>
+          <p:cNvSpPr txBox="1">
+            <a:spLocks/>
+          </p:cNvSpPr>
+          <p:nvPr/>
+        </p:nvSpPr>
+        <p:spPr>
+          <a:xfrm>
+            <a:off x="9754220" y="3100526"/>
+            <a:ext cx="6415405" cy="5046854"/>
+          </a:xfrm>
+          <a:prstGeom prst="rect">
+            <a:avLst/>
+          </a:prstGeom>
+        </p:spPr>
+        <p:txBody>
+          <a:bodyPr wrap="square" lIns="0" tIns="0" rIns="0" bIns="0">
+            <a:noAutofit/>
+          </a:bodyPr>
+          <a:lstStyle>
+            <a:lvl1pPr marL="0" eaLnBrk="1" hangingPunct="1">
+              <a:defRPr sz="2400">
+                <a:latin typeface="Arial" panose="020B0604020202020204" pitchFamily="34" charset="0"/>
+                <a:ea typeface="+mn-ea"/>
+                <a:cs typeface="Arial" panose="020B0604020202020204" pitchFamily="34" charset="0"/>
+              </a:defRPr>
+            </a:lvl1pPr>
+            <a:lvl2pPr marL="457200" eaLnBrk="1" hangingPunct="1">
+              <a:defRPr>
+                <a:latin typeface="+mn-lt"/>
+                <a:ea typeface="+mn-ea"/>
+                <a:cs typeface="+mn-cs"/>
+              </a:defRPr>
+            </a:lvl2pPr>
+            <a:lvl3pPr marL="914400" eaLnBrk="1" hangingPunct="1">
+              <a:defRPr>
+                <a:latin typeface="+mn-lt"/>
+                <a:ea typeface="+mn-ea"/>
+                <a:cs typeface="+mn-cs"/>
+              </a:defRPr>
+            </a:lvl3pPr>
+            <a:lvl4pPr marL="1371600" eaLnBrk="1" hangingPunct="1">
+              <a:defRPr>
+                <a:latin typeface="+mn-lt"/>
+                <a:ea typeface="+mn-ea"/>
+                <a:cs typeface="+mn-cs"/>
+              </a:defRPr>
+            </a:lvl4pPr>
+            <a:lvl5pPr marL="1828800" eaLnBrk="1" hangingPunct="1">
+              <a:defRPr>
+                <a:latin typeface="+mn-lt"/>
+                <a:ea typeface="+mn-ea"/>
+                <a:cs typeface="+mn-cs"/>
+              </a:defRPr>
+            </a:lvl5pPr>
+            <a:lvl6pPr marL="2286000" eaLnBrk="1" hangingPunct="1">
+              <a:defRPr>
+                <a:latin typeface="+mn-lt"/>
+                <a:ea typeface="+mn-ea"/>
+                <a:cs typeface="+mn-cs"/>
+              </a:defRPr>
+            </a:lvl6pPr>
+            <a:lvl7pPr marL="2743200" eaLnBrk="1" hangingPunct="1">
+              <a:defRPr>
+                <a:latin typeface="+mn-lt"/>
+                <a:ea typeface="+mn-ea"/>
+                <a:cs typeface="+mn-cs"/>
+              </a:defRPr>
+            </a:lvl7pPr>
+            <a:lvl8pPr marL="3200400" eaLnBrk="1" hangingPunct="1">
+              <a:defRPr>
+                <a:latin typeface="+mn-lt"/>
+                <a:ea typeface="+mn-ea"/>
+                <a:cs typeface="+mn-cs"/>
+              </a:defRPr>
+            </a:lvl8pPr>
+            <a:lvl9pPr marL="3657600" eaLnBrk="1" hangingPunct="1">
+              <a:defRPr>
+                <a:latin typeface="+mn-lt"/>
+                <a:ea typeface="+mn-ea"/>
+                <a:cs typeface="+mn-cs"/>
+              </a:defRPr>
+            </a:lvl9pPr>
+          </a:lstStyle>
+          <a:p>
+            <a:pPr algn="just"/>
+            <a:r>
+              <a:rPr lang="pl-PL" sz="1800" b="1" kern="0" dirty="0">
+                <a:solidFill>
+                  <a:sysClr val="windowText" lastClr="000000"/>
+                </a:solidFill>
+              </a:rPr>
+              <a:t>Rozmiar</a:t>
+            </a:r>
+            <a:r>
+              <a:rPr lang="pl-PL" sz="1800" kern="0" dirty="0">
+                <a:solidFill>
+                  <a:sysClr val="windowText" lastClr="000000"/>
+                </a:solidFill>
+              </a:rPr>
+              <a:t>: 958 MB,</a:t>
+            </a:r>
+          </a:p>
+          <a:p>
+            <a:pPr algn="just"/>
+            <a:r>
+              <a:rPr lang="pl-PL" sz="1800" b="1" kern="0" dirty="0">
+                <a:solidFill>
+                  <a:sysClr val="windowText" lastClr="000000"/>
+                </a:solidFill>
+              </a:rPr>
+              <a:t>Kontekst</a:t>
+            </a:r>
+            <a:r>
+              <a:rPr lang="pl-PL" sz="1800" kern="0" dirty="0">
+                <a:solidFill>
+                  <a:sysClr val="windowText" lastClr="000000"/>
+                </a:solidFill>
+              </a:rPr>
+              <a:t>: 512</a:t>
+            </a:r>
+          </a:p>
+          <a:p>
+            <a:pPr algn="just"/>
+            <a:r>
+              <a:rPr lang="pl-PL" sz="1800" b="1" kern="0" dirty="0">
+                <a:solidFill>
+                  <a:sysClr val="windowText" lastClr="000000"/>
+                </a:solidFill>
+              </a:rPr>
+              <a:t>Licencja</a:t>
+            </a:r>
+            <a:r>
+              <a:rPr lang="pl-PL" sz="1800" kern="0" dirty="0">
+                <a:solidFill>
+                  <a:sysClr val="windowText" lastClr="000000"/>
+                </a:solidFill>
+              </a:rPr>
+              <a:t>: Licencja Apache 2.0</a:t>
+            </a:r>
+          </a:p>
+          <a:p>
+            <a:pPr algn="just"/>
+            <a:endParaRPr lang="pl-PL" sz="1800" kern="0" dirty="0">
+              <a:solidFill>
+                <a:sysClr val="windowText" lastClr="000000"/>
+              </a:solidFill>
+            </a:endParaRPr>
+          </a:p>
+          <a:p>
+            <a:pPr lvl="0" eaLnBrk="0" fontAlgn="base" hangingPunct="0">
+              <a:spcBef>
+                <a:spcPct val="0"/>
+              </a:spcBef>
+              <a:spcAft>
+                <a:spcPct val="0"/>
+              </a:spcAft>
+            </a:pPr>
+            <a:r>
+              <a:rPr lang="pl-PL" altLang="pl-PL" sz="1800" dirty="0"/>
+              <a:t>Nowszy model </a:t>
+            </a:r>
+            <a:r>
+              <a:rPr lang="pl-PL" altLang="pl-PL" sz="1800" dirty="0" err="1"/>
+              <a:t>embeddingowy</a:t>
+            </a:r>
+            <a:r>
+              <a:rPr lang="pl-PL" altLang="pl-PL" sz="1800" dirty="0"/>
+              <a:t> z architekturą </a:t>
+            </a:r>
+            <a:r>
+              <a:rPr lang="pl-PL" altLang="pl-PL" sz="1800" dirty="0" err="1"/>
+              <a:t>Mixture</a:t>
+            </a:r>
+            <a:r>
+              <a:rPr lang="pl-PL" altLang="pl-PL" sz="1800" dirty="0"/>
+              <a:t> of </a:t>
+            </a:r>
+            <a:r>
+              <a:rPr lang="pl-PL" altLang="pl-PL" sz="1800" dirty="0" err="1"/>
+              <a:t>Experts</a:t>
+            </a:r>
+            <a:r>
+              <a:rPr lang="pl-PL" altLang="pl-PL" sz="1800" dirty="0"/>
+              <a:t> (</a:t>
+            </a:r>
+            <a:r>
+              <a:rPr lang="pl-PL" altLang="pl-PL" sz="1800" dirty="0" err="1"/>
+              <a:t>MoE</a:t>
+            </a:r>
+            <a:r>
+              <a:rPr lang="pl-PL" altLang="pl-PL" sz="1800" dirty="0"/>
+              <a:t>) - model ma kilka “ekspertów”, które są wybierane dynamicznie by lepiej przetwarzać różnorodną semantykę. Trenowany na danych z wielu języków (ok. 100+) i dobrze sprawdza się w zadaniach wielojęzycznych.</a:t>
+            </a:r>
+          </a:p>
+          <a:p>
+            <a:pPr lvl="0" eaLnBrk="0" fontAlgn="base" hangingPunct="0">
+              <a:spcBef>
+                <a:spcPct val="0"/>
+              </a:spcBef>
+              <a:spcAft>
+                <a:spcPct val="0"/>
+              </a:spcAft>
+            </a:pPr>
+            <a:endParaRPr lang="pl-PL" sz="1800" kern="0" dirty="0">
+              <a:solidFill>
+                <a:sysClr val="windowText" lastClr="000000"/>
+              </a:solidFill>
+            </a:endParaRPr>
+          </a:p>
+          <a:p>
+            <a:pPr lvl="0" eaLnBrk="0" fontAlgn="base" hangingPunct="0">
+              <a:spcBef>
+                <a:spcPct val="0"/>
+              </a:spcBef>
+              <a:spcAft>
+                <a:spcPct val="0"/>
+              </a:spcAft>
+            </a:pPr>
+            <a:endParaRPr lang="pl-PL" sz="1800" kern="0" dirty="0">
+              <a:solidFill>
+                <a:sysClr val="windowText" lastClr="000000"/>
+              </a:solidFill>
+            </a:endParaRPr>
+          </a:p>
+          <a:p>
+            <a:pPr marL="285750" indent="-285750" algn="just">
+              <a:buFont typeface="Arial" panose="020B0604020202020204" pitchFamily="34" charset="0"/>
+              <a:buChar char="•"/>
+            </a:pPr>
+            <a:r>
+              <a:rPr lang="pl-PL" sz="1800" dirty="0"/>
+              <a:t>Lepsze wyniki w zadaniach </a:t>
+            </a:r>
+            <a:r>
+              <a:rPr lang="pl-PL" sz="1800" dirty="0" err="1"/>
+              <a:t>multilingual</a:t>
+            </a:r>
+            <a:r>
+              <a:rPr lang="pl-PL" sz="1800" dirty="0"/>
+              <a:t> i trudniejszych semantycznie </a:t>
+            </a:r>
+          </a:p>
+          <a:p>
+            <a:pPr marL="285750" indent="-285750" algn="just">
+              <a:buFont typeface="Arial" panose="020B0604020202020204" pitchFamily="34" charset="0"/>
+              <a:buChar char="•"/>
+            </a:pPr>
+            <a:r>
+              <a:rPr lang="pl-PL" sz="1800" dirty="0"/>
+              <a:t>Architektura </a:t>
+            </a:r>
+            <a:r>
+              <a:rPr lang="pl-PL" sz="1800" dirty="0" err="1"/>
+              <a:t>MoE</a:t>
+            </a:r>
+            <a:r>
+              <a:rPr lang="pl-PL" sz="1800" dirty="0"/>
+              <a:t> może być bardziej efektywna przy dużych zbiorach </a:t>
+            </a:r>
+          </a:p>
+          <a:p>
+            <a:pPr marL="285750" indent="-285750" algn="just">
+              <a:buFont typeface="Arial" panose="020B0604020202020204" pitchFamily="34" charset="0"/>
+              <a:buChar char="•"/>
+            </a:pPr>
+            <a:r>
+              <a:rPr lang="pl-PL" sz="1800" kern="0" dirty="0">
+                <a:solidFill>
+                  <a:sysClr val="windowText" lastClr="000000"/>
+                </a:solidFill>
+              </a:rPr>
+              <a:t>Można używać lokalnie</a:t>
+            </a:r>
+          </a:p>
+          <a:p>
+            <a:pPr algn="just"/>
+            <a:endParaRPr lang="pl-PL" sz="1800" kern="0" dirty="0">
+              <a:solidFill>
+                <a:sysClr val="windowText" lastClr="000000"/>
+              </a:solidFill>
+            </a:endParaRPr>
+          </a:p>
+          <a:p>
+            <a:pPr algn="just"/>
+            <a:endParaRPr lang="pl-PL" sz="1800" kern="0" dirty="0">
+              <a:solidFill>
+                <a:sysClr val="windowText" lastClr="000000"/>
+              </a:solidFill>
+            </a:endParaRPr>
+          </a:p>
+        </p:txBody>
+      </p:sp>
+      <p:sp>
+        <p:nvSpPr>
+          <p:cNvPr id="14" name="Symbol zastępczy tekstu 1">
+            <a:extLst>
+              <a:ext uri="{FF2B5EF4-FFF2-40B4-BE49-F238E27FC236}">
+                <a16:creationId xmlns:a16="http://schemas.microsoft.com/office/drawing/2014/main" id="{1D5B9738-EB56-6DBE-375C-4903AD4AF556}"/>
+              </a:ext>
+            </a:extLst>
+          </p:cNvPr>
+          <p:cNvSpPr txBox="1">
+            <a:spLocks/>
+          </p:cNvSpPr>
+          <p:nvPr/>
+        </p:nvSpPr>
+        <p:spPr>
+          <a:xfrm>
+            <a:off x="1004198" y="8535381"/>
+            <a:ext cx="6199381" cy="650760"/>
+          </a:xfrm>
+          <a:prstGeom prst="rect">
+            <a:avLst/>
+          </a:prstGeom>
+        </p:spPr>
+        <p:txBody>
+          <a:bodyPr wrap="square" lIns="0" tIns="0" rIns="0" bIns="0">
+            <a:noAutofit/>
+          </a:bodyPr>
+          <a:lstStyle>
+            <a:lvl1pPr marL="0" eaLnBrk="1" hangingPunct="1">
+              <a:defRPr sz="2400">
+                <a:latin typeface="Arial" panose="020B0604020202020204" pitchFamily="34" charset="0"/>
+                <a:ea typeface="+mn-ea"/>
+                <a:cs typeface="Arial" panose="020B0604020202020204" pitchFamily="34" charset="0"/>
+              </a:defRPr>
+            </a:lvl1pPr>
+            <a:lvl2pPr marL="457200" eaLnBrk="1" hangingPunct="1">
+              <a:defRPr>
+                <a:latin typeface="+mn-lt"/>
+                <a:ea typeface="+mn-ea"/>
+                <a:cs typeface="+mn-cs"/>
+              </a:defRPr>
+            </a:lvl2pPr>
+            <a:lvl3pPr marL="914400" eaLnBrk="1" hangingPunct="1">
+              <a:defRPr>
+                <a:latin typeface="+mn-lt"/>
+                <a:ea typeface="+mn-ea"/>
+                <a:cs typeface="+mn-cs"/>
+              </a:defRPr>
+            </a:lvl3pPr>
+            <a:lvl4pPr marL="1371600" eaLnBrk="1" hangingPunct="1">
+              <a:defRPr>
+                <a:latin typeface="+mn-lt"/>
+                <a:ea typeface="+mn-ea"/>
+                <a:cs typeface="+mn-cs"/>
+              </a:defRPr>
+            </a:lvl4pPr>
+            <a:lvl5pPr marL="1828800" eaLnBrk="1" hangingPunct="1">
+              <a:defRPr>
+                <a:latin typeface="+mn-lt"/>
+                <a:ea typeface="+mn-ea"/>
+                <a:cs typeface="+mn-cs"/>
+              </a:defRPr>
+            </a:lvl5pPr>
+            <a:lvl6pPr marL="2286000" eaLnBrk="1" hangingPunct="1">
+              <a:defRPr>
+                <a:latin typeface="+mn-lt"/>
+                <a:ea typeface="+mn-ea"/>
+                <a:cs typeface="+mn-cs"/>
+              </a:defRPr>
+            </a:lvl6pPr>
+            <a:lvl7pPr marL="2743200" eaLnBrk="1" hangingPunct="1">
+              <a:defRPr>
+                <a:latin typeface="+mn-lt"/>
+                <a:ea typeface="+mn-ea"/>
+                <a:cs typeface="+mn-cs"/>
+              </a:defRPr>
+            </a:lvl7pPr>
+            <a:lvl8pPr marL="3200400" eaLnBrk="1" hangingPunct="1">
+              <a:defRPr>
+                <a:latin typeface="+mn-lt"/>
+                <a:ea typeface="+mn-ea"/>
+                <a:cs typeface="+mn-cs"/>
+              </a:defRPr>
+            </a:lvl8pPr>
+            <a:lvl9pPr marL="3657600" eaLnBrk="1" hangingPunct="1">
+              <a:defRPr>
+                <a:latin typeface="+mn-lt"/>
+                <a:ea typeface="+mn-ea"/>
+                <a:cs typeface="+mn-cs"/>
+              </a:defRPr>
+            </a:lvl9pPr>
+          </a:lstStyle>
+          <a:p>
+            <a:pPr algn="just"/>
+            <a:r>
+              <a:rPr lang="pl-PL" sz="1400" kern="0" dirty="0">
+                <a:solidFill>
+                  <a:sysClr val="windowText" lastClr="000000"/>
+                </a:solidFill>
+                <a:hlinkClick r:id="rId3"/>
+              </a:rPr>
+              <a:t>https://ollama.com/library/nomic-embed-text</a:t>
+            </a:r>
+            <a:endParaRPr lang="pl-PL" sz="1400" kern="0" dirty="0">
+              <a:solidFill>
+                <a:sysClr val="windowText" lastClr="000000"/>
+              </a:solidFill>
+            </a:endParaRPr>
+          </a:p>
+        </p:txBody>
+      </p:sp>
+    </p:spTree>
+    <p:extLst>
+      <p:ext uri="{BB962C8B-B14F-4D97-AF65-F5344CB8AC3E}">
+        <p14:creationId xmlns:p14="http://schemas.microsoft.com/office/powerpoint/2010/main" val="646480383"/>
+      </p:ext>
+    </p:extLst>
+  </p:cSld>
+  <p:clrMapOvr>
+    <a:masterClrMapping/>
+  </p:clrMapOvr>
+</p:sld>
+</file>
+
+<file path=ppt/slides/slide26.xml><?xml version="1.0" encoding="utf-8"?>
+<p:sld xmlns:a="http://schemas.openxmlformats.org/drawingml/2006/main" xmlns:r="http://schemas.openxmlformats.org/officeDocument/2006/relationships" xmlns:p="http://schemas.openxmlformats.org/presentationml/2006/main">
+  <p:cSld>
+    <p:spTree>
+      <p:nvGrpSpPr>
+        <p:cNvPr id="1" name="">
+          <a:extLst>
+            <a:ext uri="{FF2B5EF4-FFF2-40B4-BE49-F238E27FC236}">
+              <a16:creationId xmlns:a16="http://schemas.microsoft.com/office/drawing/2014/main" id="{65F4174F-3038-4556-B516-9B6B0BCD2DEA}"/>
+            </a:ext>
+          </a:extLst>
+        </p:cNvPr>
+        <p:cNvGrpSpPr/>
+        <p:nvPr/>
+      </p:nvGrpSpPr>
+      <p:grpSpPr>
+        <a:xfrm>
+          <a:off x="0" y="0"/>
+          <a:ext cx="0" cy="0"/>
+          <a:chOff x="0" y="0"/>
+          <a:chExt cx="0" cy="0"/>
+        </a:xfrm>
+      </p:grpSpPr>
+      <p:sp>
+        <p:nvSpPr>
+          <p:cNvPr id="3" name="Symbol zastępczy numeru slajdu 2">
+            <a:extLst>
+              <a:ext uri="{FF2B5EF4-FFF2-40B4-BE49-F238E27FC236}">
+                <a16:creationId xmlns:a16="http://schemas.microsoft.com/office/drawing/2014/main" id="{BFA2ABB4-7734-1967-6DFD-292622A01DA0}"/>
+              </a:ext>
+            </a:extLst>
+          </p:cNvPr>
+          <p:cNvSpPr>
+            <a:spLocks noGrp="1"/>
+          </p:cNvSpPr>
+          <p:nvPr>
+            <p:ph type="sldNum" sz="quarter" idx="11"/>
+          </p:nvPr>
+        </p:nvSpPr>
+        <p:spPr/>
+        <p:txBody>
+          <a:bodyPr/>
+          <a:lstStyle/>
+          <a:p>
+            <a:pPr marL="12700">
+              <a:lnSpc>
+                <a:spcPts val="1925"/>
+              </a:lnSpc>
+            </a:pPr>
+            <a:r>
+              <a:rPr lang="pl-PL"/>
+              <a:t>Page </a:t>
+            </a:r>
+            <a:fld id="{B6F15528-21DE-4FAA-801E-634DDDAF4B2B}" type="slidenum">
+              <a:rPr smtClean="0"/>
+              <a:pPr marL="12700">
+                <a:lnSpc>
+                  <a:spcPts val="1925"/>
+                </a:lnSpc>
+              </a:pPr>
+              <a:t>26</a:t>
+            </a:fld>
+            <a:endParaRPr dirty="0"/>
+          </a:p>
+        </p:txBody>
+      </p:sp>
+      <p:sp>
+        <p:nvSpPr>
+          <p:cNvPr id="4" name="Tytuł 3">
+            <a:extLst>
+              <a:ext uri="{FF2B5EF4-FFF2-40B4-BE49-F238E27FC236}">
+                <a16:creationId xmlns:a16="http://schemas.microsoft.com/office/drawing/2014/main" id="{29C76CDF-A0CD-BE78-8FC2-95AD873C382D}"/>
+              </a:ext>
+            </a:extLst>
+          </p:cNvPr>
+          <p:cNvSpPr>
+            <a:spLocks noGrp="1"/>
+          </p:cNvSpPr>
+          <p:nvPr>
+            <p:ph type="title"/>
+          </p:nvPr>
+        </p:nvSpPr>
+        <p:spPr>
+          <a:xfrm>
+            <a:off x="867410" y="412304"/>
+            <a:ext cx="4566330" cy="720080"/>
+          </a:xfrm>
+        </p:spPr>
+        <p:txBody>
+          <a:bodyPr/>
+          <a:lstStyle/>
+          <a:p>
+            <a:r>
+              <a:rPr lang="pl-PL" dirty="0"/>
+              <a:t>Propozycja MODELI </a:t>
+            </a:r>
+          </a:p>
+        </p:txBody>
+      </p:sp>
+      <p:cxnSp>
+        <p:nvCxnSpPr>
+          <p:cNvPr id="5" name="Straight Connector 3">
+            <a:extLst>
+              <a:ext uri="{FF2B5EF4-FFF2-40B4-BE49-F238E27FC236}">
+                <a16:creationId xmlns:a16="http://schemas.microsoft.com/office/drawing/2014/main" id="{D26E06ED-93FD-FE1B-B3ED-7CD893EB4530}"/>
+              </a:ext>
+            </a:extLst>
+          </p:cNvPr>
+          <p:cNvCxnSpPr>
+            <a:cxnSpLocks/>
+          </p:cNvCxnSpPr>
+          <p:nvPr/>
+        </p:nvCxnSpPr>
+        <p:spPr>
+          <a:xfrm flipH="1">
+            <a:off x="0" y="700336"/>
+            <a:ext cx="656194" cy="0"/>
+          </a:xfrm>
+          <a:prstGeom prst="line">
+            <a:avLst/>
+          </a:prstGeom>
+          <a:ln w="76200">
+            <a:solidFill>
+              <a:srgbClr val="C00000"/>
+            </a:solidFill>
+          </a:ln>
+        </p:spPr>
+        <p:style>
+          <a:lnRef idx="1">
+            <a:schemeClr val="accent1"/>
+          </a:lnRef>
+          <a:fillRef idx="0">
+            <a:schemeClr val="accent1"/>
+          </a:fillRef>
+          <a:effectRef idx="0">
+            <a:schemeClr val="accent1"/>
+          </a:effectRef>
+          <a:fontRef idx="minor">
+            <a:schemeClr val="tx1"/>
+          </a:fontRef>
+        </p:style>
+      </p:cxnSp>
+      <p:sp>
+        <p:nvSpPr>
+          <p:cNvPr id="6" name="Tytuł 3">
+            <a:extLst>
+              <a:ext uri="{FF2B5EF4-FFF2-40B4-BE49-F238E27FC236}">
+                <a16:creationId xmlns:a16="http://schemas.microsoft.com/office/drawing/2014/main" id="{5BF181EA-4843-A50D-A8F2-90172A77E4BD}"/>
+              </a:ext>
+            </a:extLst>
+          </p:cNvPr>
+          <p:cNvSpPr txBox="1">
+            <a:spLocks/>
+          </p:cNvSpPr>
+          <p:nvPr/>
+        </p:nvSpPr>
+        <p:spPr>
+          <a:xfrm>
+            <a:off x="11713349" y="1114866"/>
+            <a:ext cx="4767441" cy="650760"/>
+          </a:xfrm>
+          <a:prstGeom prst="rect">
+            <a:avLst/>
+          </a:prstGeom>
+          <a:ln w="38100">
+            <a:solidFill>
+              <a:srgbClr val="C00000"/>
+            </a:solidFill>
+          </a:ln>
+        </p:spPr>
+        <p:txBody>
+          <a:bodyPr wrap="square" lIns="0" tIns="0" rIns="0" bIns="0" anchor="ctr">
+            <a:noAutofit/>
+          </a:bodyPr>
+          <a:lstStyle>
+            <a:lvl1pPr eaLnBrk="1" hangingPunct="1">
+              <a:defRPr sz="3600" b="1">
+                <a:latin typeface="Good Headline Pro"/>
+                <a:ea typeface="+mj-ea"/>
+                <a:cs typeface="+mj-cs"/>
+              </a:defRPr>
+            </a:lvl1pPr>
+          </a:lstStyle>
+          <a:p>
+            <a:pPr algn="ctr"/>
+            <a:r>
+              <a:rPr lang="pl-PL" kern="0" dirty="0" err="1">
+                <a:solidFill>
+                  <a:sysClr val="windowText" lastClr="000000"/>
+                </a:solidFill>
+              </a:rPr>
+              <a:t>EmbeddingGemma</a:t>
+            </a:r>
+            <a:endParaRPr lang="pl-PL" kern="0" dirty="0">
+              <a:solidFill>
+                <a:sysClr val="windowText" lastClr="000000"/>
+              </a:solidFill>
+            </a:endParaRPr>
+          </a:p>
+        </p:txBody>
+      </p:sp>
+      <p:sp>
+        <p:nvSpPr>
+          <p:cNvPr id="7" name="Symbol zastępczy tekstu 1">
+            <a:extLst>
+              <a:ext uri="{FF2B5EF4-FFF2-40B4-BE49-F238E27FC236}">
+                <a16:creationId xmlns:a16="http://schemas.microsoft.com/office/drawing/2014/main" id="{BD443156-FD9D-BCBD-8D10-2201B8C2D353}"/>
+              </a:ext>
+            </a:extLst>
+          </p:cNvPr>
+          <p:cNvSpPr txBox="1">
+            <a:spLocks/>
+          </p:cNvSpPr>
+          <p:nvPr/>
+        </p:nvSpPr>
+        <p:spPr>
+          <a:xfrm>
+            <a:off x="867410" y="1054083"/>
+            <a:ext cx="6582554" cy="691282"/>
+          </a:xfrm>
+          <a:prstGeom prst="rect">
+            <a:avLst/>
+          </a:prstGeom>
+        </p:spPr>
+        <p:txBody>
+          <a:bodyPr wrap="square" lIns="0" tIns="0" rIns="0" bIns="0">
+            <a:noAutofit/>
+          </a:bodyPr>
+          <a:lstStyle>
+            <a:lvl1pPr marL="0" eaLnBrk="1" hangingPunct="1">
+              <a:defRPr sz="2400">
+                <a:latin typeface="Arial" panose="020B0604020202020204" pitchFamily="34" charset="0"/>
+                <a:ea typeface="+mn-ea"/>
+                <a:cs typeface="Arial" panose="020B0604020202020204" pitchFamily="34" charset="0"/>
+              </a:defRPr>
+            </a:lvl1pPr>
+            <a:lvl2pPr marL="457200" eaLnBrk="1" hangingPunct="1">
+              <a:defRPr>
+                <a:latin typeface="+mn-lt"/>
+                <a:ea typeface="+mn-ea"/>
+                <a:cs typeface="+mn-cs"/>
+              </a:defRPr>
+            </a:lvl2pPr>
+            <a:lvl3pPr marL="914400" eaLnBrk="1" hangingPunct="1">
+              <a:defRPr>
+                <a:latin typeface="+mn-lt"/>
+                <a:ea typeface="+mn-ea"/>
+                <a:cs typeface="+mn-cs"/>
+              </a:defRPr>
+            </a:lvl3pPr>
+            <a:lvl4pPr marL="1371600" eaLnBrk="1" hangingPunct="1">
+              <a:defRPr>
+                <a:latin typeface="+mn-lt"/>
+                <a:ea typeface="+mn-ea"/>
+                <a:cs typeface="+mn-cs"/>
+              </a:defRPr>
+            </a:lvl4pPr>
+            <a:lvl5pPr marL="1828800" eaLnBrk="1" hangingPunct="1">
+              <a:defRPr>
+                <a:latin typeface="+mn-lt"/>
+                <a:ea typeface="+mn-ea"/>
+                <a:cs typeface="+mn-cs"/>
+              </a:defRPr>
+            </a:lvl5pPr>
+            <a:lvl6pPr marL="2286000" eaLnBrk="1" hangingPunct="1">
+              <a:defRPr>
+                <a:latin typeface="+mn-lt"/>
+                <a:ea typeface="+mn-ea"/>
+                <a:cs typeface="+mn-cs"/>
+              </a:defRPr>
+            </a:lvl6pPr>
+            <a:lvl7pPr marL="2743200" eaLnBrk="1" hangingPunct="1">
+              <a:defRPr>
+                <a:latin typeface="+mn-lt"/>
+                <a:ea typeface="+mn-ea"/>
+                <a:cs typeface="+mn-cs"/>
+              </a:defRPr>
+            </a:lvl7pPr>
+            <a:lvl8pPr marL="3200400" eaLnBrk="1" hangingPunct="1">
+              <a:defRPr>
+                <a:latin typeface="+mn-lt"/>
+                <a:ea typeface="+mn-ea"/>
+                <a:cs typeface="+mn-cs"/>
+              </a:defRPr>
+            </a:lvl8pPr>
+            <a:lvl9pPr marL="3657600" eaLnBrk="1" hangingPunct="1">
+              <a:defRPr>
+                <a:latin typeface="+mn-lt"/>
+                <a:ea typeface="+mn-ea"/>
+                <a:cs typeface="+mn-cs"/>
+              </a:defRPr>
+            </a:lvl9pPr>
+          </a:lstStyle>
+          <a:p>
+            <a:r>
+              <a:rPr lang="pl-PL" sz="3600" kern="0" dirty="0">
+                <a:solidFill>
+                  <a:sysClr val="windowText" lastClr="000000"/>
+                </a:solidFill>
+                <a:latin typeface="Agency FB" panose="020B0503020202020204" pitchFamily="34" charset="0"/>
+              </a:rPr>
+              <a:t>Modele do EMBEDDINGU</a:t>
+            </a:r>
+          </a:p>
+        </p:txBody>
+      </p:sp>
+      <p:sp>
+        <p:nvSpPr>
+          <p:cNvPr id="9" name="Symbol zastępczy tekstu 1">
+            <a:extLst>
+              <a:ext uri="{FF2B5EF4-FFF2-40B4-BE49-F238E27FC236}">
+                <a16:creationId xmlns:a16="http://schemas.microsoft.com/office/drawing/2014/main" id="{70E0E40C-243F-E5AA-F70A-3F075B405BBD}"/>
+              </a:ext>
+            </a:extLst>
+          </p:cNvPr>
+          <p:cNvSpPr txBox="1">
+            <a:spLocks/>
+          </p:cNvSpPr>
+          <p:nvPr/>
+        </p:nvSpPr>
+        <p:spPr>
+          <a:xfrm>
+            <a:off x="12202492" y="8400666"/>
+            <a:ext cx="4687213" cy="508582"/>
+          </a:xfrm>
+          <a:prstGeom prst="rect">
+            <a:avLst/>
+          </a:prstGeom>
+        </p:spPr>
+        <p:txBody>
+          <a:bodyPr wrap="square" lIns="0" tIns="0" rIns="0" bIns="0">
+            <a:noAutofit/>
+          </a:bodyPr>
+          <a:lstStyle>
+            <a:lvl1pPr marL="0" eaLnBrk="1" hangingPunct="1">
+              <a:defRPr sz="2400">
+                <a:latin typeface="Arial" panose="020B0604020202020204" pitchFamily="34" charset="0"/>
+                <a:ea typeface="+mn-ea"/>
+                <a:cs typeface="Arial" panose="020B0604020202020204" pitchFamily="34" charset="0"/>
+              </a:defRPr>
+            </a:lvl1pPr>
+            <a:lvl2pPr marL="457200" eaLnBrk="1" hangingPunct="1">
+              <a:defRPr>
+                <a:latin typeface="+mn-lt"/>
+                <a:ea typeface="+mn-ea"/>
+                <a:cs typeface="+mn-cs"/>
+              </a:defRPr>
+            </a:lvl2pPr>
+            <a:lvl3pPr marL="914400" eaLnBrk="1" hangingPunct="1">
+              <a:defRPr>
+                <a:latin typeface="+mn-lt"/>
+                <a:ea typeface="+mn-ea"/>
+                <a:cs typeface="+mn-cs"/>
+              </a:defRPr>
+            </a:lvl3pPr>
+            <a:lvl4pPr marL="1371600" eaLnBrk="1" hangingPunct="1">
+              <a:defRPr>
+                <a:latin typeface="+mn-lt"/>
+                <a:ea typeface="+mn-ea"/>
+                <a:cs typeface="+mn-cs"/>
+              </a:defRPr>
+            </a:lvl4pPr>
+            <a:lvl5pPr marL="1828800" eaLnBrk="1" hangingPunct="1">
+              <a:defRPr>
+                <a:latin typeface="+mn-lt"/>
+                <a:ea typeface="+mn-ea"/>
+                <a:cs typeface="+mn-cs"/>
+              </a:defRPr>
+            </a:lvl5pPr>
+            <a:lvl6pPr marL="2286000" eaLnBrk="1" hangingPunct="1">
+              <a:defRPr>
+                <a:latin typeface="+mn-lt"/>
+                <a:ea typeface="+mn-ea"/>
+                <a:cs typeface="+mn-cs"/>
+              </a:defRPr>
+            </a:lvl6pPr>
+            <a:lvl7pPr marL="2743200" eaLnBrk="1" hangingPunct="1">
+              <a:defRPr>
+                <a:latin typeface="+mn-lt"/>
+                <a:ea typeface="+mn-ea"/>
+                <a:cs typeface="+mn-cs"/>
+              </a:defRPr>
+            </a:lvl7pPr>
+            <a:lvl8pPr marL="3200400" eaLnBrk="1" hangingPunct="1">
+              <a:defRPr>
+                <a:latin typeface="+mn-lt"/>
+                <a:ea typeface="+mn-ea"/>
+                <a:cs typeface="+mn-cs"/>
+              </a:defRPr>
+            </a:lvl8pPr>
+            <a:lvl9pPr marL="3657600" eaLnBrk="1" hangingPunct="1">
+              <a:defRPr>
+                <a:latin typeface="+mn-lt"/>
+                <a:ea typeface="+mn-ea"/>
+                <a:cs typeface="+mn-cs"/>
+              </a:defRPr>
+            </a:lvl9pPr>
+          </a:lstStyle>
+          <a:p>
+            <a:pPr algn="just"/>
+            <a:r>
+              <a:rPr lang="pl-PL" sz="1400" kern="0" dirty="0">
+                <a:solidFill>
+                  <a:sysClr val="windowText" lastClr="000000"/>
+                </a:solidFill>
+                <a:hlinkClick r:id="rId2"/>
+              </a:rPr>
+              <a:t>https://ollama.com/library/embeddinggemma</a:t>
+            </a:r>
+            <a:endParaRPr lang="pl-PL" sz="1400" kern="0" dirty="0">
+              <a:solidFill>
+                <a:sysClr val="windowText" lastClr="000000"/>
+              </a:solidFill>
+            </a:endParaRPr>
+          </a:p>
+          <a:p>
+            <a:pPr algn="just"/>
+            <a:endParaRPr lang="pl-PL" sz="1400" kern="0" dirty="0">
+              <a:solidFill>
+                <a:sysClr val="windowText" lastClr="000000"/>
+              </a:solidFill>
+            </a:endParaRPr>
+          </a:p>
+          <a:p>
+            <a:pPr algn="just"/>
+            <a:r>
+              <a:rPr lang="pl-PL" sz="1400" kern="0" dirty="0">
+                <a:solidFill>
+                  <a:sysClr val="windowText" lastClr="000000"/>
+                </a:solidFill>
+                <a:hlinkClick r:id="rId3"/>
+              </a:rPr>
+              <a:t>https://huggingface.co/google/embeddinggemma-300m</a:t>
+            </a:r>
+            <a:endParaRPr lang="pl-PL" sz="1400" kern="0" dirty="0">
+              <a:solidFill>
+                <a:sysClr val="windowText" lastClr="000000"/>
+              </a:solidFill>
+            </a:endParaRPr>
+          </a:p>
+        </p:txBody>
+      </p:sp>
+      <p:sp>
+        <p:nvSpPr>
+          <p:cNvPr id="11" name="Symbol zastępczy tekstu 1">
+            <a:extLst>
+              <a:ext uri="{FF2B5EF4-FFF2-40B4-BE49-F238E27FC236}">
+                <a16:creationId xmlns:a16="http://schemas.microsoft.com/office/drawing/2014/main" id="{C0424811-FBAB-6E4B-C283-AE9BE367178F}"/>
+              </a:ext>
+            </a:extLst>
+          </p:cNvPr>
+          <p:cNvSpPr>
+            <a:spLocks noGrp="1"/>
+          </p:cNvSpPr>
+          <p:nvPr>
+            <p:ph type="body" idx="1"/>
+          </p:nvPr>
+        </p:nvSpPr>
+        <p:spPr>
+          <a:xfrm>
+            <a:off x="867410" y="2572544"/>
+            <a:ext cx="6415405" cy="5688632"/>
+          </a:xfrm>
+        </p:spPr>
+        <p:txBody>
+          <a:bodyPr/>
+          <a:lstStyle/>
+          <a:p>
+            <a:pPr algn="just"/>
+            <a:r>
+              <a:rPr lang="pl-PL" sz="1800" b="1" dirty="0"/>
+              <a:t>Rozmiar</a:t>
+            </a:r>
+            <a:r>
+              <a:rPr lang="pl-PL" sz="1800" dirty="0"/>
+              <a:t>: 622MB,</a:t>
+            </a:r>
+          </a:p>
+          <a:p>
+            <a:pPr algn="just"/>
+            <a:r>
+              <a:rPr lang="pl-PL" sz="1800" b="1" dirty="0"/>
+              <a:t>Kontekst</a:t>
+            </a:r>
+            <a:r>
+              <a:rPr lang="pl-PL" sz="1800" dirty="0"/>
+              <a:t>: 2 tysiące</a:t>
+            </a:r>
+          </a:p>
+          <a:p>
+            <a:pPr algn="just"/>
+            <a:r>
+              <a:rPr lang="pl-PL" sz="1800" b="1" dirty="0"/>
+              <a:t>Licencja</a:t>
+            </a:r>
+            <a:r>
+              <a:rPr lang="pl-PL" sz="1800" dirty="0"/>
+              <a:t>: Własna licencja Gemma</a:t>
+            </a:r>
+          </a:p>
+          <a:p>
+            <a:pPr algn="just"/>
+            <a:endParaRPr lang="pl-PL" sz="1800" dirty="0"/>
+          </a:p>
+          <a:p>
+            <a:pPr algn="just"/>
+            <a:endParaRPr lang="pl-PL" sz="1800" dirty="0"/>
+          </a:p>
+          <a:p>
+            <a:pPr algn="just"/>
+            <a:r>
+              <a:rPr lang="pl-PL" sz="1800" dirty="0"/>
+              <a:t>Pozwala:</a:t>
+            </a:r>
+          </a:p>
+          <a:p>
+            <a:pPr marL="285750" indent="-285750" algn="just">
+              <a:buFont typeface="Arial" panose="020B0604020202020204" pitchFamily="34" charset="0"/>
+              <a:buChar char="•"/>
+            </a:pPr>
+            <a:r>
+              <a:rPr lang="pl-PL" sz="1800" dirty="0"/>
+              <a:t>używać modelu lokalnie lub na serwerze</a:t>
+            </a:r>
+          </a:p>
+          <a:p>
+            <a:pPr marL="285750" indent="-285750" algn="just">
+              <a:buFont typeface="Arial" panose="020B0604020202020204" pitchFamily="34" charset="0"/>
+              <a:buChar char="•"/>
+            </a:pPr>
+            <a:r>
+              <a:rPr lang="pl-PL" sz="1800" dirty="0"/>
+              <a:t>generować </a:t>
+            </a:r>
+            <a:r>
+              <a:rPr lang="pl-PL" sz="1800" dirty="0" err="1"/>
+              <a:t>embeddingi</a:t>
+            </a:r>
+            <a:r>
+              <a:rPr lang="pl-PL" sz="1800" dirty="0"/>
+              <a:t>,</a:t>
+            </a:r>
+          </a:p>
+          <a:p>
+            <a:pPr marL="285750" indent="-285750" algn="just" rtl="0">
+              <a:buFont typeface="Arial" panose="020B0604020202020204" pitchFamily="34" charset="0"/>
+              <a:buChar char="•"/>
+            </a:pPr>
+            <a:r>
+              <a:rPr lang="pl-PL" altLang="pl-PL" sz="1800" dirty="0">
+                <a:solidFill>
+                  <a:schemeClr val="tx1"/>
+                </a:solidFill>
+              </a:rPr>
+              <a:t>fine-</a:t>
+            </a:r>
+            <a:r>
+              <a:rPr lang="pl-PL" altLang="pl-PL" sz="1800" dirty="0" err="1">
+                <a:solidFill>
+                  <a:schemeClr val="tx1"/>
+                </a:solidFill>
+              </a:rPr>
+              <a:t>tunować</a:t>
+            </a:r>
+            <a:r>
+              <a:rPr lang="pl-PL" altLang="pl-PL" sz="1800" dirty="0">
+                <a:solidFill>
+                  <a:schemeClr val="tx1"/>
+                </a:solidFill>
+              </a:rPr>
+              <a:t> model</a:t>
+            </a:r>
+          </a:p>
+          <a:p>
+            <a:pPr marL="285750" indent="-285750" algn="just" rtl="0">
+              <a:buFont typeface="Arial" panose="020B0604020202020204" pitchFamily="34" charset="0"/>
+              <a:buChar char="•"/>
+            </a:pPr>
+            <a:r>
+              <a:rPr lang="pl-PL" altLang="pl-PL" sz="1800" dirty="0">
+                <a:solidFill>
+                  <a:schemeClr val="tx1"/>
+                </a:solidFill>
+              </a:rPr>
+              <a:t>używać w projektach badawczych i komercyjnych</a:t>
+            </a:r>
+          </a:p>
+          <a:p>
+            <a:pPr marL="285750" indent="-285750" algn="just" rtl="0">
+              <a:buFont typeface="Arial" panose="020B0604020202020204" pitchFamily="34" charset="0"/>
+              <a:buChar char="•"/>
+            </a:pPr>
+            <a:r>
+              <a:rPr lang="pl-PL" altLang="pl-PL" sz="1800" dirty="0">
+                <a:solidFill>
+                  <a:schemeClr val="tx1"/>
+                </a:solidFill>
+              </a:rPr>
+              <a:t>integrować w systemach RAG</a:t>
+            </a:r>
+          </a:p>
+          <a:p>
+            <a:pPr marL="285750" indent="-285750" algn="just" rtl="0">
+              <a:buFont typeface="Arial" panose="020B0604020202020204" pitchFamily="34" charset="0"/>
+              <a:buChar char="•"/>
+            </a:pPr>
+            <a:r>
+              <a:rPr lang="pl-PL" altLang="pl-PL" sz="1800" dirty="0">
+                <a:solidFill>
+                  <a:schemeClr val="tx1"/>
+                </a:solidFill>
+              </a:rPr>
+              <a:t>wdrażać aplikacje oparte na wynikach modelu</a:t>
+            </a:r>
+            <a:endParaRPr lang="pl-PL" sz="1800" dirty="0"/>
+          </a:p>
+          <a:p>
+            <a:pPr algn="just"/>
+            <a:endParaRPr lang="pl-PL" sz="1800" dirty="0"/>
+          </a:p>
+          <a:p>
+            <a:pPr algn="just"/>
+            <a:r>
+              <a:rPr lang="pl-PL" sz="1800" dirty="0"/>
+              <a:t>Ogranicza: </a:t>
+            </a:r>
+          </a:p>
+          <a:p>
+            <a:pPr marL="285750" indent="-285750" algn="just">
+              <a:buFont typeface="Arial" panose="020B0604020202020204" pitchFamily="34" charset="0"/>
+              <a:buChar char="•"/>
+            </a:pPr>
+            <a:r>
+              <a:rPr lang="pl-PL" sz="1800" dirty="0"/>
+              <a:t>użycie do działań niezgodnych z prawem,</a:t>
+            </a:r>
+          </a:p>
+          <a:p>
+            <a:pPr marL="285750" indent="-285750" algn="just">
+              <a:buFont typeface="Arial" panose="020B0604020202020204" pitchFamily="34" charset="0"/>
+              <a:buChar char="•"/>
+            </a:pPr>
+            <a:r>
+              <a:rPr lang="pl-PL" sz="1800" dirty="0"/>
+              <a:t>użycie do generowania treści szkodliwych (standardowe klauzule </a:t>
+            </a:r>
+            <a:r>
+              <a:rPr lang="pl-PL" sz="1800" dirty="0" err="1"/>
+              <a:t>safety</a:t>
+            </a:r>
+            <a:r>
+              <a:rPr lang="pl-PL" sz="1800" dirty="0"/>
+              <a:t>),</a:t>
+            </a:r>
+          </a:p>
+          <a:p>
+            <a:pPr marL="285750" indent="-285750" algn="just">
+              <a:buFont typeface="Arial" panose="020B0604020202020204" pitchFamily="34" charset="0"/>
+              <a:buChar char="•"/>
+            </a:pPr>
+            <a:r>
+              <a:rPr lang="pl-PL" sz="1800" dirty="0"/>
+              <a:t>trenowanie konkurencyjnych dużych modeli bazowych na wagach Gemma,</a:t>
+            </a:r>
+          </a:p>
+          <a:p>
+            <a:pPr marL="285750" indent="-285750" algn="just">
+              <a:buFont typeface="Arial" panose="020B0604020202020204" pitchFamily="34" charset="0"/>
+              <a:buChar char="•"/>
+            </a:pPr>
+            <a:r>
+              <a:rPr lang="pl-PL" sz="1800" dirty="0"/>
+              <a:t>usuwanie informacji o licencji / autorstwie.</a:t>
+            </a:r>
+          </a:p>
+          <a:p>
+            <a:pPr algn="just"/>
+            <a:endParaRPr lang="pl-PL" sz="1800" dirty="0"/>
+          </a:p>
+          <a:p>
+            <a:pPr algn="just"/>
+            <a:endParaRPr lang="pl-PL" sz="1800" dirty="0"/>
+          </a:p>
+        </p:txBody>
+      </p:sp>
+      <p:sp>
+        <p:nvSpPr>
+          <p:cNvPr id="14" name="Symbol zastępczy tekstu 1">
+            <a:extLst>
+              <a:ext uri="{FF2B5EF4-FFF2-40B4-BE49-F238E27FC236}">
+                <a16:creationId xmlns:a16="http://schemas.microsoft.com/office/drawing/2014/main" id="{E836EA48-78F9-DA7B-3CE2-D65EC84378E3}"/>
+              </a:ext>
+            </a:extLst>
+          </p:cNvPr>
+          <p:cNvSpPr txBox="1">
+            <a:spLocks/>
+          </p:cNvSpPr>
+          <p:nvPr/>
+        </p:nvSpPr>
+        <p:spPr>
+          <a:xfrm>
+            <a:off x="8674100" y="2500536"/>
+            <a:ext cx="7783557" cy="5832648"/>
+          </a:xfrm>
+          <a:prstGeom prst="rect">
+            <a:avLst/>
+          </a:prstGeom>
+        </p:spPr>
+        <p:txBody>
+          <a:bodyPr wrap="square" lIns="0" tIns="0" rIns="0" bIns="0">
+            <a:noAutofit/>
+          </a:bodyPr>
+          <a:lstStyle>
+            <a:lvl1pPr marL="0" eaLnBrk="1" hangingPunct="1">
+              <a:defRPr sz="2400">
+                <a:latin typeface="Arial" panose="020B0604020202020204" pitchFamily="34" charset="0"/>
+                <a:ea typeface="+mn-ea"/>
+                <a:cs typeface="Arial" panose="020B0604020202020204" pitchFamily="34" charset="0"/>
+              </a:defRPr>
+            </a:lvl1pPr>
+            <a:lvl2pPr marL="457200" eaLnBrk="1" hangingPunct="1">
+              <a:defRPr>
+                <a:latin typeface="+mn-lt"/>
+                <a:ea typeface="+mn-ea"/>
+                <a:cs typeface="+mn-cs"/>
+              </a:defRPr>
+            </a:lvl2pPr>
+            <a:lvl3pPr marL="914400" eaLnBrk="1" hangingPunct="1">
+              <a:defRPr>
+                <a:latin typeface="+mn-lt"/>
+                <a:ea typeface="+mn-ea"/>
+                <a:cs typeface="+mn-cs"/>
+              </a:defRPr>
+            </a:lvl3pPr>
+            <a:lvl4pPr marL="1371600" eaLnBrk="1" hangingPunct="1">
+              <a:defRPr>
+                <a:latin typeface="+mn-lt"/>
+                <a:ea typeface="+mn-ea"/>
+                <a:cs typeface="+mn-cs"/>
+              </a:defRPr>
+            </a:lvl4pPr>
+            <a:lvl5pPr marL="1828800" eaLnBrk="1" hangingPunct="1">
+              <a:defRPr>
+                <a:latin typeface="+mn-lt"/>
+                <a:ea typeface="+mn-ea"/>
+                <a:cs typeface="+mn-cs"/>
+              </a:defRPr>
+            </a:lvl5pPr>
+            <a:lvl6pPr marL="2286000" eaLnBrk="1" hangingPunct="1">
+              <a:defRPr>
+                <a:latin typeface="+mn-lt"/>
+                <a:ea typeface="+mn-ea"/>
+                <a:cs typeface="+mn-cs"/>
+              </a:defRPr>
+            </a:lvl6pPr>
+            <a:lvl7pPr marL="2743200" eaLnBrk="1" hangingPunct="1">
+              <a:defRPr>
+                <a:latin typeface="+mn-lt"/>
+                <a:ea typeface="+mn-ea"/>
+                <a:cs typeface="+mn-cs"/>
+              </a:defRPr>
+            </a:lvl7pPr>
+            <a:lvl8pPr marL="3200400" eaLnBrk="1" hangingPunct="1">
+              <a:defRPr>
+                <a:latin typeface="+mn-lt"/>
+                <a:ea typeface="+mn-ea"/>
+                <a:cs typeface="+mn-cs"/>
+              </a:defRPr>
+            </a:lvl8pPr>
+            <a:lvl9pPr marL="3657600" eaLnBrk="1" hangingPunct="1">
+              <a:defRPr>
+                <a:latin typeface="+mn-lt"/>
+                <a:ea typeface="+mn-ea"/>
+                <a:cs typeface="+mn-cs"/>
+              </a:defRPr>
+            </a:lvl9pPr>
+          </a:lstStyle>
+          <a:p>
+            <a:pPr algn="just"/>
+            <a:r>
+              <a:rPr lang="pl-PL" sz="1800" kern="0" dirty="0" err="1">
+                <a:solidFill>
+                  <a:sysClr val="windowText" lastClr="000000"/>
+                </a:solidFill>
+              </a:rPr>
+              <a:t>EmbeddingGemma</a:t>
+            </a:r>
+            <a:r>
+              <a:rPr lang="pl-PL" sz="1800" kern="0" dirty="0">
+                <a:solidFill>
+                  <a:sysClr val="windowText" lastClr="000000"/>
+                </a:solidFill>
+              </a:rPr>
+              <a:t> jest otwartym modelem </a:t>
+            </a:r>
+            <a:r>
+              <a:rPr lang="pl-PL" sz="1800" kern="0" dirty="0" err="1">
+                <a:solidFill>
+                  <a:sysClr val="windowText" lastClr="000000"/>
+                </a:solidFill>
+              </a:rPr>
+              <a:t>embeddingowym</a:t>
+            </a:r>
+            <a:r>
+              <a:rPr lang="pl-PL" sz="1800" kern="0" dirty="0">
+                <a:solidFill>
+                  <a:sysClr val="windowText" lastClr="000000"/>
+                </a:solidFill>
+              </a:rPr>
+              <a:t> opracowanym przez Google </a:t>
+            </a:r>
+            <a:r>
+              <a:rPr lang="pl-PL" sz="1800" kern="0" dirty="0" err="1">
+                <a:solidFill>
+                  <a:sysClr val="windowText" lastClr="000000"/>
+                </a:solidFill>
+              </a:rPr>
+              <a:t>DeepMind</a:t>
+            </a:r>
+            <a:r>
+              <a:rPr lang="pl-PL" sz="1800" kern="0" dirty="0">
+                <a:solidFill>
+                  <a:sysClr val="windowText" lastClr="000000"/>
+                </a:solidFill>
+              </a:rPr>
+              <a:t>, należącym do rodziny modeli Gemma. Zaprojektowany został z myślą o zadaniach związanych z reprezentacją semantyczną tekstu, takich jak wyszukiwanie semantyczne, grupowanie dokumentów, klasyfikacja oraz systemy typu </a:t>
+            </a:r>
+            <a:r>
+              <a:rPr lang="pl-PL" sz="1800" kern="0" dirty="0" err="1">
+                <a:solidFill>
+                  <a:sysClr val="windowText" lastClr="000000"/>
+                </a:solidFill>
+              </a:rPr>
+              <a:t>Retrieval-Augmented</a:t>
+            </a:r>
+            <a:r>
+              <a:rPr lang="pl-PL" sz="1800" kern="0" dirty="0">
+                <a:solidFill>
+                  <a:sysClr val="windowText" lastClr="000000"/>
+                </a:solidFill>
+              </a:rPr>
+              <a:t> </a:t>
+            </a:r>
+            <a:r>
+              <a:rPr lang="pl-PL" sz="1800" kern="0" dirty="0" err="1">
+                <a:solidFill>
+                  <a:sysClr val="windowText" lastClr="000000"/>
+                </a:solidFill>
+              </a:rPr>
+              <a:t>Generation</a:t>
+            </a:r>
+            <a:r>
+              <a:rPr lang="pl-PL" sz="1800" kern="0" dirty="0">
+                <a:solidFill>
+                  <a:sysClr val="windowText" lastClr="000000"/>
+                </a:solidFill>
+              </a:rPr>
+              <a:t> (RAG).</a:t>
+            </a:r>
+          </a:p>
+          <a:p>
+            <a:pPr marL="285750" indent="-285750" algn="just">
+              <a:buFont typeface="Arial" panose="020B0604020202020204" pitchFamily="34" charset="0"/>
+              <a:buChar char="•"/>
+            </a:pPr>
+            <a:endParaRPr lang="pl-PL" sz="1800" kern="0" dirty="0">
+              <a:solidFill>
+                <a:sysClr val="windowText" lastClr="000000"/>
+              </a:solidFill>
+            </a:endParaRPr>
+          </a:p>
+          <a:p>
+            <a:pPr marL="285750" indent="-285750" algn="just">
+              <a:buFont typeface="Arial" panose="020B0604020202020204" pitchFamily="34" charset="0"/>
+              <a:buChar char="•"/>
+            </a:pPr>
+            <a:r>
+              <a:rPr lang="pl-PL" sz="1800" kern="0" dirty="0">
+                <a:solidFill>
+                  <a:sysClr val="windowText" lastClr="000000"/>
+                </a:solidFill>
+              </a:rPr>
+              <a:t>Trenowany na 100+ językach, dobrze działa w kontekście wielojęzycznym.</a:t>
+            </a:r>
+          </a:p>
+          <a:p>
+            <a:pPr marL="285750" indent="-285750" algn="just">
+              <a:buFont typeface="Arial" panose="020B0604020202020204" pitchFamily="34" charset="0"/>
+              <a:buChar char="•"/>
+            </a:pPr>
+            <a:r>
+              <a:rPr lang="pl-PL" sz="1800" kern="0" dirty="0">
+                <a:solidFill>
+                  <a:sysClr val="windowText" lastClr="000000"/>
+                </a:solidFill>
+              </a:rPr>
+              <a:t>Optymalizowany dla wydajności i niskiej pamięci, co ułatwia </a:t>
+            </a:r>
+            <a:r>
+              <a:rPr lang="pl-PL" sz="1800" kern="0" dirty="0" err="1">
+                <a:solidFill>
+                  <a:sysClr val="windowText" lastClr="000000"/>
+                </a:solidFill>
+              </a:rPr>
+              <a:t>embeddingi</a:t>
+            </a:r>
+            <a:r>
+              <a:rPr lang="pl-PL" sz="1800" kern="0" dirty="0">
+                <a:solidFill>
+                  <a:sysClr val="windowText" lastClr="000000"/>
+                </a:solidFill>
+              </a:rPr>
+              <a:t> nawet na słabszym sprzęcie.</a:t>
+            </a:r>
+          </a:p>
+          <a:p>
+            <a:pPr algn="just"/>
+            <a:endParaRPr lang="pl-PL" sz="1800" kern="0" dirty="0">
+              <a:solidFill>
+                <a:sysClr val="windowText" lastClr="000000"/>
+              </a:solidFill>
+            </a:endParaRPr>
+          </a:p>
+          <a:p>
+            <a:pPr algn="just"/>
+            <a:endParaRPr lang="pl-PL" sz="1800" kern="0" dirty="0">
+              <a:solidFill>
+                <a:sysClr val="windowText" lastClr="000000"/>
+              </a:solidFill>
+            </a:endParaRPr>
+          </a:p>
+        </p:txBody>
+      </p:sp>
+    </p:spTree>
+    <p:extLst>
+      <p:ext uri="{BB962C8B-B14F-4D97-AF65-F5344CB8AC3E}">
+        <p14:creationId xmlns:p14="http://schemas.microsoft.com/office/powerpoint/2010/main" val="999269416"/>
+      </p:ext>
+    </p:extLst>
+  </p:cSld>
+  <p:clrMapOvr>
+    <a:masterClrMapping/>
+  </p:clrMapOvr>
+</p:sld>
+</file>
+
+<file path=ppt/slides/slide27.xml><?xml version="1.0" encoding="utf-8"?>
 <p:sld xmlns:a="http://schemas.openxmlformats.org/drawingml/2006/main" xmlns:r="http://schemas.openxmlformats.org/officeDocument/2006/relationships" xmlns:p="http://schemas.openxmlformats.org/presentationml/2006/main">
   <p:cSld>
     <p:spTree>
@@ -15154,23 +19500,7 @@
                   <a:sysClr val="windowText" lastClr="000000"/>
                 </a:solidFill>
               </a:rPr>
-              <a:t>społeczność może samodzielnie dostrajać, </a:t>
-            </a:r>
-            <a:r>
-              <a:rPr lang="pl-PL" b="1" kern="0" dirty="0" err="1">
-                <a:solidFill>
-                  <a:sysClr val="windowText" lastClr="000000"/>
-                </a:solidFill>
-              </a:rPr>
-              <a:t>hostować</a:t>
-            </a:r>
-            <a:r>
-              <a:rPr lang="pl-PL" b="1" kern="0" dirty="0">
-                <a:solidFill>
-                  <a:sysClr val="windowText" lastClr="000000"/>
-                </a:solidFill>
-              </a:rPr>
-              <a:t> </a:t>
+              <a:t>społeczność może samodzielnie dostrajać, hostować </a:t>
             </a:r>
             <a:r>
               <a:rPr lang="pl-PL" kern="0" dirty="0">
